--- a/講義/第五堂課React-form.pptx
+++ b/講義/第五堂課React-form.pptx
@@ -282,7 +282,7 @@
           <a:p>
             <a:fld id="{D06FD09B-FFE9-4BAC-AACE-1331FB8C37FE}" type="datetimeFigureOut">
               <a:rPr lang="zh-TW" altLang="en-US" smtClean="0"/>
-              <a:t>2024/7/5</a:t>
+              <a:t>2024/7/11</a:t>
             </a:fld>
             <a:endParaRPr lang="zh-TW" altLang="en-US"/>
           </a:p>
@@ -477,7 +477,7 @@
               <a:pPr>
                 <a:defRPr/>
               </a:pPr>
-              <a:t>2024/7/5</a:t>
+              <a:t>2024/7/11</a:t>
             </a:fld>
             <a:endParaRPr lang="zh-TW" altLang="en-US"/>
           </a:p>
@@ -2330,7 +2330,7 @@
               <a:pPr>
                 <a:defRPr/>
               </a:pPr>
-              <a:t>2024/7/5</a:t>
+              <a:t>2024/7/11</a:t>
             </a:fld>
             <a:endParaRPr lang="zh-TW" altLang="en-US"/>
           </a:p>
@@ -3120,14 +3120,83 @@
           <a:lstStyle/>
           <a:p>
             <a:r>
-              <a:rPr lang="en-US" altLang="zh-TW" dirty="0" smtClean="0">
+              <a:rPr lang="zh-TW" altLang="en-US" sz="2000" dirty="0" smtClean="0">
                 <a:solidFill>
                   <a:schemeClr val="accent6">
                     <a:lumMod val="50000"/>
                   </a:schemeClr>
                 </a:solidFill>
               </a:rPr>
-              <a:t>React-form</a:t>
+              <a:t> </a:t>
+            </a:r>
+            <a:r>
+              <a:rPr lang="en-US" altLang="zh-TW" sz="2800" dirty="0" smtClean="0">
+                <a:solidFill>
+                  <a:schemeClr val="bg1">
+                    <a:lumMod val="50000"/>
+                  </a:schemeClr>
+                </a:solidFill>
+              </a:rPr>
+              <a:t>REACT</a:t>
+            </a:r>
+            <a:r>
+              <a:rPr lang="zh-TW" altLang="en-US" sz="2800" dirty="0" smtClean="0">
+                <a:solidFill>
+                  <a:schemeClr val="bg1">
+                    <a:lumMod val="50000"/>
+                  </a:schemeClr>
+                </a:solidFill>
+              </a:rPr>
+              <a:t>第五堂</a:t>
+            </a:r>
+            <a:r>
+              <a:rPr lang="en-US" altLang="zh-TW" sz="2800" dirty="0">
+                <a:solidFill>
+                  <a:schemeClr val="bg1">
+                    <a:lumMod val="50000"/>
+                  </a:schemeClr>
+                </a:solidFill>
+              </a:rPr>
+              <a:t/>
+            </a:r>
+            <a:br>
+              <a:rPr lang="en-US" altLang="zh-TW" sz="2800" dirty="0">
+                <a:solidFill>
+                  <a:schemeClr val="bg1">
+                    <a:lumMod val="50000"/>
+                  </a:schemeClr>
+                </a:solidFill>
+              </a:rPr>
+            </a:br>
+            <a:r>
+              <a:rPr lang="zh-TW" altLang="en-US" dirty="0">
+                <a:solidFill>
+                  <a:schemeClr val="accent6">
+                    <a:lumMod val="50000"/>
+                  </a:schemeClr>
+                </a:solidFill>
+              </a:rPr>
+              <a:t>建立</a:t>
+            </a:r>
+            <a:r>
+              <a:rPr lang="zh-TW" altLang="en-US" sz="2800" dirty="0" smtClean="0">
+                <a:solidFill>
+                  <a:schemeClr val="bg1">
+                    <a:lumMod val="50000"/>
+                  </a:schemeClr>
+                </a:solidFill>
+              </a:rPr>
+              <a:t> </a:t>
+            </a:r>
+            <a:r>
+              <a:rPr lang="en-US" altLang="zh-TW" dirty="0">
+                <a:solidFill>
+                  <a:schemeClr val="accent6">
+                    <a:lumMod val="50000"/>
+                  </a:schemeClr>
+                </a:solidFill>
+              </a:rPr>
+              <a:t>form</a:t>
             </a:r>
             <a:r>
               <a:rPr lang="zh-TW" altLang="en-US" dirty="0">
@@ -3516,7 +3585,7 @@
         </p:nvSpPr>
         <p:spPr>
           <a:xfrm>
-            <a:off x="3896523" y="1517619"/>
+            <a:off x="3887193" y="1638917"/>
             <a:ext cx="5631656" cy="857250"/>
           </a:xfrm>
         </p:spPr>
@@ -3754,7 +3823,7 @@
         </p:nvSpPr>
         <p:spPr bwMode="auto">
           <a:xfrm>
-            <a:off x="3771263" y="2648614"/>
+            <a:off x="3803217" y="2496167"/>
             <a:ext cx="7139911" cy="3157788"/>
           </a:xfrm>
           <a:prstGeom prst="rect">
@@ -3937,7 +4006,7 @@
               <a:buChar char="ü"/>
             </a:pPr>
             <a:r>
-              <a:rPr lang="en-US" altLang="zh-TW" sz="2400" dirty="0" err="1">
+              <a:rPr lang="en-US" altLang="zh-TW" sz="2400" dirty="0" smtClean="0">
                 <a:solidFill>
                   <a:schemeClr val="accent6">
                     <a:lumMod val="50000"/>
@@ -3945,10 +4014,10 @@
                 </a:solidFill>
                 <a:latin typeface="+mn-ea"/>
               </a:rPr>
-              <a:t>useState</a:t>
+              <a:t>input</a:t>
             </a:r>
             <a:r>
-              <a:rPr lang="en-US" altLang="zh-TW" sz="2400" dirty="0">
+              <a:rPr lang="zh-TW" altLang="en-US" sz="2400" dirty="0" smtClean="0">
                 <a:solidFill>
                   <a:schemeClr val="accent6">
                     <a:lumMod val="50000"/>
@@ -3956,168 +4025,9 @@
                 </a:solidFill>
                 <a:latin typeface="+mn-ea"/>
               </a:rPr>
-              <a:t> </a:t>
+              <a:t>資料綁定</a:t>
             </a:r>
-            <a:r>
-              <a:rPr lang="zh-TW" altLang="en-US" sz="2400" dirty="0">
-                <a:solidFill>
-                  <a:schemeClr val="accent6">
-                    <a:lumMod val="50000"/>
-                  </a:schemeClr>
-                </a:solidFill>
-                <a:latin typeface="+mn-ea"/>
-              </a:rPr>
-              <a:t>綁定</a:t>
-            </a:r>
-            <a:r>
-              <a:rPr lang="en-US" altLang="zh-TW" sz="2400" dirty="0">
-                <a:solidFill>
-                  <a:schemeClr val="accent6">
-                    <a:lumMod val="50000"/>
-                  </a:schemeClr>
-                </a:solidFill>
-                <a:latin typeface="+mn-ea"/>
-              </a:rPr>
-              <a:t>input value</a:t>
-            </a:r>
-          </a:p>
-          <a:p>
-            <a:pPr>
-              <a:lnSpc>
-                <a:spcPct val="150000"/>
-              </a:lnSpc>
-              <a:buFont typeface="Wingdings" panose="05000000000000000000" pitchFamily="2" charset="2"/>
-              <a:buChar char="ü"/>
-            </a:pPr>
-            <a:r>
-              <a:rPr lang="zh-TW" altLang="en-US" sz="2400" dirty="0" smtClean="0">
-                <a:solidFill>
-                  <a:schemeClr val="accent6">
-                    <a:lumMod val="50000"/>
-                  </a:schemeClr>
-                </a:solidFill>
-                <a:latin typeface="+mn-ea"/>
-              </a:rPr>
-              <a:t>阻止表單預設行為及取得</a:t>
-            </a:r>
-            <a:r>
-              <a:rPr lang="en-US" altLang="zh-TW" sz="2400" dirty="0" smtClean="0">
-                <a:solidFill>
-                  <a:schemeClr val="accent6">
-                    <a:lumMod val="50000"/>
-                  </a:schemeClr>
-                </a:solidFill>
-                <a:latin typeface="+mn-ea"/>
-              </a:rPr>
-              <a:t>state</a:t>
-            </a:r>
-          </a:p>
-          <a:p>
-            <a:pPr>
-              <a:lnSpc>
-                <a:spcPct val="150000"/>
-              </a:lnSpc>
-              <a:buFont typeface="Wingdings" panose="05000000000000000000" pitchFamily="2" charset="2"/>
-              <a:buChar char="ü"/>
-            </a:pPr>
-            <a:r>
-              <a:rPr lang="en-US" altLang="zh-TW" sz="2400" dirty="0" smtClean="0">
-                <a:solidFill>
-                  <a:schemeClr val="accent6">
-                    <a:lumMod val="50000"/>
-                  </a:schemeClr>
-                </a:solidFill>
-                <a:latin typeface="+mn-ea"/>
-              </a:rPr>
-              <a:t>form </a:t>
-            </a:r>
-            <a:r>
-              <a:rPr lang="en-US" altLang="zh-TW" sz="2400" dirty="0">
-                <a:solidFill>
-                  <a:schemeClr val="accent6">
-                    <a:lumMod val="50000"/>
-                  </a:schemeClr>
-                </a:solidFill>
-                <a:latin typeface="+mn-ea"/>
-              </a:rPr>
-              <a:t>required (</a:t>
-            </a:r>
-            <a:r>
-              <a:rPr lang="zh-TW" altLang="en-US" sz="2400" dirty="0">
-                <a:solidFill>
-                  <a:schemeClr val="accent6">
-                    <a:lumMod val="50000"/>
-                  </a:schemeClr>
-                </a:solidFill>
-                <a:latin typeface="+mn-ea"/>
-              </a:rPr>
-              <a:t>必填欄位檢核</a:t>
-            </a:r>
-            <a:r>
-              <a:rPr lang="en-US" altLang="zh-TW" sz="2400" dirty="0" smtClean="0">
-                <a:solidFill>
-                  <a:schemeClr val="accent6">
-                    <a:lumMod val="50000"/>
-                  </a:schemeClr>
-                </a:solidFill>
-                <a:latin typeface="+mn-ea"/>
-              </a:rPr>
-              <a:t>)</a:t>
-            </a:r>
-          </a:p>
-          <a:p>
-            <a:pPr>
-              <a:lnSpc>
-                <a:spcPct val="150000"/>
-              </a:lnSpc>
-              <a:buFont typeface="Wingdings" panose="05000000000000000000" pitchFamily="2" charset="2"/>
-              <a:buChar char="ü"/>
-            </a:pPr>
-            <a:r>
-              <a:rPr lang="en-US" altLang="zh-TW" sz="2400" dirty="0">
-                <a:solidFill>
-                  <a:schemeClr val="accent6">
-                    <a:lumMod val="50000"/>
-                  </a:schemeClr>
-                </a:solidFill>
-                <a:latin typeface="+mn-ea"/>
-              </a:rPr>
-              <a:t>select </a:t>
-            </a:r>
-            <a:r>
-              <a:rPr lang="en-US" altLang="zh-TW" sz="2400" dirty="0" smtClean="0">
-                <a:solidFill>
-                  <a:schemeClr val="accent6">
-                    <a:lumMod val="50000"/>
-                  </a:schemeClr>
-                </a:solidFill>
-                <a:latin typeface="+mn-ea"/>
-              </a:rPr>
-              <a:t>map</a:t>
-            </a:r>
-            <a:r>
-              <a:rPr lang="zh-TW" altLang="en-US" sz="2400" dirty="0" smtClean="0">
-                <a:solidFill>
-                  <a:schemeClr val="accent6">
-                    <a:lumMod val="50000"/>
-                  </a:schemeClr>
-                </a:solidFill>
-                <a:latin typeface="+mn-ea"/>
-              </a:rPr>
-              <a:t>綁定</a:t>
-            </a:r>
-            <a:r>
-              <a:rPr lang="en-US" altLang="zh-TW" sz="2400" dirty="0" smtClean="0">
-                <a:solidFill>
-                  <a:schemeClr val="accent6">
-                    <a:lumMod val="50000"/>
-                  </a:schemeClr>
-                </a:solidFill>
-                <a:latin typeface="+mn-ea"/>
-              </a:rPr>
-              <a:t>key</a:t>
-            </a:r>
-            <a:endParaRPr lang="en-US" altLang="zh-TW" sz="2400" dirty="0">
+            <a:endParaRPr lang="en-US" altLang="zh-TW" sz="2400" dirty="0" smtClean="0">
               <a:solidFill>
                 <a:schemeClr val="accent6">
                   <a:lumMod val="50000"/>
@@ -4135,7 +4045,7 @@
               <a:buChar char="ü"/>
             </a:pPr>
             <a:r>
-              <a:rPr lang="en-US" altLang="zh-TW" sz="2400" dirty="0" smtClean="0">
+              <a:rPr lang="zh-TW" altLang="en-US" sz="2400" dirty="0" smtClean="0">
                 <a:solidFill>
                   <a:schemeClr val="accent6">
                     <a:lumMod val="50000"/>
@@ -4143,7 +4053,46 @@
                 </a:solidFill>
                 <a:latin typeface="+mn-ea"/>
               </a:rPr>
-              <a:t>Input </a:t>
+              <a:t>阻止表單預設行為</a:t>
+            </a:r>
+            <a:endParaRPr lang="en-US" altLang="zh-TW" sz="2400" dirty="0" smtClean="0">
+              <a:solidFill>
+                <a:schemeClr val="accent6">
+                  <a:lumMod val="50000"/>
+                </a:schemeClr>
+              </a:solidFill>
+              <a:latin typeface="+mn-ea"/>
+            </a:endParaRPr>
+          </a:p>
+          <a:p>
+            <a:pPr>
+              <a:lnSpc>
+                <a:spcPct val="150000"/>
+              </a:lnSpc>
+              <a:buFont typeface="Wingdings" panose="05000000000000000000" pitchFamily="2" charset="2"/>
+              <a:buChar char="ü"/>
+            </a:pPr>
+            <a:r>
+              <a:rPr lang="zh-TW" altLang="en-US" sz="2400" dirty="0" smtClean="0">
+                <a:solidFill>
+                  <a:schemeClr val="accent6">
+                    <a:lumMod val="50000"/>
+                  </a:schemeClr>
+                </a:solidFill>
+                <a:latin typeface="+mn-ea"/>
+              </a:rPr>
+              <a:t>必</a:t>
+            </a:r>
+            <a:r>
+              <a:rPr lang="zh-TW" altLang="en-US" sz="2400" dirty="0">
+                <a:solidFill>
+                  <a:schemeClr val="accent6">
+                    <a:lumMod val="50000"/>
+                  </a:schemeClr>
+                </a:solidFill>
+                <a:latin typeface="+mn-ea"/>
+              </a:rPr>
+              <a:t>填欄位</a:t>
             </a:r>
             <a:r>
               <a:rPr lang="zh-TW" altLang="en-US" sz="2400" dirty="0" smtClean="0">
@@ -4154,7 +4103,35 @@
                 </a:solidFill>
                 <a:latin typeface="+mn-ea"/>
               </a:rPr>
-              <a:t>及 </a:t>
+              <a:t>檢核</a:t>
+            </a:r>
+            <a:endParaRPr lang="en-US" altLang="zh-TW" sz="2400" dirty="0" smtClean="0">
+              <a:solidFill>
+                <a:schemeClr val="accent6">
+                  <a:lumMod val="50000"/>
+                </a:schemeClr>
+              </a:solidFill>
+              <a:latin typeface="+mn-ea"/>
+            </a:endParaRPr>
+          </a:p>
+          <a:p>
+            <a:pPr>
+              <a:lnSpc>
+                <a:spcPct val="150000"/>
+              </a:lnSpc>
+              <a:buFont typeface="Wingdings" panose="05000000000000000000" pitchFamily="2" charset="2"/>
+              <a:buChar char="ü"/>
+            </a:pPr>
+            <a:r>
+              <a:rPr lang="zh-TW" altLang="en-US" sz="2400" dirty="0" smtClean="0">
+                <a:solidFill>
+                  <a:schemeClr val="accent6">
+                    <a:lumMod val="50000"/>
+                  </a:schemeClr>
+                </a:solidFill>
+                <a:latin typeface="+mn-ea"/>
+              </a:rPr>
+              <a:t>渲染列表與</a:t>
             </a:r>
             <a:r>
               <a:rPr lang="en-US" altLang="zh-TW" sz="2400" dirty="0">
@@ -4165,10 +4142,19 @@
                 </a:solidFill>
                 <a:latin typeface="+mn-ea"/>
               </a:rPr>
-              <a:t>Select </a:t>
+              <a:t>key</a:t>
             </a:r>
+          </a:p>
+          <a:p>
+            <a:pPr>
+              <a:lnSpc>
+                <a:spcPct val="150000"/>
+              </a:lnSpc>
+              <a:buFont typeface="Wingdings" panose="05000000000000000000" pitchFamily="2" charset="2"/>
+              <a:buChar char="ü"/>
+            </a:pPr>
             <a:r>
-              <a:rPr lang="zh-TW" altLang="en-US" sz="2400" dirty="0">
+              <a:rPr lang="en-US" altLang="zh-TW" sz="2400" dirty="0" smtClean="0">
                 <a:solidFill>
                   <a:schemeClr val="accent6">
                     <a:lumMod val="50000"/>
@@ -4176,7 +4162,7 @@
                 </a:solidFill>
                 <a:latin typeface="+mn-ea"/>
               </a:rPr>
-              <a:t>元件</a:t>
+              <a:t>Input</a:t>
             </a:r>
             <a:r>
               <a:rPr lang="zh-TW" altLang="en-US" sz="2400" dirty="0" smtClean="0">
@@ -4187,7 +4173,29 @@
                 </a:solidFill>
                 <a:latin typeface="+mn-ea"/>
               </a:rPr>
-              <a:t>化</a:t>
+              <a:t>及</a:t>
+            </a:r>
+            <a:r>
+              <a:rPr lang="en-US" altLang="zh-TW" sz="2400" dirty="0" smtClean="0">
+                <a:solidFill>
+                  <a:schemeClr val="accent6">
+                    <a:lumMod val="50000"/>
+                  </a:schemeClr>
+                </a:solidFill>
+                <a:latin typeface="+mn-ea"/>
+              </a:rPr>
+              <a:t>Select</a:t>
+            </a:r>
+            <a:r>
+              <a:rPr lang="zh-TW" altLang="en-US" sz="2400" dirty="0" smtClean="0">
+                <a:solidFill>
+                  <a:schemeClr val="accent6">
+                    <a:lumMod val="50000"/>
+                  </a:schemeClr>
+                </a:solidFill>
+                <a:latin typeface="+mn-ea"/>
+              </a:rPr>
+              <a:t>元件化</a:t>
             </a:r>
             <a:endParaRPr lang="zh-TW" altLang="en-US" sz="2400" dirty="0">
               <a:solidFill>
@@ -4253,20 +4261,20 @@
           <a:lstStyle/>
           <a:p>
             <a:r>
-              <a:rPr lang="en-US" altLang="zh-TW" dirty="0" err="1"/>
-              <a:t>useState</a:t>
+              <a:rPr lang="en-US" altLang="zh-TW" dirty="0" smtClean="0"/>
+              <a:t>input</a:t>
             </a:r>
             <a:r>
-              <a:rPr lang="en-US" altLang="zh-TW" dirty="0"/>
-              <a:t> </a:t>
+              <a:rPr lang="zh-TW" altLang="en-US" dirty="0" smtClean="0"/>
+              <a:t>資料</a:t>
             </a:r>
             <a:r>
               <a:rPr lang="zh-TW" altLang="en-US" dirty="0"/>
-              <a:t>綁定</a:t>
+              <a:t>綁</a:t>
             </a:r>
             <a:r>
-              <a:rPr lang="en-US" altLang="zh-TW" dirty="0"/>
-              <a:t>input value</a:t>
+              <a:rPr lang="zh-TW" altLang="en-US" dirty="0" smtClean="0"/>
+              <a:t>定</a:t>
             </a:r>
             <a:endParaRPr lang="zh-TW" altLang="en-US" dirty="0"/>
           </a:p>
@@ -4594,7 +4602,7 @@
         </p:nvCxnSpPr>
         <p:spPr>
           <a:xfrm flipH="1">
-            <a:off x="6733503" y="5700568"/>
+            <a:off x="6684515" y="5756551"/>
             <a:ext cx="1490135" cy="0"/>
           </a:xfrm>
           <a:prstGeom prst="straightConnector1">
@@ -4627,7 +4635,7 @@
         </p:nvCxnSpPr>
         <p:spPr>
           <a:xfrm flipH="1">
-            <a:off x="3211293" y="5700568"/>
+            <a:off x="3162305" y="5756551"/>
             <a:ext cx="1231285" cy="0"/>
           </a:xfrm>
           <a:prstGeom prst="straightConnector1">
@@ -5878,12 +5886,13 @@
           <a:p>
             <a:r>
               <a:rPr lang="zh-TW" altLang="en-US" dirty="0"/>
-              <a:t>阻止表單預設行為及取得</a:t>
+              <a:t>阻止表單預設</a:t>
             </a:r>
             <a:r>
-              <a:rPr lang="en-US" altLang="zh-TW" dirty="0"/>
-              <a:t>state</a:t>
+              <a:rPr lang="zh-TW" altLang="en-US" dirty="0" smtClean="0"/>
+              <a:t>行為</a:t>
             </a:r>
+            <a:endParaRPr lang="en-US" altLang="zh-TW" dirty="0"/>
           </a:p>
         </p:txBody>
       </p:sp>
@@ -6859,16 +6868,16 @@
           <a:lstStyle/>
           <a:p>
             <a:r>
-              <a:rPr lang="en-US" altLang="zh-TW" dirty="0"/>
-              <a:t>form required (</a:t>
+              <a:rPr lang="zh-TW" altLang="en-US" dirty="0" smtClean="0"/>
+              <a:t>必</a:t>
             </a:r>
             <a:r>
               <a:rPr lang="zh-TW" altLang="en-US" dirty="0"/>
-              <a:t>必填欄位檢核</a:t>
+              <a:t>填欄位</a:t>
             </a:r>
             <a:r>
-              <a:rPr lang="en-US" altLang="zh-TW" dirty="0"/>
-              <a:t>) </a:t>
+              <a:rPr lang="zh-TW" altLang="en-US" dirty="0" smtClean="0"/>
+              <a:t>檢核</a:t>
             </a:r>
             <a:endParaRPr lang="zh-TW" altLang="en-US" dirty="0"/>
           </a:p>
@@ -7602,19 +7611,21 @@
           <a:lstStyle/>
           <a:p>
             <a:r>
-              <a:rPr lang="en-US" altLang="zh-TW" dirty="0"/>
-              <a:t>select </a:t>
+              <a:rPr lang="zh-TW" altLang="en-US" dirty="0" smtClean="0">
+                <a:latin typeface="+mn-ea"/>
+              </a:rPr>
+              <a:t>渲染</a:t>
             </a:r>
             <a:r>
-              <a:rPr lang="en-US" altLang="zh-TW" dirty="0" smtClean="0"/>
-              <a:t>map</a:t>
+              <a:rPr lang="zh-TW" altLang="en-US" dirty="0">
+                <a:latin typeface="+mn-ea"/>
+              </a:rPr>
+              <a:t>列表與</a:t>
             </a:r>
             <a:r>
-              <a:rPr lang="zh-TW" altLang="en-US" dirty="0" smtClean="0"/>
-              <a:t>綁定</a:t>
-            </a:r>
-            <a:r>
-              <a:rPr lang="en-US" altLang="zh-TW" dirty="0" smtClean="0"/>
+              <a:rPr lang="en-US" altLang="zh-TW" dirty="0" smtClean="0">
+                <a:latin typeface="+mn-ea"/>
+              </a:rPr>
               <a:t>key</a:t>
             </a:r>
             <a:endParaRPr lang="zh-TW" altLang="en-US" dirty="0"/>
@@ -7873,16 +7884,6 @@
               </a:rPr>
               <a:t>字串或數字，以在該數組中的其他項目中唯一標識它</a:t>
             </a:r>
-            <a:endParaRPr lang="zh-TW" altLang="en-US" sz="3200" dirty="0">
-              <a:solidFill>
-                <a:schemeClr val="accent6">
-                  <a:lumMod val="50000"/>
-                </a:schemeClr>
-              </a:solidFill>
-              <a:latin typeface="微軟正黑體" panose="020B0604030504040204" pitchFamily="34" charset="-120"/>
-              <a:ea typeface="微軟正黑體" panose="020B0604030504040204" pitchFamily="34" charset="-120"/>
-              <a:cs typeface="+mj-cs"/>
-            </a:endParaRPr>
           </a:p>
         </p:txBody>
       </p:sp>
@@ -8227,11 +8228,11 @@
           <a:p>
             <a:r>
               <a:rPr lang="en-US" altLang="zh-TW" dirty="0" smtClean="0"/>
-              <a:t>Input </a:t>
+              <a:t>Input</a:t>
             </a:r>
             <a:r>
               <a:rPr lang="zh-TW" altLang="en-US" dirty="0" smtClean="0"/>
-              <a:t>及 </a:t>
+              <a:t>及</a:t>
             </a:r>
             <a:r>
               <a:rPr lang="en-US" altLang="zh-TW" dirty="0" smtClean="0"/>
@@ -8239,7 +8240,7 @@
             </a:r>
             <a:r>
               <a:rPr lang="zh-TW" altLang="en-US" dirty="0" smtClean="0"/>
-              <a:t> 元件</a:t>
+              <a:t>元件</a:t>
             </a:r>
             <a:r>
               <a:rPr lang="zh-TW" altLang="en-US" dirty="0"/>
@@ -8722,13 +8723,6 @@
                 </a:rPr>
                 <a:t>開頭小寫</a:t>
               </a:r>
-              <a:endParaRPr lang="zh-TW" altLang="en-US" dirty="0">
-                <a:solidFill>
-                  <a:schemeClr val="bg1"/>
-                </a:solidFill>
-                <a:latin typeface="微軟正黑體" panose="020B0604030504040204" pitchFamily="34" charset="-120"/>
-                <a:ea typeface="微軟正黑體" panose="020B0604030504040204" pitchFamily="34" charset="-120"/>
-              </a:endParaRPr>
             </a:p>
           </p:txBody>
         </p:sp>
@@ -10375,18 +10369,18 @@
 </file>
 
 <file path=customXml/item2.xml><?xml version="1.0" encoding="utf-8"?>
+<p:properties xmlns:p="http://schemas.microsoft.com/office/2006/metadata/properties" xmlns:xsi="http://www.w3.org/2001/XMLSchema-instance" xmlns:pc="http://schemas.microsoft.com/office/infopath/2007/PartnerControls">
+  <documentManagement/>
+</p:properties>
+</file>
+
+<file path=customXml/item3.xml><?xml version="1.0" encoding="utf-8"?>
 <?mso-contentType ?>
 <FormTemplates xmlns="http://schemas.microsoft.com/sharepoint/v3/contenttype/forms">
   <Display>DocumentLibraryForm</Display>
   <Edit>DocumentLibraryForm</Edit>
   <New>DocumentLibraryForm</New>
 </FormTemplates>
-</file>
-
-<file path=customXml/item3.xml><?xml version="1.0" encoding="utf-8"?>
-<p:properties xmlns:p="http://schemas.microsoft.com/office/2006/metadata/properties" xmlns:xsi="http://www.w3.org/2001/XMLSchema-instance" xmlns:pc="http://schemas.microsoft.com/office/infopath/2007/PartnerControls">
-  <documentManagement/>
-</p:properties>
 </file>
 
 <file path=customXml/itemProps1.xml><?xml version="1.0" encoding="utf-8"?>
@@ -10406,14 +10400,6 @@
 </file>
 
 <file path=customXml/itemProps2.xml><?xml version="1.0" encoding="utf-8"?>
-<ds:datastoreItem xmlns:ds="http://schemas.openxmlformats.org/officeDocument/2006/customXml" ds:itemID="{D10A4E22-5344-47AD-8D52-4647883CD958}">
-  <ds:schemaRefs>
-    <ds:schemaRef ds:uri="http://schemas.microsoft.com/sharepoint/v3/contenttype/forms"/>
-  </ds:schemaRefs>
-</ds:datastoreItem>
-</file>
-
-<file path=customXml/itemProps3.xml><?xml version="1.0" encoding="utf-8"?>
 <ds:datastoreItem xmlns:ds="http://schemas.openxmlformats.org/officeDocument/2006/customXml" ds:itemID="{D0A8FBE6-1AAC-4DF5-96C2-49F6D97406B7}">
   <ds:schemaRefs>
     <ds:schemaRef ds:uri="http://purl.org/dc/terms/"/>
@@ -10426,4 +10412,12 @@
     <ds:schemaRef ds:uri="http://purl.org/dc/dcmitype/"/>
   </ds:schemaRefs>
 </ds:datastoreItem>
+</file>
+
+<file path=customXml/itemProps3.xml><?xml version="1.0" encoding="utf-8"?>
+<ds:datastoreItem xmlns:ds="http://schemas.openxmlformats.org/officeDocument/2006/customXml" ds:itemID="{D10A4E22-5344-47AD-8D52-4647883CD958}">
+  <ds:schemaRefs>
+    <ds:schemaRef ds:uri="http://schemas.microsoft.com/sharepoint/v3/contenttype/forms"/>
+  </ds:schemaRefs>
+</ds:datastoreItem>
 </file>
--- a/講義/第五堂課React-form.pptx
+++ b/講義/第五堂課React-form.pptx
@@ -14,9 +14,9 @@
     <p:sldId id="523" r:id="rId5"/>
     <p:sldId id="600" r:id="rId6"/>
     <p:sldId id="579" r:id="rId7"/>
-    <p:sldId id="601" r:id="rId8"/>
-    <p:sldId id="602" r:id="rId9"/>
-    <p:sldId id="603" r:id="rId10"/>
+    <p:sldId id="603" r:id="rId8"/>
+    <p:sldId id="601" r:id="rId9"/>
+    <p:sldId id="602" r:id="rId10"/>
     <p:sldId id="609" r:id="rId11"/>
     <p:sldId id="526" r:id="rId12"/>
   </p:sldIdLst>
@@ -282,7 +282,7 @@
           <a:p>
             <a:fld id="{D06FD09B-FFE9-4BAC-AACE-1331FB8C37FE}" type="datetimeFigureOut">
               <a:rPr lang="zh-TW" altLang="en-US" smtClean="0"/>
-              <a:t>2024/7/11</a:t>
+              <a:t>2024/7/15</a:t>
             </a:fld>
             <a:endParaRPr lang="zh-TW" altLang="en-US"/>
           </a:p>
@@ -477,7 +477,7 @@
               <a:pPr>
                 <a:defRPr/>
               </a:pPr>
-              <a:t>2024/7/11</a:t>
+              <a:t>2024/7/15</a:t>
             </a:fld>
             <a:endParaRPr lang="zh-TW" altLang="en-US"/>
           </a:p>
@@ -963,7 +963,7 @@
               <a:pPr>
                 <a:defRPr/>
               </a:pPr>
-              <a:t>5</a:t>
+              <a:t>6</a:t>
             </a:fld>
             <a:endParaRPr lang="zh-TW" altLang="en-US"/>
           </a:p>
@@ -2330,7 +2330,7 @@
               <a:pPr>
                 <a:defRPr/>
               </a:pPr>
-              <a:t>2024/7/11</a:t>
+              <a:t>2024/7/15</a:t>
             </a:fld>
             <a:endParaRPr lang="zh-TW" altLang="en-US"/>
           </a:p>
@@ -3546,6 +3546,14 @@
   <p:clrMapOvr>
     <a:masterClrMapping/>
   </p:clrMapOvr>
+  <mc:AlternateContent xmlns:mc="http://schemas.openxmlformats.org/markup-compatibility/2006">
+    <mc:Choice xmlns:p14="http://schemas.microsoft.com/office/powerpoint/2010/main" Requires="p14">
+      <p:transition spd="slow" p14:dur="2000"/>
+    </mc:Choice>
+    <mc:Fallback>
+      <p:transition spd="slow"/>
+    </mc:Fallback>
+  </mc:AlternateContent>
   <p:timing>
     <p:tnLst>
       <p:par>
@@ -4025,7 +4033,18 @@
                 </a:solidFill>
                 <a:latin typeface="+mn-ea"/>
               </a:rPr>
-              <a:t>資料綁定</a:t>
+              <a:t>資料</a:t>
+            </a:r>
+            <a:r>
+              <a:rPr lang="zh-TW" altLang="en-US" sz="2400" dirty="0" smtClean="0">
+                <a:solidFill>
+                  <a:schemeClr val="accent6">
+                    <a:lumMod val="50000"/>
+                  </a:schemeClr>
+                </a:solidFill>
+                <a:latin typeface="+mn-ea"/>
+              </a:rPr>
+              <a:t>綁定</a:t>
             </a:r>
             <a:endParaRPr lang="en-US" altLang="zh-TW" sz="2400" dirty="0" smtClean="0">
               <a:solidFill>
@@ -4053,7 +4072,60 @@
                 </a:solidFill>
                 <a:latin typeface="+mn-ea"/>
               </a:rPr>
-              <a:t>阻止表單預設行為</a:t>
+              <a:t>渲染</a:t>
+            </a:r>
+            <a:r>
+              <a:rPr lang="zh-TW" altLang="en-US" sz="2400" dirty="0" smtClean="0">
+                <a:solidFill>
+                  <a:schemeClr val="accent6">
+                    <a:lumMod val="50000"/>
+                  </a:schemeClr>
+                </a:solidFill>
+                <a:latin typeface="+mn-ea"/>
+              </a:rPr>
+              <a:t>列表與</a:t>
+            </a:r>
+            <a:r>
+              <a:rPr lang="en-US" altLang="zh-TW" sz="2400" dirty="0" smtClean="0">
+                <a:solidFill>
+                  <a:schemeClr val="accent6">
+                    <a:lumMod val="50000"/>
+                  </a:schemeClr>
+                </a:solidFill>
+                <a:latin typeface="+mn-ea"/>
+              </a:rPr>
+              <a:t>key</a:t>
+            </a:r>
+          </a:p>
+          <a:p>
+            <a:pPr>
+              <a:lnSpc>
+                <a:spcPct val="150000"/>
+              </a:lnSpc>
+              <a:buFont typeface="Wingdings" panose="05000000000000000000" pitchFamily="2" charset="2"/>
+              <a:buChar char="ü"/>
+            </a:pPr>
+            <a:r>
+              <a:rPr lang="zh-TW" altLang="en-US" sz="2400" dirty="0">
+                <a:solidFill>
+                  <a:schemeClr val="accent6">
+                    <a:lumMod val="50000"/>
+                  </a:schemeClr>
+                </a:solidFill>
+                <a:latin typeface="+mn-ea"/>
+              </a:rPr>
+              <a:t>阻止表單預設</a:t>
+            </a:r>
+            <a:r>
+              <a:rPr lang="zh-TW" altLang="en-US" sz="2400" dirty="0" smtClean="0">
+                <a:solidFill>
+                  <a:schemeClr val="accent6">
+                    <a:lumMod val="50000"/>
+                  </a:schemeClr>
+                </a:solidFill>
+                <a:latin typeface="+mn-ea"/>
+              </a:rPr>
+              <a:t>行為</a:t>
             </a:r>
             <a:endParaRPr lang="en-US" altLang="zh-TW" sz="2400" dirty="0" smtClean="0">
               <a:solidFill>
@@ -4073,7 +4145,7 @@
               <a:buChar char="ü"/>
             </a:pPr>
             <a:r>
-              <a:rPr lang="zh-TW" altLang="en-US" sz="2400" dirty="0" smtClean="0">
+              <a:rPr lang="zh-TW" altLang="en-US" sz="2400" dirty="0">
                 <a:solidFill>
                   <a:schemeClr val="accent6">
                     <a:lumMod val="50000"/>
@@ -4081,18 +4153,7 @@
                 </a:solidFill>
                 <a:latin typeface="+mn-ea"/>
               </a:rPr>
-              <a:t>必</a:t>
-            </a:r>
-            <a:r>
-              <a:rPr lang="zh-TW" altLang="en-US" sz="2400" dirty="0">
-                <a:solidFill>
-                  <a:schemeClr val="accent6">
-                    <a:lumMod val="50000"/>
-                  </a:schemeClr>
-                </a:solidFill>
-                <a:latin typeface="+mn-ea"/>
-              </a:rPr>
-              <a:t>填欄位</a:t>
+              <a:t>必填欄位</a:t>
             </a:r>
             <a:r>
               <a:rPr lang="zh-TW" altLang="en-US" sz="2400" dirty="0" smtClean="0">
@@ -4105,7 +4166,7 @@
               </a:rPr>
               <a:t>檢核</a:t>
             </a:r>
-            <a:endParaRPr lang="en-US" altLang="zh-TW" sz="2400" dirty="0" smtClean="0">
+            <a:endParaRPr lang="en-US" altLang="zh-TW" sz="2400" dirty="0">
               <a:solidFill>
                 <a:schemeClr val="accent6">
                   <a:lumMod val="50000"/>
@@ -4113,37 +4174,6 @@
               </a:solidFill>
               <a:latin typeface="+mn-ea"/>
             </a:endParaRPr>
-          </a:p>
-          <a:p>
-            <a:pPr>
-              <a:lnSpc>
-                <a:spcPct val="150000"/>
-              </a:lnSpc>
-              <a:buFont typeface="Wingdings" panose="05000000000000000000" pitchFamily="2" charset="2"/>
-              <a:buChar char="ü"/>
-            </a:pPr>
-            <a:r>
-              <a:rPr lang="zh-TW" altLang="en-US" sz="2400" dirty="0" smtClean="0">
-                <a:solidFill>
-                  <a:schemeClr val="accent6">
-                    <a:lumMod val="50000"/>
-                  </a:schemeClr>
-                </a:solidFill>
-                <a:latin typeface="+mn-ea"/>
-              </a:rPr>
-              <a:t>渲染列表與</a:t>
-            </a:r>
-            <a:r>
-              <a:rPr lang="en-US" altLang="zh-TW" sz="2400" dirty="0">
-                <a:solidFill>
-                  <a:schemeClr val="accent6">
-                    <a:lumMod val="50000"/>
-                  </a:schemeClr>
-                </a:solidFill>
-                <a:latin typeface="+mn-ea"/>
-              </a:rPr>
-              <a:t>key</a:t>
-            </a:r>
           </a:p>
           <a:p>
             <a:pPr>
@@ -4218,6 +4248,14 @@
   <p:clrMapOvr>
     <a:masterClrMapping/>
   </p:clrMapOvr>
+  <mc:AlternateContent xmlns:mc="http://schemas.openxmlformats.org/markup-compatibility/2006">
+    <mc:Choice xmlns:p14="http://schemas.microsoft.com/office/powerpoint/2010/main" Requires="p14">
+      <p:transition spd="slow" p14:dur="2000"/>
+    </mc:Choice>
+    <mc:Fallback>
+      <p:transition spd="slow"/>
+    </mc:Fallback>
+  </mc:AlternateContent>
   <p:timing>
     <p:tnLst>
       <p:par>
@@ -4317,7 +4355,7 @@
         </p:nvSpPr>
         <p:spPr>
           <a:xfrm>
-            <a:off x="914861" y="3310555"/>
+            <a:off x="4664774" y="2785731"/>
             <a:ext cx="2160000" cy="720000"/>
           </a:xfrm>
           <a:prstGeom prst="roundRect">
@@ -4365,7 +4403,7 @@
         </p:nvSpPr>
         <p:spPr>
           <a:xfrm>
-            <a:off x="914861" y="1518260"/>
+            <a:off x="898533" y="2759011"/>
             <a:ext cx="2160000" cy="720000"/>
           </a:xfrm>
           <a:prstGeom prst="roundRect">
@@ -4411,41 +4449,8 @@
         </p:nvCxnSpPr>
         <p:spPr>
           <a:xfrm flipV="1">
-            <a:off x="3245160" y="3635106"/>
+            <a:off x="6944853" y="3151696"/>
             <a:ext cx="1383213" cy="5646"/>
-          </a:xfrm>
-          <a:prstGeom prst="straightConnector1">
-            <a:avLst/>
-          </a:prstGeom>
-          <a:ln w="38100">
-            <a:tailEnd type="triangle"/>
-          </a:ln>
-        </p:spPr>
-        <p:style>
-          <a:lnRef idx="1">
-            <a:schemeClr val="accent5"/>
-          </a:lnRef>
-          <a:fillRef idx="0">
-            <a:schemeClr val="accent5"/>
-          </a:fillRef>
-          <a:effectRef idx="0">
-            <a:schemeClr val="accent5"/>
-          </a:effectRef>
-          <a:fontRef idx="minor">
-            <a:schemeClr val="tx1"/>
-          </a:fontRef>
-        </p:style>
-      </p:cxnSp>
-      <p:cxnSp>
-        <p:nvCxnSpPr>
-          <p:cNvPr id="22" name="直線單箭頭接點 21"/>
-          <p:cNvCxnSpPr/>
-          <p:nvPr/>
-        </p:nvCxnSpPr>
-        <p:spPr>
-          <a:xfrm>
-            <a:off x="6665853" y="3629464"/>
-            <a:ext cx="1625440" cy="4234"/>
           </a:xfrm>
           <a:prstGeom prst="straightConnector1">
             <a:avLst/>
@@ -4477,8 +4482,8 @@
         </p:nvSpPr>
         <p:spPr>
           <a:xfrm>
-            <a:off x="4628373" y="3310555"/>
-            <a:ext cx="2014740" cy="646287"/>
+            <a:off x="8501177" y="2759011"/>
+            <a:ext cx="2160000" cy="646287"/>
           </a:xfrm>
           <a:prstGeom prst="flowChartInputOutput">
             <a:avLst/>
@@ -4517,39 +4522,6 @@
           </a:p>
         </p:txBody>
       </p:sp>
-      <p:cxnSp>
-        <p:nvCxnSpPr>
-          <p:cNvPr id="27" name="直線單箭頭接點 26"/>
-          <p:cNvCxnSpPr/>
-          <p:nvPr/>
-        </p:nvCxnSpPr>
-        <p:spPr>
-          <a:xfrm flipH="1">
-            <a:off x="9495466" y="4190713"/>
-            <a:ext cx="648" cy="954250"/>
-          </a:xfrm>
-          <a:prstGeom prst="straightConnector1">
-            <a:avLst/>
-          </a:prstGeom>
-          <a:ln w="38100">
-            <a:tailEnd type="triangle"/>
-          </a:ln>
-        </p:spPr>
-        <p:style>
-          <a:lnRef idx="1">
-            <a:schemeClr val="accent5"/>
-          </a:lnRef>
-          <a:fillRef idx="0">
-            <a:schemeClr val="accent5"/>
-          </a:fillRef>
-          <a:effectRef idx="0">
-            <a:schemeClr val="accent5"/>
-          </a:effectRef>
-          <a:fontRef idx="minor">
-            <a:schemeClr val="tx1"/>
-          </a:fontRef>
-        </p:style>
-      </p:cxnSp>
       <p:sp>
         <p:nvSpPr>
           <p:cNvPr id="32" name="圓角矩形 31"/>
@@ -4558,7 +4530,7 @@
         </p:nvSpPr>
         <p:spPr>
           <a:xfrm>
-            <a:off x="8415466" y="5378835"/>
+            <a:off x="4664774" y="4815214"/>
             <a:ext cx="2160000" cy="720000"/>
           </a:xfrm>
           <a:prstGeom prst="roundRect">
@@ -4602,41 +4574,8 @@
         </p:nvCxnSpPr>
         <p:spPr>
           <a:xfrm flipH="1">
-            <a:off x="6684515" y="5756551"/>
-            <a:ext cx="1490135" cy="0"/>
-          </a:xfrm>
-          <a:prstGeom prst="straightConnector1">
-            <a:avLst/>
-          </a:prstGeom>
-          <a:ln w="38100">
-            <a:tailEnd type="triangle"/>
-          </a:ln>
-        </p:spPr>
-        <p:style>
-          <a:lnRef idx="1">
-            <a:schemeClr val="accent5"/>
-          </a:lnRef>
-          <a:fillRef idx="0">
-            <a:schemeClr val="accent5"/>
-          </a:fillRef>
-          <a:effectRef idx="0">
-            <a:schemeClr val="accent5"/>
-          </a:effectRef>
-          <a:fontRef idx="minor">
-            <a:schemeClr val="tx1"/>
-          </a:fontRef>
-        </p:style>
-      </p:cxnSp>
-      <p:cxnSp>
-        <p:nvCxnSpPr>
-          <p:cNvPr id="41" name="直線單箭頭接點 40"/>
-          <p:cNvCxnSpPr/>
-          <p:nvPr/>
-        </p:nvCxnSpPr>
-        <p:spPr>
-          <a:xfrm flipH="1">
-            <a:off x="3162305" y="5756551"/>
-            <a:ext cx="1231285" cy="0"/>
+            <a:off x="3209004" y="5175215"/>
+            <a:ext cx="1383212" cy="0"/>
           </a:xfrm>
           <a:prstGeom prst="straightConnector1">
             <a:avLst/>
@@ -4662,58 +4601,14 @@
       </p:cxnSp>
       <p:sp>
         <p:nvSpPr>
-          <p:cNvPr id="42" name="圓角矩形 41"/>
-          <p:cNvSpPr/>
-          <p:nvPr/>
-        </p:nvSpPr>
-        <p:spPr>
-          <a:xfrm>
-            <a:off x="4526855" y="5391535"/>
-            <a:ext cx="2065844" cy="788811"/>
-          </a:xfrm>
-          <a:prstGeom prst="roundRect">
-            <a:avLst/>
-          </a:prstGeom>
-        </p:spPr>
-        <p:style>
-          <a:lnRef idx="2">
-            <a:schemeClr val="accent2">
-              <a:shade val="50000"/>
-            </a:schemeClr>
-          </a:lnRef>
-          <a:fillRef idx="1">
-            <a:schemeClr val="accent2"/>
-          </a:fillRef>
-          <a:effectRef idx="0">
-            <a:schemeClr val="accent2"/>
-          </a:effectRef>
-          <a:fontRef idx="minor">
-            <a:schemeClr val="lt1"/>
-          </a:fontRef>
-        </p:style>
-        <p:txBody>
-          <a:bodyPr rtlCol="0" anchor="ctr"/>
-          <a:lstStyle/>
-          <a:p>
-            <a:pPr algn="ctr"/>
-            <a:r>
-              <a:rPr lang="en-US" altLang="zh-TW" dirty="0" smtClean="0"/>
-              <a:t>button submit</a:t>
-            </a:r>
-            <a:endParaRPr lang="zh-TW" altLang="en-US" dirty="0"/>
-          </a:p>
-        </p:txBody>
-      </p:sp>
-      <p:sp>
-        <p:nvSpPr>
           <p:cNvPr id="49" name="圓角矩形 48"/>
           <p:cNvSpPr/>
           <p:nvPr/>
         </p:nvSpPr>
         <p:spPr>
           <a:xfrm>
-            <a:off x="8415467" y="3236842"/>
-            <a:ext cx="2160000" cy="720000"/>
+            <a:off x="8501177" y="4785840"/>
+            <a:ext cx="2059161" cy="749374"/>
           </a:xfrm>
           <a:prstGeom prst="roundRect">
             <a:avLst/>
@@ -4759,9 +4654,9 @@
           <p:nvPr/>
         </p:nvCxnSpPr>
         <p:spPr>
-          <a:xfrm>
-            <a:off x="1994861" y="2392776"/>
-            <a:ext cx="1" cy="705884"/>
+          <a:xfrm flipV="1">
+            <a:off x="3209004" y="3145731"/>
+            <a:ext cx="1335691" cy="3252"/>
           </a:xfrm>
           <a:prstGeom prst="straightConnector1">
             <a:avLst/>
@@ -4793,7 +4688,7 @@
         </p:nvSpPr>
         <p:spPr>
           <a:xfrm>
-            <a:off x="914861" y="5391535"/>
+            <a:off x="898533" y="4815215"/>
             <a:ext cx="2160000" cy="720000"/>
           </a:xfrm>
           <a:prstGeom prst="roundRect">
@@ -4844,22 +4739,91 @@
           <p:nvPr/>
         </p:nvPicPr>
         <p:blipFill>
-          <a:blip r:embed="rId2"/>
+          <a:blip r:embed="rId3"/>
           <a:stretch>
             <a:fillRect/>
           </a:stretch>
         </p:blipFill>
         <p:spPr>
           <a:xfrm>
-            <a:off x="3743733" y="1518260"/>
-            <a:ext cx="6832933" cy="720000"/>
+            <a:off x="3333912" y="1191797"/>
+            <a:ext cx="7327265" cy="772089"/>
           </a:xfrm>
           <a:prstGeom prst="rect">
             <a:avLst/>
           </a:prstGeom>
         </p:spPr>
       </p:pic>
+      <p:cxnSp>
+        <p:nvCxnSpPr>
+          <p:cNvPr id="66" name="直線單箭頭接點 65"/>
+          <p:cNvCxnSpPr/>
+          <p:nvPr/>
+        </p:nvCxnSpPr>
+        <p:spPr>
+          <a:xfrm>
+            <a:off x="9543599" y="3613317"/>
+            <a:ext cx="12526" cy="964504"/>
+          </a:xfrm>
+          <a:prstGeom prst="straightConnector1">
+            <a:avLst/>
+          </a:prstGeom>
+          <a:ln w="38100">
+            <a:tailEnd type="triangle"/>
+          </a:ln>
+        </p:spPr>
+        <p:style>
+          <a:lnRef idx="1">
+            <a:schemeClr val="accent5"/>
+          </a:lnRef>
+          <a:fillRef idx="0">
+            <a:schemeClr val="accent5"/>
+          </a:fillRef>
+          <a:effectRef idx="0">
+            <a:schemeClr val="accent5"/>
+          </a:effectRef>
+          <a:fontRef idx="minor">
+            <a:schemeClr val="tx1"/>
+          </a:fontRef>
+        </p:style>
+      </p:cxnSp>
+      <p:cxnSp>
+        <p:nvCxnSpPr>
+          <p:cNvPr id="72" name="直線單箭頭接點 71"/>
+          <p:cNvCxnSpPr/>
+          <p:nvPr/>
+        </p:nvCxnSpPr>
+        <p:spPr>
+          <a:xfrm flipH="1">
+            <a:off x="6944853" y="5175214"/>
+            <a:ext cx="1396592" cy="1"/>
+          </a:xfrm>
+          <a:prstGeom prst="straightConnector1">
+            <a:avLst/>
+          </a:prstGeom>
+          <a:ln w="38100">
+            <a:tailEnd type="triangle"/>
+          </a:ln>
+        </p:spPr>
+        <p:style>
+          <a:lnRef idx="1">
+            <a:schemeClr val="accent5"/>
+          </a:lnRef>
+          <a:fillRef idx="0">
+            <a:schemeClr val="accent5"/>
+          </a:fillRef>
+          <a:effectRef idx="0">
+            <a:schemeClr val="accent5"/>
+          </a:effectRef>
+          <a:fontRef idx="minor">
+            <a:schemeClr val="tx1"/>
+          </a:fontRef>
+        </p:style>
+      </p:cxnSp>
     </p:spTree>
+    <p:custDataLst>
+      <p:tags r:id="rId1"/>
+    </p:custDataLst>
     <p:extLst>
       <p:ext uri="{BB962C8B-B14F-4D97-AF65-F5344CB8AC3E}">
         <p14:creationId xmlns:p14="http://schemas.microsoft.com/office/powerpoint/2010/main" val="1737228640"/>
@@ -4869,6 +4833,14 @@
   <p:clrMapOvr>
     <a:masterClrMapping/>
   </p:clrMapOvr>
+  <mc:AlternateContent xmlns:mc="http://schemas.openxmlformats.org/markup-compatibility/2006">
+    <mc:Choice xmlns:p14="http://schemas.microsoft.com/office/powerpoint/2010/main" Requires="p14">
+      <p:transition spd="slow" p14:dur="2000"/>
+    </mc:Choice>
+    <mc:Fallback>
+      <p:transition spd="slow"/>
+    </mc:Fallback>
+  </mc:AlternateContent>
   <p:timing>
     <p:tnLst>
       <p:par>
@@ -4893,7 +4865,7 @@
                             </p:stCondLst>
                             <p:childTnLst>
                               <p:par>
-                                <p:cTn id="5" presetID="1" presetClass="entr" presetSubtype="0" fill="hold" grpId="0" nodeType="afterEffect">
+                                <p:cTn id="5" presetID="1" presetClass="entr" presetSubtype="0" fill="hold" nodeType="withEffect">
                                   <p:stCondLst>
                                     <p:cond delay="0"/>
                                   </p:stCondLst>
@@ -4906,7 +4878,7 @@
                                           </p:stCondLst>
                                         </p:cTn>
                                         <p:tgtEl>
-                                          <p:spTgt spid="7"/>
+                                          <p:spTgt spid="60"/>
                                         </p:tgtEl>
                                         <p:attrNameLst>
                                           <p:attrName>style.visibility</p:attrName>
@@ -4920,7 +4892,7 @@
                                 </p:cTn>
                               </p:par>
                               <p:par>
-                                <p:cTn id="7" presetID="1" presetClass="entr" presetSubtype="0" fill="hold" nodeType="withEffect">
+                                <p:cTn id="7" presetID="1" presetClass="entr" presetSubtype="0" fill="hold" grpId="0" nodeType="withEffect">
                                   <p:stCondLst>
                                     <p:cond delay="0"/>
                                   </p:stCondLst>
@@ -4933,7 +4905,7 @@
                                           </p:stCondLst>
                                         </p:cTn>
                                         <p:tgtEl>
-                                          <p:spTgt spid="60"/>
+                                          <p:spTgt spid="7"/>
                                         </p:tgtEl>
                                         <p:attrNameLst>
                                           <p:attrName>style.visibility</p:attrName>
@@ -5002,30 +4974,21 @@
                             </p:childTnLst>
                           </p:cTn>
                         </p:par>
-                      </p:childTnLst>
-                    </p:cTn>
-                  </p:par>
-                  <p:par>
-                    <p:cTn id="14" fill="hold">
-                      <p:stCondLst>
-                        <p:cond delay="indefinite"/>
-                      </p:stCondLst>
-                      <p:childTnLst>
                         <p:par>
-                          <p:cTn id="15" fill="hold">
+                          <p:cTn id="14" fill="hold">
                             <p:stCondLst>
-                              <p:cond delay="0"/>
+                              <p:cond delay="500"/>
                             </p:stCondLst>
                             <p:childTnLst>
                               <p:par>
-                                <p:cTn id="16" presetID="42" presetClass="entr" presetSubtype="0" fill="hold" grpId="0" nodeType="clickEffect">
+                                <p:cTn id="15" presetID="42" presetClass="entr" presetSubtype="0" fill="hold" grpId="0" nodeType="afterEffect">
                                   <p:stCondLst>
                                     <p:cond delay="0"/>
                                   </p:stCondLst>
                                   <p:childTnLst>
                                     <p:set>
                                       <p:cBhvr>
-                                        <p:cTn id="17" dur="1" fill="hold">
+                                        <p:cTn id="16" dur="1" fill="hold">
                                           <p:stCondLst>
                                             <p:cond delay="0"/>
                                           </p:stCondLst>
@@ -5043,7 +5006,7 @@
                                     </p:set>
                                     <p:animEffect transition="in" filter="fade">
                                       <p:cBhvr>
-                                        <p:cTn id="18" dur="500"/>
+                                        <p:cTn id="17" dur="500"/>
                                         <p:tgtEl>
                                           <p:spTgt spid="51"/>
                                         </p:tgtEl>
@@ -5051,7 +5014,7 @@
                                     </p:animEffect>
                                     <p:anim calcmode="lin" valueType="num">
                                       <p:cBhvr>
-                                        <p:cTn id="19" dur="500" fill="hold"/>
+                                        <p:cTn id="18" dur="500" fill="hold"/>
                                         <p:tgtEl>
                                           <p:spTgt spid="51"/>
                                         </p:tgtEl>
@@ -5074,7 +5037,7 @@
                                     </p:anim>
                                     <p:anim calcmode="lin" valueType="num">
                                       <p:cBhvr>
-                                        <p:cTn id="20" dur="500" fill="hold"/>
+                                        <p:cTn id="19" dur="500" fill="hold"/>
                                         <p:tgtEl>
                                           <p:spTgt spid="51"/>
                                         </p:tgtEl>
@@ -5105,26 +5068,26 @@
                     </p:cTn>
                   </p:par>
                   <p:par>
-                    <p:cTn id="21" fill="hold">
+                    <p:cTn id="20" fill="hold">
                       <p:stCondLst>
                         <p:cond delay="indefinite"/>
                       </p:stCondLst>
                       <p:childTnLst>
                         <p:par>
-                          <p:cTn id="22" fill="hold">
+                          <p:cTn id="21" fill="hold">
                             <p:stCondLst>
                               <p:cond delay="0"/>
                             </p:stCondLst>
                             <p:childTnLst>
                               <p:par>
-                                <p:cTn id="23" presetID="10" presetClass="entr" presetSubtype="0" fill="hold" nodeType="clickEffect">
+                                <p:cTn id="22" presetID="10" presetClass="entr" presetSubtype="0" fill="hold" nodeType="clickEffect">
                                   <p:stCondLst>
                                     <p:cond delay="0"/>
                                   </p:stCondLst>
                                   <p:childTnLst>
                                     <p:set>
                                       <p:cBhvr>
-                                        <p:cTn id="24" dur="1" fill="hold">
+                                        <p:cTn id="23" dur="1" fill="hold">
                                           <p:stCondLst>
                                             <p:cond delay="0"/>
                                           </p:stCondLst>
@@ -5142,7 +5105,7 @@
                                     </p:set>
                                     <p:animEffect transition="in" filter="fade">
                                       <p:cBhvr>
-                                        <p:cTn id="25" dur="500"/>
+                                        <p:cTn id="24" dur="500"/>
                                         <p:tgtEl>
                                           <p:spTgt spid="9"/>
                                         </p:tgtEl>
@@ -5154,30 +5117,21 @@
                             </p:childTnLst>
                           </p:cTn>
                         </p:par>
-                      </p:childTnLst>
-                    </p:cTn>
-                  </p:par>
-                  <p:par>
-                    <p:cTn id="26" fill="hold">
-                      <p:stCondLst>
-                        <p:cond delay="indefinite"/>
-                      </p:stCondLst>
-                      <p:childTnLst>
                         <p:par>
-                          <p:cTn id="27" fill="hold">
+                          <p:cTn id="25" fill="hold">
                             <p:stCondLst>
-                              <p:cond delay="0"/>
+                              <p:cond delay="500"/>
                             </p:stCondLst>
                             <p:childTnLst>
                               <p:par>
-                                <p:cTn id="28" presetID="42" presetClass="entr" presetSubtype="0" fill="hold" grpId="0" nodeType="clickEffect">
+                                <p:cTn id="26" presetID="42" presetClass="entr" presetSubtype="0" fill="hold" grpId="0" nodeType="afterEffect">
                                   <p:stCondLst>
                                     <p:cond delay="0"/>
                                   </p:stCondLst>
                                   <p:childTnLst>
                                     <p:set>
                                       <p:cBhvr>
-                                        <p:cTn id="29" dur="1" fill="hold">
+                                        <p:cTn id="27" dur="1" fill="hold">
                                           <p:stCondLst>
                                             <p:cond delay="0"/>
                                           </p:stCondLst>
@@ -5195,7 +5149,7 @@
                                     </p:set>
                                     <p:animEffect transition="in" filter="fade">
                                       <p:cBhvr>
-                                        <p:cTn id="30" dur="500"/>
+                                        <p:cTn id="28" dur="500"/>
                                         <p:tgtEl>
                                           <p:spTgt spid="25"/>
                                         </p:tgtEl>
@@ -5203,7 +5157,7 @@
                                     </p:animEffect>
                                     <p:anim calcmode="lin" valueType="num">
                                       <p:cBhvr>
-                                        <p:cTn id="31" dur="500" fill="hold"/>
+                                        <p:cTn id="29" dur="500" fill="hold"/>
                                         <p:tgtEl>
                                           <p:spTgt spid="25"/>
                                         </p:tgtEl>
@@ -5226,7 +5180,7 @@
                                     </p:anim>
                                     <p:anim calcmode="lin" valueType="num">
                                       <p:cBhvr>
-                                        <p:cTn id="32" dur="500" fill="hold"/>
+                                        <p:cTn id="30" dur="500" fill="hold"/>
                                         <p:tgtEl>
                                           <p:spTgt spid="25"/>
                                         </p:tgtEl>
@@ -5257,32 +5211,32 @@
                     </p:cTn>
                   </p:par>
                   <p:par>
-                    <p:cTn id="33" fill="hold">
+                    <p:cTn id="31" fill="hold">
                       <p:stCondLst>
                         <p:cond delay="indefinite"/>
                       </p:stCondLst>
                       <p:childTnLst>
                         <p:par>
-                          <p:cTn id="34" fill="hold">
+                          <p:cTn id="32" fill="hold">
                             <p:stCondLst>
                               <p:cond delay="0"/>
                             </p:stCondLst>
                             <p:childTnLst>
                               <p:par>
-                                <p:cTn id="35" presetID="16" presetClass="entr" presetSubtype="21" fill="hold" nodeType="clickEffect">
+                                <p:cTn id="33" presetID="10" presetClass="entr" presetSubtype="0" fill="hold" nodeType="clickEffect">
                                   <p:stCondLst>
                                     <p:cond delay="0"/>
                                   </p:stCondLst>
                                   <p:childTnLst>
                                     <p:set>
                                       <p:cBhvr>
-                                        <p:cTn id="36" dur="1" fill="hold">
+                                        <p:cTn id="34" dur="1" fill="hold">
                                           <p:stCondLst>
                                             <p:cond delay="0"/>
                                           </p:stCondLst>
                                         </p:cTn>
                                         <p:tgtEl>
-                                          <p:spTgt spid="22"/>
+                                          <p:spTgt spid="66"/>
                                         </p:tgtEl>
                                         <p:attrNameLst>
                                           <p:attrName>style.visibility</p:attrName>
@@ -5292,11 +5246,11 @@
                                         <p:strVal val="visible"/>
                                       </p:to>
                                     </p:set>
-                                    <p:animEffect transition="in" filter="barn(inVertical)">
+                                    <p:animEffect transition="in" filter="fade">
                                       <p:cBhvr>
-                                        <p:cTn id="37" dur="500"/>
+                                        <p:cTn id="35" dur="500"/>
                                         <p:tgtEl>
-                                          <p:spTgt spid="22"/>
+                                          <p:spTgt spid="66"/>
                                         </p:tgtEl>
                                       </p:cBhvr>
                                     </p:animEffect>
@@ -5306,30 +5260,21 @@
                             </p:childTnLst>
                           </p:cTn>
                         </p:par>
-                      </p:childTnLst>
-                    </p:cTn>
-                  </p:par>
-                  <p:par>
-                    <p:cTn id="38" fill="hold">
-                      <p:stCondLst>
-                        <p:cond delay="indefinite"/>
-                      </p:stCondLst>
-                      <p:childTnLst>
                         <p:par>
-                          <p:cTn id="39" fill="hold">
+                          <p:cTn id="36" fill="hold">
                             <p:stCondLst>
-                              <p:cond delay="0"/>
+                              <p:cond delay="500"/>
                             </p:stCondLst>
                             <p:childTnLst>
                               <p:par>
-                                <p:cTn id="40" presetID="42" presetClass="entr" presetSubtype="0" fill="hold" grpId="0" nodeType="clickEffect">
+                                <p:cTn id="37" presetID="42" presetClass="entr" presetSubtype="0" fill="hold" grpId="0" nodeType="afterEffect">
                                   <p:stCondLst>
                                     <p:cond delay="0"/>
                                   </p:stCondLst>
                                   <p:childTnLst>
                                     <p:set>
                                       <p:cBhvr>
-                                        <p:cTn id="41" dur="1" fill="hold">
+                                        <p:cTn id="38" dur="1" fill="hold">
                                           <p:stCondLst>
                                             <p:cond delay="0"/>
                                           </p:stCondLst>
@@ -5347,7 +5292,7 @@
                                     </p:set>
                                     <p:animEffect transition="in" filter="fade">
                                       <p:cBhvr>
-                                        <p:cTn id="42" dur="500"/>
+                                        <p:cTn id="39" dur="500"/>
                                         <p:tgtEl>
                                           <p:spTgt spid="49"/>
                                         </p:tgtEl>
@@ -5355,7 +5300,7 @@
                                     </p:animEffect>
                                     <p:anim calcmode="lin" valueType="num">
                                       <p:cBhvr>
-                                        <p:cTn id="43" dur="500" fill="hold"/>
+                                        <p:cTn id="40" dur="500" fill="hold"/>
                                         <p:tgtEl>
                                           <p:spTgt spid="49"/>
                                         </p:tgtEl>
@@ -5378,7 +5323,7 @@
                                     </p:anim>
                                     <p:anim calcmode="lin" valueType="num">
                                       <p:cBhvr>
-                                        <p:cTn id="44" dur="500" fill="hold"/>
+                                        <p:cTn id="41" dur="500" fill="hold"/>
                                         <p:tgtEl>
                                           <p:spTgt spid="49"/>
                                         </p:tgtEl>
@@ -5409,32 +5354,32 @@
                     </p:cTn>
                   </p:par>
                   <p:par>
-                    <p:cTn id="45" fill="hold">
+                    <p:cTn id="42" fill="hold">
                       <p:stCondLst>
                         <p:cond delay="indefinite"/>
                       </p:stCondLst>
                       <p:childTnLst>
                         <p:par>
-                          <p:cTn id="46" fill="hold">
+                          <p:cTn id="43" fill="hold">
                             <p:stCondLst>
                               <p:cond delay="0"/>
                             </p:stCondLst>
                             <p:childTnLst>
                               <p:par>
-                                <p:cTn id="47" presetID="22" presetClass="entr" presetSubtype="4" fill="hold" nodeType="clickEffect">
+                                <p:cTn id="44" presetID="10" presetClass="entr" presetSubtype="0" fill="hold" nodeType="clickEffect">
                                   <p:stCondLst>
                                     <p:cond delay="0"/>
                                   </p:stCondLst>
                                   <p:childTnLst>
                                     <p:set>
                                       <p:cBhvr>
-                                        <p:cTn id="48" dur="1" fill="hold">
+                                        <p:cTn id="45" dur="1" fill="hold">
                                           <p:stCondLst>
                                             <p:cond delay="0"/>
                                           </p:stCondLst>
                                         </p:cTn>
                                         <p:tgtEl>
-                                          <p:spTgt spid="27"/>
+                                          <p:spTgt spid="72"/>
                                         </p:tgtEl>
                                         <p:attrNameLst>
                                           <p:attrName>style.visibility</p:attrName>
@@ -5444,11 +5389,11 @@
                                         <p:strVal val="visible"/>
                                       </p:to>
                                     </p:set>
-                                    <p:animEffect transition="in" filter="wipe(down)">
+                                    <p:animEffect transition="in" filter="fade">
                                       <p:cBhvr>
-                                        <p:cTn id="49" dur="500"/>
+                                        <p:cTn id="46" dur="500"/>
                                         <p:tgtEl>
-                                          <p:spTgt spid="27"/>
+                                          <p:spTgt spid="72"/>
                                         </p:tgtEl>
                                       </p:cBhvr>
                                     </p:animEffect>
@@ -5458,30 +5403,21 @@
                             </p:childTnLst>
                           </p:cTn>
                         </p:par>
-                      </p:childTnLst>
-                    </p:cTn>
-                  </p:par>
-                  <p:par>
-                    <p:cTn id="50" fill="hold">
-                      <p:stCondLst>
-                        <p:cond delay="indefinite"/>
-                      </p:stCondLst>
-                      <p:childTnLst>
                         <p:par>
-                          <p:cTn id="51" fill="hold">
+                          <p:cTn id="47" fill="hold">
                             <p:stCondLst>
-                              <p:cond delay="0"/>
+                              <p:cond delay="500"/>
                             </p:stCondLst>
                             <p:childTnLst>
                               <p:par>
-                                <p:cTn id="52" presetID="42" presetClass="entr" presetSubtype="0" fill="hold" grpId="0" nodeType="clickEffect">
+                                <p:cTn id="48" presetID="42" presetClass="entr" presetSubtype="0" fill="hold" grpId="0" nodeType="afterEffect">
                                   <p:stCondLst>
                                     <p:cond delay="0"/>
                                   </p:stCondLst>
                                   <p:childTnLst>
                                     <p:set>
                                       <p:cBhvr>
-                                        <p:cTn id="53" dur="1" fill="hold">
+                                        <p:cTn id="49" dur="1" fill="hold">
                                           <p:stCondLst>
                                             <p:cond delay="0"/>
                                           </p:stCondLst>
@@ -5499,7 +5435,7 @@
                                     </p:set>
                                     <p:animEffect transition="in" filter="fade">
                                       <p:cBhvr>
-                                        <p:cTn id="54" dur="500"/>
+                                        <p:cTn id="50" dur="500"/>
                                         <p:tgtEl>
                                           <p:spTgt spid="32"/>
                                         </p:tgtEl>
@@ -5507,7 +5443,7 @@
                                     </p:animEffect>
                                     <p:anim calcmode="lin" valueType="num">
                                       <p:cBhvr>
-                                        <p:cTn id="55" dur="500" fill="hold"/>
+                                        <p:cTn id="51" dur="500" fill="hold"/>
                                         <p:tgtEl>
                                           <p:spTgt spid="32"/>
                                         </p:tgtEl>
@@ -5530,7 +5466,7 @@
                                     </p:anim>
                                     <p:anim calcmode="lin" valueType="num">
                                       <p:cBhvr>
-                                        <p:cTn id="56" dur="500" fill="hold"/>
+                                        <p:cTn id="52" dur="500" fill="hold"/>
                                         <p:tgtEl>
                                           <p:spTgt spid="32"/>
                                         </p:tgtEl>
@@ -5561,26 +5497,26 @@
                     </p:cTn>
                   </p:par>
                   <p:par>
-                    <p:cTn id="57" fill="hold">
+                    <p:cTn id="53" fill="hold">
                       <p:stCondLst>
                         <p:cond delay="indefinite"/>
                       </p:stCondLst>
                       <p:childTnLst>
                         <p:par>
-                          <p:cTn id="58" fill="hold">
+                          <p:cTn id="54" fill="hold">
                             <p:stCondLst>
                               <p:cond delay="0"/>
                             </p:stCondLst>
                             <p:childTnLst>
                               <p:par>
-                                <p:cTn id="59" presetID="10" presetClass="entr" presetSubtype="0" fill="hold" nodeType="clickEffect">
+                                <p:cTn id="55" presetID="10" presetClass="entr" presetSubtype="0" fill="hold" nodeType="clickEffect">
                                   <p:stCondLst>
                                     <p:cond delay="0"/>
                                   </p:stCondLst>
                                   <p:childTnLst>
                                     <p:set>
                                       <p:cBhvr>
-                                        <p:cTn id="60" dur="1" fill="hold">
+                                        <p:cTn id="56" dur="1" fill="hold">
                                           <p:stCondLst>
                                             <p:cond delay="0"/>
                                           </p:stCondLst>
@@ -5598,7 +5534,7 @@
                                     </p:set>
                                     <p:animEffect transition="in" filter="fade">
                                       <p:cBhvr>
-                                        <p:cTn id="61" dur="500"/>
+                                        <p:cTn id="57" dur="500"/>
                                         <p:tgtEl>
                                           <p:spTgt spid="33"/>
                                         </p:tgtEl>
@@ -5610,182 +5546,21 @@
                             </p:childTnLst>
                           </p:cTn>
                         </p:par>
-                      </p:childTnLst>
-                    </p:cTn>
-                  </p:par>
-                  <p:par>
-                    <p:cTn id="62" fill="hold">
-                      <p:stCondLst>
-                        <p:cond delay="indefinite"/>
-                      </p:stCondLst>
-                      <p:childTnLst>
                         <p:par>
-                          <p:cTn id="63" fill="hold">
+                          <p:cTn id="58" fill="hold">
                             <p:stCondLst>
-                              <p:cond delay="0"/>
+                              <p:cond delay="1000"/>
                             </p:stCondLst>
                             <p:childTnLst>
                               <p:par>
-                                <p:cTn id="64" presetID="42" presetClass="entr" presetSubtype="0" fill="hold" grpId="0" nodeType="clickEffect">
+                                <p:cTn id="59" presetID="14" presetClass="entr" presetSubtype="10" fill="hold" grpId="0" nodeType="afterEffect">
                                   <p:stCondLst>
                                     <p:cond delay="0"/>
                                   </p:stCondLst>
                                   <p:childTnLst>
                                     <p:set>
                                       <p:cBhvr>
-                                        <p:cTn id="65" dur="1" fill="hold">
-                                          <p:stCondLst>
-                                            <p:cond delay="0"/>
-                                          </p:stCondLst>
-                                        </p:cTn>
-                                        <p:tgtEl>
-                                          <p:spTgt spid="42"/>
-                                        </p:tgtEl>
-                                        <p:attrNameLst>
-                                          <p:attrName>style.visibility</p:attrName>
-                                        </p:attrNameLst>
-                                      </p:cBhvr>
-                                      <p:to>
-                                        <p:strVal val="visible"/>
-                                      </p:to>
-                                    </p:set>
-                                    <p:animEffect transition="in" filter="fade">
-                                      <p:cBhvr>
-                                        <p:cTn id="66" dur="500"/>
-                                        <p:tgtEl>
-                                          <p:spTgt spid="42"/>
-                                        </p:tgtEl>
-                                      </p:cBhvr>
-                                    </p:animEffect>
-                                    <p:anim calcmode="lin" valueType="num">
-                                      <p:cBhvr>
-                                        <p:cTn id="67" dur="500" fill="hold"/>
-                                        <p:tgtEl>
-                                          <p:spTgt spid="42"/>
-                                        </p:tgtEl>
-                                        <p:attrNameLst>
-                                          <p:attrName>ppt_x</p:attrName>
-                                        </p:attrNameLst>
-                                      </p:cBhvr>
-                                      <p:tavLst>
-                                        <p:tav tm="0">
-                                          <p:val>
-                                            <p:strVal val="#ppt_x"/>
-                                          </p:val>
-                                        </p:tav>
-                                        <p:tav tm="100000">
-                                          <p:val>
-                                            <p:strVal val="#ppt_x"/>
-                                          </p:val>
-                                        </p:tav>
-                                      </p:tavLst>
-                                    </p:anim>
-                                    <p:anim calcmode="lin" valueType="num">
-                                      <p:cBhvr>
-                                        <p:cTn id="68" dur="500" fill="hold"/>
-                                        <p:tgtEl>
-                                          <p:spTgt spid="42"/>
-                                        </p:tgtEl>
-                                        <p:attrNameLst>
-                                          <p:attrName>ppt_y</p:attrName>
-                                        </p:attrNameLst>
-                                      </p:cBhvr>
-                                      <p:tavLst>
-                                        <p:tav tm="0">
-                                          <p:val>
-                                            <p:strVal val="#ppt_y+.1"/>
-                                          </p:val>
-                                        </p:tav>
-                                        <p:tav tm="100000">
-                                          <p:val>
-                                            <p:strVal val="#ppt_y"/>
-                                          </p:val>
-                                        </p:tav>
-                                      </p:tavLst>
-                                    </p:anim>
-                                  </p:childTnLst>
-                                </p:cTn>
-                              </p:par>
-                            </p:childTnLst>
-                          </p:cTn>
-                        </p:par>
-                      </p:childTnLst>
-                    </p:cTn>
-                  </p:par>
-                  <p:par>
-                    <p:cTn id="69" fill="hold">
-                      <p:stCondLst>
-                        <p:cond delay="indefinite"/>
-                      </p:stCondLst>
-                      <p:childTnLst>
-                        <p:par>
-                          <p:cTn id="70" fill="hold">
-                            <p:stCondLst>
-                              <p:cond delay="0"/>
-                            </p:stCondLst>
-                            <p:childTnLst>
-                              <p:par>
-                                <p:cTn id="71" presetID="10" presetClass="entr" presetSubtype="0" fill="hold" nodeType="clickEffect">
-                                  <p:stCondLst>
-                                    <p:cond delay="0"/>
-                                  </p:stCondLst>
-                                  <p:childTnLst>
-                                    <p:set>
-                                      <p:cBhvr>
-                                        <p:cTn id="72" dur="1" fill="hold">
-                                          <p:stCondLst>
-                                            <p:cond delay="0"/>
-                                          </p:stCondLst>
-                                        </p:cTn>
-                                        <p:tgtEl>
-                                          <p:spTgt spid="41"/>
-                                        </p:tgtEl>
-                                        <p:attrNameLst>
-                                          <p:attrName>style.visibility</p:attrName>
-                                        </p:attrNameLst>
-                                      </p:cBhvr>
-                                      <p:to>
-                                        <p:strVal val="visible"/>
-                                      </p:to>
-                                    </p:set>
-                                    <p:animEffect transition="in" filter="fade">
-                                      <p:cBhvr>
-                                        <p:cTn id="73" dur="500"/>
-                                        <p:tgtEl>
-                                          <p:spTgt spid="41"/>
-                                        </p:tgtEl>
-                                      </p:cBhvr>
-                                    </p:animEffect>
-                                  </p:childTnLst>
-                                </p:cTn>
-                              </p:par>
-                            </p:childTnLst>
-                          </p:cTn>
-                        </p:par>
-                      </p:childTnLst>
-                    </p:cTn>
-                  </p:par>
-                  <p:par>
-                    <p:cTn id="74" fill="hold">
-                      <p:stCondLst>
-                        <p:cond delay="indefinite"/>
-                      </p:stCondLst>
-                      <p:childTnLst>
-                        <p:par>
-                          <p:cTn id="75" fill="hold">
-                            <p:stCondLst>
-                              <p:cond delay="0"/>
-                            </p:stCondLst>
-                            <p:childTnLst>
-                              <p:par>
-                                <p:cTn id="76" presetID="14" presetClass="entr" presetSubtype="10" fill="hold" grpId="0" nodeType="clickEffect">
-                                  <p:stCondLst>
-                                    <p:cond delay="0"/>
-                                  </p:stCondLst>
-                                  <p:childTnLst>
-                                    <p:set>
-                                      <p:cBhvr>
-                                        <p:cTn id="77" dur="1" fill="hold">
+                                        <p:cTn id="60" dur="1" fill="hold">
                                           <p:stCondLst>
                                             <p:cond delay="0"/>
                                           </p:stCondLst>
@@ -5803,7 +5578,7 @@
                                     </p:set>
                                     <p:animEffect transition="in" filter="randombar(horizontal)">
                                       <p:cBhvr>
-                                        <p:cTn id="78" dur="500"/>
+                                        <p:cTn id="61" dur="500"/>
                                         <p:tgtEl>
                                           <p:spTgt spid="56"/>
                                         </p:tgtEl>
@@ -5844,7 +5619,6 @@
       <p:bldP spid="7" grpId="0" animBg="1"/>
       <p:bldP spid="25" grpId="0" animBg="1"/>
       <p:bldP spid="32" grpId="0" animBg="1"/>
-      <p:bldP spid="42" grpId="0" animBg="1"/>
       <p:bldP spid="49" grpId="0" animBg="1"/>
       <p:bldP spid="56" grpId="0" animBg="1"/>
     </p:bldLst>
@@ -5853,6 +5627,633 @@
 </file>
 
 <file path=ppt/slides/slide4.xml><?xml version="1.0" encoding="utf-8"?>
+<p:sld xmlns:a="http://schemas.openxmlformats.org/drawingml/2006/main" xmlns:r="http://schemas.openxmlformats.org/officeDocument/2006/relationships" xmlns:p="http://schemas.openxmlformats.org/presentationml/2006/main">
+  <p:cSld>
+    <p:spTree>
+      <p:nvGrpSpPr>
+        <p:cNvPr id="1" name=""/>
+        <p:cNvGrpSpPr/>
+        <p:nvPr/>
+      </p:nvGrpSpPr>
+      <p:grpSpPr>
+        <a:xfrm>
+          <a:off x="0" y="0"/>
+          <a:ext cx="0" cy="0"/>
+          <a:chOff x="0" y="0"/>
+          <a:chExt cx="0" cy="0"/>
+        </a:xfrm>
+      </p:grpSpPr>
+      <p:sp>
+        <p:nvSpPr>
+          <p:cNvPr id="3" name="標題 2"/>
+          <p:cNvSpPr>
+            <a:spLocks noGrp="1"/>
+          </p:cNvSpPr>
+          <p:nvPr>
+            <p:ph type="title"/>
+          </p:nvPr>
+        </p:nvSpPr>
+        <p:spPr/>
+        <p:txBody>
+          <a:bodyPr/>
+          <a:lstStyle/>
+          <a:p>
+            <a:r>
+              <a:rPr lang="zh-TW" altLang="en-US" dirty="0" smtClean="0">
+                <a:latin typeface="+mn-ea"/>
+              </a:rPr>
+              <a:t>渲染</a:t>
+            </a:r>
+            <a:r>
+              <a:rPr lang="zh-TW" altLang="en-US" dirty="0">
+                <a:latin typeface="+mn-ea"/>
+              </a:rPr>
+              <a:t>列表與</a:t>
+            </a:r>
+            <a:r>
+              <a:rPr lang="en-US" altLang="zh-TW" dirty="0" smtClean="0">
+                <a:latin typeface="+mn-ea"/>
+              </a:rPr>
+              <a:t>key</a:t>
+            </a:r>
+            <a:endParaRPr lang="zh-TW" altLang="en-US" dirty="0"/>
+          </a:p>
+        </p:txBody>
+      </p:sp>
+      <p:sp>
+        <p:nvSpPr>
+          <p:cNvPr id="2" name="投影片編號版面配置區 1"/>
+          <p:cNvSpPr>
+            <a:spLocks noGrp="1"/>
+          </p:cNvSpPr>
+          <p:nvPr>
+            <p:ph type="sldNum" sz="quarter" idx="4"/>
+          </p:nvPr>
+        </p:nvSpPr>
+        <p:spPr/>
+        <p:txBody>
+          <a:bodyPr/>
+          <a:lstStyle/>
+          <a:p>
+            <a:pPr>
+              <a:defRPr/>
+            </a:pPr>
+            <a:fld id="{D8FAB8B2-0FDE-463D-BCA7-467E727C80EC}" type="slidenum">
+              <a:rPr lang="zh-TW" altLang="en-US" smtClean="0"/>
+              <a:pPr>
+                <a:defRPr/>
+              </a:pPr>
+              <a:t>4</a:t>
+            </a:fld>
+            <a:endParaRPr lang="zh-TW" altLang="en-US" dirty="0"/>
+          </a:p>
+        </p:txBody>
+      </p:sp>
+      <p:pic>
+        <p:nvPicPr>
+          <p:cNvPr id="1030" name="Picture 6" descr="React (JavaScript library) - Wikipedia"/>
+          <p:cNvPicPr>
+            <a:picLocks noChangeAspect="1" noChangeArrowheads="1"/>
+          </p:cNvPicPr>
+          <p:nvPr/>
+        </p:nvPicPr>
+        <p:blipFill>
+          <a:blip r:embed="rId3">
+            <a:extLst>
+              <a:ext uri="{28A0092B-C50C-407E-A947-70E740481C1C}">
+                <a14:useLocalDpi xmlns:a14="http://schemas.microsoft.com/office/drawing/2010/main" val="0"/>
+              </a:ext>
+            </a:extLst>
+          </a:blip>
+          <a:srcRect/>
+          <a:stretch>
+            <a:fillRect/>
+          </a:stretch>
+        </p:blipFill>
+        <p:spPr bwMode="auto">
+          <a:xfrm>
+            <a:off x="1574257" y="2134391"/>
+            <a:ext cx="2238375" cy="2038350"/>
+          </a:xfrm>
+          <a:prstGeom prst="rect">
+            <a:avLst/>
+          </a:prstGeom>
+          <a:noFill/>
+          <a:extLst>
+            <a:ext uri="{909E8E84-426E-40DD-AFC4-6F175D3DCCD1}">
+              <a14:hiddenFill xmlns:a14="http://schemas.microsoft.com/office/drawing/2010/main">
+                <a:solidFill>
+                  <a:srgbClr val="FFFFFF"/>
+                </a:solidFill>
+              </a14:hiddenFill>
+            </a:ext>
+          </a:extLst>
+        </p:spPr>
+      </p:pic>
+      <p:sp>
+        <p:nvSpPr>
+          <p:cNvPr id="12" name="AutoShape 10" descr="File:Crypto key.svg - 來自維基導遊的旅行指南"/>
+          <p:cNvSpPr>
+            <a:spLocks noChangeAspect="1" noChangeArrowheads="1"/>
+          </p:cNvSpPr>
+          <p:nvPr/>
+        </p:nvSpPr>
+        <p:spPr bwMode="auto">
+          <a:xfrm>
+            <a:off x="155575" y="-144463"/>
+            <a:ext cx="304800" cy="304801"/>
+          </a:xfrm>
+          <a:prstGeom prst="rect">
+            <a:avLst/>
+          </a:prstGeom>
+          <a:noFill/>
+          <a:extLst>
+            <a:ext uri="{909E8E84-426E-40DD-AFC4-6F175D3DCCD1}">
+              <a14:hiddenFill xmlns:a14="http://schemas.microsoft.com/office/drawing/2010/main">
+                <a:solidFill>
+                  <a:srgbClr val="FFFFFF"/>
+                </a:solidFill>
+              </a14:hiddenFill>
+            </a:ext>
+          </a:extLst>
+        </p:spPr>
+        <p:txBody>
+          <a:bodyPr vert="horz" wrap="square" lIns="91440" tIns="45720" rIns="91440" bIns="45720" numCol="1" anchor="t" anchorCtr="0" compatLnSpc="1">
+            <a:prstTxWarp prst="textNoShape">
+              <a:avLst/>
+            </a:prstTxWarp>
+          </a:bodyPr>
+          <a:lstStyle/>
+          <a:p>
+            <a:endParaRPr lang="zh-TW" altLang="en-US"/>
+          </a:p>
+        </p:txBody>
+      </p:sp>
+      <p:pic>
+        <p:nvPicPr>
+          <p:cNvPr id="1036" name="Picture 12" descr="Key, Bandipedia, key"/>
+          <p:cNvPicPr>
+            <a:picLocks noChangeAspect="1" noChangeArrowheads="1"/>
+          </p:cNvPicPr>
+          <p:nvPr/>
+        </p:nvPicPr>
+        <p:blipFill>
+          <a:blip r:embed="rId4" cstate="print">
+            <a:extLst>
+              <a:ext uri="{28A0092B-C50C-407E-A947-70E740481C1C}">
+                <a14:useLocalDpi xmlns:a14="http://schemas.microsoft.com/office/drawing/2010/main" val="0"/>
+              </a:ext>
+            </a:extLst>
+          </a:blip>
+          <a:srcRect/>
+          <a:stretch>
+            <a:fillRect/>
+          </a:stretch>
+        </p:blipFill>
+        <p:spPr bwMode="auto">
+          <a:xfrm>
+            <a:off x="7823200" y="2028962"/>
+            <a:ext cx="2149286" cy="2272102"/>
+          </a:xfrm>
+          <a:prstGeom prst="rect">
+            <a:avLst/>
+          </a:prstGeom>
+          <a:noFill/>
+          <a:extLst>
+            <a:ext uri="{909E8E84-426E-40DD-AFC4-6F175D3DCCD1}">
+              <a14:hiddenFill xmlns:a14="http://schemas.microsoft.com/office/drawing/2010/main">
+                <a:solidFill>
+                  <a:srgbClr val="FFFFFF"/>
+                </a:solidFill>
+              </a14:hiddenFill>
+            </a:ext>
+          </a:extLst>
+        </p:spPr>
+      </p:pic>
+      <p:pic>
+        <p:nvPicPr>
+          <p:cNvPr id="1040" name="Picture 16" descr="問號圖示平面向量插圖設計向量圖形及更多問號圖片- 問號, 圖示, 問- iStock"/>
+          <p:cNvPicPr>
+            <a:picLocks noChangeAspect="1" noChangeArrowheads="1"/>
+          </p:cNvPicPr>
+          <p:nvPr/>
+        </p:nvPicPr>
+        <p:blipFill>
+          <a:blip r:embed="rId5" cstate="print">
+            <a:extLst>
+              <a:ext uri="{28A0092B-C50C-407E-A947-70E740481C1C}">
+                <a14:useLocalDpi xmlns:a14="http://schemas.microsoft.com/office/drawing/2010/main" val="0"/>
+              </a:ext>
+            </a:extLst>
+          </a:blip>
+          <a:srcRect/>
+          <a:stretch>
+            <a:fillRect/>
+          </a:stretch>
+        </p:blipFill>
+        <p:spPr bwMode="auto">
+          <a:xfrm>
+            <a:off x="4801494" y="2210062"/>
+            <a:ext cx="1887008" cy="1887008"/>
+          </a:xfrm>
+          <a:prstGeom prst="rect">
+            <a:avLst/>
+          </a:prstGeom>
+          <a:noFill/>
+          <a:extLst>
+            <a:ext uri="{909E8E84-426E-40DD-AFC4-6F175D3DCCD1}">
+              <a14:hiddenFill xmlns:a14="http://schemas.microsoft.com/office/drawing/2010/main">
+                <a:solidFill>
+                  <a:srgbClr val="FFFFFF"/>
+                </a:solidFill>
+              </a14:hiddenFill>
+            </a:ext>
+          </a:extLst>
+        </p:spPr>
+      </p:pic>
+      <p:sp>
+        <p:nvSpPr>
+          <p:cNvPr id="24" name="文字方塊 23"/>
+          <p:cNvSpPr txBox="1"/>
+          <p:nvPr/>
+        </p:nvSpPr>
+        <p:spPr>
+          <a:xfrm>
+            <a:off x="2035540" y="4729959"/>
+            <a:ext cx="7418915" cy="1077218"/>
+          </a:xfrm>
+          <a:prstGeom prst="rect">
+            <a:avLst/>
+          </a:prstGeom>
+          <a:noFill/>
+        </p:spPr>
+        <p:txBody>
+          <a:bodyPr wrap="square" rtlCol="0">
+            <a:spAutoFit/>
+          </a:bodyPr>
+          <a:lstStyle/>
+          <a:p>
+            <a:r>
+              <a:rPr lang="zh-TW" altLang="en-US" sz="3200" dirty="0">
+                <a:solidFill>
+                  <a:schemeClr val="accent6">
+                    <a:lumMod val="50000"/>
+                  </a:schemeClr>
+                </a:solidFill>
+                <a:latin typeface="微軟正黑體" panose="020B0604030504040204" pitchFamily="34" charset="-120"/>
+                <a:ea typeface="微軟正黑體" panose="020B0604030504040204" pitchFamily="34" charset="-120"/>
+                <a:cs typeface="+mj-cs"/>
+              </a:rPr>
+              <a:t>為每個數組項目提供一個</a:t>
+            </a:r>
+            <a:r>
+              <a:rPr lang="en-US" altLang="zh-TW" sz="3200" dirty="0">
+                <a:solidFill>
+                  <a:schemeClr val="accent6">
+                    <a:lumMod val="50000"/>
+                  </a:schemeClr>
+                </a:solidFill>
+                <a:latin typeface="微軟正黑體" panose="020B0604030504040204" pitchFamily="34" charset="-120"/>
+                <a:ea typeface="微軟正黑體" panose="020B0604030504040204" pitchFamily="34" charset="-120"/>
+                <a:cs typeface="+mj-cs"/>
+              </a:rPr>
+              <a:t>key</a:t>
+            </a:r>
+            <a:r>
+              <a:rPr lang="zh-TW" altLang="en-US" sz="3200" dirty="0">
+                <a:solidFill>
+                  <a:schemeClr val="accent6">
+                    <a:lumMod val="50000"/>
+                  </a:schemeClr>
+                </a:solidFill>
+                <a:latin typeface="微軟正黑體" panose="020B0604030504040204" pitchFamily="34" charset="-120"/>
+                <a:ea typeface="微軟正黑體" panose="020B0604030504040204" pitchFamily="34" charset="-120"/>
+                <a:cs typeface="+mj-cs"/>
+              </a:rPr>
+              <a:t>字串或數字，以在該數組中的其他項目中唯一標識它</a:t>
+            </a:r>
+          </a:p>
+        </p:txBody>
+      </p:sp>
+    </p:spTree>
+    <p:custDataLst>
+      <p:tags r:id="rId1"/>
+    </p:custDataLst>
+    <p:extLst>
+      <p:ext uri="{BB962C8B-B14F-4D97-AF65-F5344CB8AC3E}">
+        <p14:creationId xmlns:p14="http://schemas.microsoft.com/office/powerpoint/2010/main" val="3271872169"/>
+      </p:ext>
+    </p:extLst>
+  </p:cSld>
+  <p:clrMapOvr>
+    <a:masterClrMapping/>
+  </p:clrMapOvr>
+  <mc:AlternateContent xmlns:mc="http://schemas.openxmlformats.org/markup-compatibility/2006">
+    <mc:Choice xmlns:p14="http://schemas.microsoft.com/office/powerpoint/2010/main" Requires="p14">
+      <p:transition spd="slow" p14:dur="2000"/>
+    </mc:Choice>
+    <mc:Fallback>
+      <p:transition spd="slow"/>
+    </mc:Fallback>
+  </mc:AlternateContent>
+  <p:timing>
+    <p:tnLst>
+      <p:par>
+        <p:cTn id="1" dur="indefinite" restart="never" nodeType="tmRoot">
+          <p:childTnLst>
+            <p:seq concurrent="1" nextAc="seek">
+              <p:cTn id="2" dur="indefinite" nodeType="mainSeq">
+                <p:childTnLst>
+                  <p:par>
+                    <p:cTn id="3" fill="hold">
+                      <p:stCondLst>
+                        <p:cond delay="indefinite"/>
+                        <p:cond evt="onBegin" delay="0">
+                          <p:tn val="2"/>
+                        </p:cond>
+                      </p:stCondLst>
+                      <p:childTnLst>
+                        <p:par>
+                          <p:cTn id="4" fill="hold">
+                            <p:stCondLst>
+                              <p:cond delay="0"/>
+                            </p:stCondLst>
+                            <p:childTnLst>
+                              <p:par>
+                                <p:cTn id="5" presetID="22" presetClass="entr" presetSubtype="4" fill="hold" nodeType="afterEffect">
+                                  <p:stCondLst>
+                                    <p:cond delay="0"/>
+                                  </p:stCondLst>
+                                  <p:childTnLst>
+                                    <p:set>
+                                      <p:cBhvr>
+                                        <p:cTn id="6" dur="1" fill="hold">
+                                          <p:stCondLst>
+                                            <p:cond delay="0"/>
+                                          </p:stCondLst>
+                                        </p:cTn>
+                                        <p:tgtEl>
+                                          <p:spTgt spid="1030"/>
+                                        </p:tgtEl>
+                                        <p:attrNameLst>
+                                          <p:attrName>style.visibility</p:attrName>
+                                        </p:attrNameLst>
+                                      </p:cBhvr>
+                                      <p:to>
+                                        <p:strVal val="visible"/>
+                                      </p:to>
+                                    </p:set>
+                                    <p:animEffect transition="in" filter="wipe(down)">
+                                      <p:cBhvr>
+                                        <p:cTn id="7" dur="500"/>
+                                        <p:tgtEl>
+                                          <p:spTgt spid="1030"/>
+                                        </p:tgtEl>
+                                      </p:cBhvr>
+                                    </p:animEffect>
+                                  </p:childTnLst>
+                                </p:cTn>
+                              </p:par>
+                            </p:childTnLst>
+                          </p:cTn>
+                        </p:par>
+                      </p:childTnLst>
+                    </p:cTn>
+                  </p:par>
+                  <p:par>
+                    <p:cTn id="8" fill="hold">
+                      <p:stCondLst>
+                        <p:cond delay="indefinite"/>
+                      </p:stCondLst>
+                      <p:childTnLst>
+                        <p:par>
+                          <p:cTn id="9" fill="hold">
+                            <p:stCondLst>
+                              <p:cond delay="0"/>
+                            </p:stCondLst>
+                            <p:childTnLst>
+                              <p:par>
+                                <p:cTn id="10" presetID="22" presetClass="entr" presetSubtype="4" fill="hold" nodeType="clickEffect">
+                                  <p:stCondLst>
+                                    <p:cond delay="0"/>
+                                  </p:stCondLst>
+                                  <p:childTnLst>
+                                    <p:set>
+                                      <p:cBhvr>
+                                        <p:cTn id="11" dur="1" fill="hold">
+                                          <p:stCondLst>
+                                            <p:cond delay="0"/>
+                                          </p:stCondLst>
+                                        </p:cTn>
+                                        <p:tgtEl>
+                                          <p:spTgt spid="1036"/>
+                                        </p:tgtEl>
+                                        <p:attrNameLst>
+                                          <p:attrName>style.visibility</p:attrName>
+                                        </p:attrNameLst>
+                                      </p:cBhvr>
+                                      <p:to>
+                                        <p:strVal val="visible"/>
+                                      </p:to>
+                                    </p:set>
+                                    <p:animEffect transition="in" filter="wipe(down)">
+                                      <p:cBhvr>
+                                        <p:cTn id="12" dur="500"/>
+                                        <p:tgtEl>
+                                          <p:spTgt spid="1036"/>
+                                        </p:tgtEl>
+                                      </p:cBhvr>
+                                    </p:animEffect>
+                                  </p:childTnLst>
+                                </p:cTn>
+                              </p:par>
+                            </p:childTnLst>
+                          </p:cTn>
+                        </p:par>
+                      </p:childTnLst>
+                    </p:cTn>
+                  </p:par>
+                  <p:par>
+                    <p:cTn id="13" fill="hold">
+                      <p:stCondLst>
+                        <p:cond delay="indefinite"/>
+                      </p:stCondLst>
+                      <p:childTnLst>
+                        <p:par>
+                          <p:cTn id="14" fill="hold">
+                            <p:stCondLst>
+                              <p:cond delay="0"/>
+                            </p:stCondLst>
+                            <p:childTnLst>
+                              <p:par>
+                                <p:cTn id="15" presetID="22" presetClass="entr" presetSubtype="4" fill="hold" nodeType="clickEffect">
+                                  <p:stCondLst>
+                                    <p:cond delay="0"/>
+                                  </p:stCondLst>
+                                  <p:childTnLst>
+                                    <p:set>
+                                      <p:cBhvr>
+                                        <p:cTn id="16" dur="1" fill="hold">
+                                          <p:stCondLst>
+                                            <p:cond delay="0"/>
+                                          </p:stCondLst>
+                                        </p:cTn>
+                                        <p:tgtEl>
+                                          <p:spTgt spid="1040"/>
+                                        </p:tgtEl>
+                                        <p:attrNameLst>
+                                          <p:attrName>style.visibility</p:attrName>
+                                        </p:attrNameLst>
+                                      </p:cBhvr>
+                                      <p:to>
+                                        <p:strVal val="visible"/>
+                                      </p:to>
+                                    </p:set>
+                                    <p:animEffect transition="in" filter="wipe(down)">
+                                      <p:cBhvr>
+                                        <p:cTn id="17" dur="500"/>
+                                        <p:tgtEl>
+                                          <p:spTgt spid="1040"/>
+                                        </p:tgtEl>
+                                      </p:cBhvr>
+                                    </p:animEffect>
+                                  </p:childTnLst>
+                                </p:cTn>
+                              </p:par>
+                            </p:childTnLst>
+                          </p:cTn>
+                        </p:par>
+                      </p:childTnLst>
+                    </p:cTn>
+                  </p:par>
+                  <p:par>
+                    <p:cTn id="18" fill="hold">
+                      <p:stCondLst>
+                        <p:cond delay="indefinite"/>
+                      </p:stCondLst>
+                      <p:childTnLst>
+                        <p:par>
+                          <p:cTn id="19" fill="hold">
+                            <p:stCondLst>
+                              <p:cond delay="0"/>
+                            </p:stCondLst>
+                            <p:childTnLst>
+                              <p:par>
+                                <p:cTn id="20" presetID="42" presetClass="entr" presetSubtype="0" fill="hold" grpId="0" nodeType="clickEffect">
+                                  <p:stCondLst>
+                                    <p:cond delay="0"/>
+                                  </p:stCondLst>
+                                  <p:childTnLst>
+                                    <p:set>
+                                      <p:cBhvr>
+                                        <p:cTn id="21" dur="1" fill="hold">
+                                          <p:stCondLst>
+                                            <p:cond delay="0"/>
+                                          </p:stCondLst>
+                                        </p:cTn>
+                                        <p:tgtEl>
+                                          <p:spTgt spid="24"/>
+                                        </p:tgtEl>
+                                        <p:attrNameLst>
+                                          <p:attrName>style.visibility</p:attrName>
+                                        </p:attrNameLst>
+                                      </p:cBhvr>
+                                      <p:to>
+                                        <p:strVal val="visible"/>
+                                      </p:to>
+                                    </p:set>
+                                    <p:animEffect transition="in" filter="fade">
+                                      <p:cBhvr>
+                                        <p:cTn id="22" dur="500"/>
+                                        <p:tgtEl>
+                                          <p:spTgt spid="24"/>
+                                        </p:tgtEl>
+                                      </p:cBhvr>
+                                    </p:animEffect>
+                                    <p:anim calcmode="lin" valueType="num">
+                                      <p:cBhvr>
+                                        <p:cTn id="23" dur="500" fill="hold"/>
+                                        <p:tgtEl>
+                                          <p:spTgt spid="24"/>
+                                        </p:tgtEl>
+                                        <p:attrNameLst>
+                                          <p:attrName>ppt_x</p:attrName>
+                                        </p:attrNameLst>
+                                      </p:cBhvr>
+                                      <p:tavLst>
+                                        <p:tav tm="0">
+                                          <p:val>
+                                            <p:strVal val="#ppt_x"/>
+                                          </p:val>
+                                        </p:tav>
+                                        <p:tav tm="100000">
+                                          <p:val>
+                                            <p:strVal val="#ppt_x"/>
+                                          </p:val>
+                                        </p:tav>
+                                      </p:tavLst>
+                                    </p:anim>
+                                    <p:anim calcmode="lin" valueType="num">
+                                      <p:cBhvr>
+                                        <p:cTn id="24" dur="500" fill="hold"/>
+                                        <p:tgtEl>
+                                          <p:spTgt spid="24"/>
+                                        </p:tgtEl>
+                                        <p:attrNameLst>
+                                          <p:attrName>ppt_y</p:attrName>
+                                        </p:attrNameLst>
+                                      </p:cBhvr>
+                                      <p:tavLst>
+                                        <p:tav tm="0">
+                                          <p:val>
+                                            <p:strVal val="#ppt_y+.1"/>
+                                          </p:val>
+                                        </p:tav>
+                                        <p:tav tm="100000">
+                                          <p:val>
+                                            <p:strVal val="#ppt_y"/>
+                                          </p:val>
+                                        </p:tav>
+                                      </p:tavLst>
+                                    </p:anim>
+                                  </p:childTnLst>
+                                </p:cTn>
+                              </p:par>
+                            </p:childTnLst>
+                          </p:cTn>
+                        </p:par>
+                      </p:childTnLst>
+                    </p:cTn>
+                  </p:par>
+                </p:childTnLst>
+              </p:cTn>
+              <p:prevCondLst>
+                <p:cond evt="onPrev" delay="0">
+                  <p:tgtEl>
+                    <p:sldTgt/>
+                  </p:tgtEl>
+                </p:cond>
+              </p:prevCondLst>
+              <p:nextCondLst>
+                <p:cond evt="onNext" delay="0">
+                  <p:tgtEl>
+                    <p:sldTgt/>
+                  </p:tgtEl>
+                </p:cond>
+              </p:nextCondLst>
+            </p:seq>
+          </p:childTnLst>
+        </p:cTn>
+      </p:par>
+    </p:tnLst>
+    <p:bldLst>
+      <p:bldP spid="24" grpId="0"/>
+    </p:bldLst>
+  </p:timing>
+</p:sld>
+</file>
+
+<file path=ppt/slides/slide5.xml><?xml version="1.0" encoding="utf-8"?>
 <p:sld xmlns:a="http://schemas.openxmlformats.org/drawingml/2006/main" xmlns:r="http://schemas.openxmlformats.org/officeDocument/2006/relationships" xmlns:p="http://schemas.openxmlformats.org/presentationml/2006/main">
   <p:cSld>
     <p:spTree>
@@ -5919,7 +6320,7 @@
               <a:pPr>
                 <a:defRPr/>
               </a:pPr>
-              <a:t>4</a:t>
+              <a:t>5</a:t>
             </a:fld>
             <a:endParaRPr lang="zh-TW" altLang="en-US" dirty="0"/>
           </a:p>
@@ -5933,7 +6334,7 @@
         </p:nvGrpSpPr>
         <p:grpSpPr>
           <a:xfrm>
-            <a:off x="490489" y="2122714"/>
+            <a:off x="359999" y="2741201"/>
             <a:ext cx="3043825" cy="2427737"/>
             <a:chOff x="1241489" y="2389283"/>
             <a:chExt cx="3183822" cy="2521089"/>
@@ -5977,7 +6378,11 @@
               <a:pPr algn="ctr"/>
               <a:r>
                 <a:rPr lang="en-US" altLang="zh-TW" sz="2800" dirty="0" smtClean="0"/>
-                <a:t>button</a:t>
+                <a:t>f</a:t>
+              </a:r>
+              <a:r>
+                <a:rPr lang="en-US" altLang="zh-TW" sz="2800" dirty="0" smtClean="0"/>
+                <a:t>orm</a:t>
               </a:r>
               <a:endParaRPr lang="zh-TW" altLang="en-US" sz="2800" dirty="0"/>
             </a:p>
@@ -6053,10 +6458,10 @@
         </p:nvGrpSpPr>
         <p:grpSpPr>
           <a:xfrm>
-            <a:off x="4223212" y="2295736"/>
-            <a:ext cx="3542665" cy="2251160"/>
-            <a:chOff x="5846388" y="2657993"/>
-            <a:chExt cx="4045908" cy="2251160"/>
+            <a:off x="4092722" y="3042491"/>
+            <a:ext cx="3542665" cy="2122892"/>
+            <a:chOff x="5846388" y="2786261"/>
+            <a:chExt cx="4045908" cy="2122892"/>
           </a:xfrm>
         </p:grpSpPr>
         <p:sp>
@@ -6067,8 +6472,8 @@
           </p:nvSpPr>
           <p:spPr>
             <a:xfrm>
-              <a:off x="6287220" y="2657993"/>
-              <a:ext cx="2811291" cy="1287705"/>
+              <a:off x="6287220" y="2786261"/>
+              <a:ext cx="2811291" cy="1159437"/>
             </a:xfrm>
             <a:prstGeom prst="flowChartAlternateProcess">
               <a:avLst/>
@@ -6163,7 +6568,7 @@
         </p:nvSpPr>
         <p:spPr>
           <a:xfrm>
-            <a:off x="3120759" y="2672977"/>
+            <a:off x="2990269" y="3291464"/>
             <a:ext cx="1139868" cy="522152"/>
           </a:xfrm>
           <a:prstGeom prst="rightArrow">
@@ -6203,10 +6608,10 @@
         </p:nvGrpSpPr>
         <p:grpSpPr>
           <a:xfrm>
-            <a:off x="8907863" y="2295734"/>
-            <a:ext cx="2432137" cy="2251162"/>
-            <a:chOff x="8907863" y="2680568"/>
-            <a:chExt cx="2432137" cy="2251162"/>
+            <a:off x="8812300" y="3009308"/>
+            <a:ext cx="2344454" cy="2156075"/>
+            <a:chOff x="8812300" y="2645380"/>
+            <a:chExt cx="2344454" cy="2286350"/>
           </a:xfrm>
         </p:grpSpPr>
         <p:sp>
@@ -6217,7 +6622,7 @@
           </p:nvSpPr>
           <p:spPr>
             <a:xfrm>
-              <a:off x="8907863" y="2680568"/>
+              <a:off x="8812300" y="2645380"/>
               <a:ext cx="2344454" cy="1287705"/>
             </a:xfrm>
             <a:prstGeom prst="flowChartAlternateProcess">
@@ -6246,10 +6651,18 @@
             <a:p>
               <a:pPr algn="ctr"/>
               <a:r>
-                <a:rPr lang="en-US" altLang="zh-TW" sz="2400" dirty="0" smtClean="0"/>
-                <a:t>state</a:t>
+                <a:rPr lang="en-US" altLang="zh-TW" sz="2800" dirty="0" smtClean="0"/>
+                <a:t>s</a:t>
               </a:r>
-              <a:endParaRPr lang="zh-TW" altLang="en-US" sz="2400" dirty="0"/>
+              <a:r>
+                <a:rPr lang="en-US" altLang="zh-TW" sz="2800" dirty="0"/>
+                <a:t>tat</a:t>
+              </a:r>
+              <a:r>
+                <a:rPr lang="en-US" altLang="zh-TW" sz="2800" dirty="0" smtClean="0"/>
+                <a:t>e</a:t>
+              </a:r>
+              <a:endParaRPr lang="zh-TW" altLang="en-US" sz="2800" dirty="0"/>
             </a:p>
           </p:txBody>
         </p:sp>
@@ -6261,7 +6674,7 @@
           </p:nvSpPr>
           <p:spPr>
             <a:xfrm>
-              <a:off x="9047681" y="4346955"/>
+              <a:off x="8864435" y="4346955"/>
               <a:ext cx="2292319" cy="584775"/>
             </a:xfrm>
             <a:prstGeom prst="rect">
@@ -6323,7 +6736,7 @@
         </p:nvSpPr>
         <p:spPr>
           <a:xfrm>
-            <a:off x="7419410" y="2678510"/>
+            <a:off x="7288920" y="3296997"/>
             <a:ext cx="1139868" cy="522152"/>
           </a:xfrm>
           <a:prstGeom prst="rightArrow">
@@ -6357,39 +6770,13 @@
       </p:sp>
       <p:sp>
         <p:nvSpPr>
-          <p:cNvPr id="8" name="文字方塊 7"/>
-          <p:cNvSpPr txBox="1"/>
-          <p:nvPr/>
-        </p:nvSpPr>
-        <p:spPr>
-          <a:xfrm>
-            <a:off x="3967843" y="1289957"/>
-            <a:ext cx="3451567" cy="832757"/>
-          </a:xfrm>
-          <a:prstGeom prst="rect">
-            <a:avLst/>
-          </a:prstGeom>
-          <a:noFill/>
-        </p:spPr>
-        <p:txBody>
-          <a:bodyPr wrap="square" rtlCol="0">
-            <a:spAutoFit/>
-          </a:bodyPr>
-          <a:lstStyle/>
-          <a:p>
-            <a:endParaRPr lang="zh-TW" altLang="en-US" dirty="0"/>
-          </a:p>
-        </p:txBody>
-      </p:sp>
-      <p:sp>
-        <p:nvSpPr>
           <p:cNvPr id="9" name="矩形 8"/>
           <p:cNvSpPr/>
           <p:nvPr/>
         </p:nvSpPr>
         <p:spPr>
           <a:xfrm>
-            <a:off x="4405382" y="4796338"/>
+            <a:off x="4274892" y="5414825"/>
             <a:ext cx="2869274" cy="1024034"/>
           </a:xfrm>
           <a:prstGeom prst="rect">
@@ -6428,7 +6815,140 @@
           </a:p>
         </p:txBody>
       </p:sp>
+      <p:sp>
+        <p:nvSpPr>
+          <p:cNvPr id="6" name="圓角矩形 5"/>
+          <p:cNvSpPr/>
+          <p:nvPr/>
+        </p:nvSpPr>
+        <p:spPr>
+          <a:xfrm>
+            <a:off x="4478722" y="1173512"/>
+            <a:ext cx="2444274" cy="1177802"/>
+          </a:xfrm>
+          <a:prstGeom prst="roundRect">
+            <a:avLst/>
+          </a:prstGeom>
+        </p:spPr>
+        <p:style>
+          <a:lnRef idx="2">
+            <a:schemeClr val="accent3">
+              <a:shade val="50000"/>
+            </a:schemeClr>
+          </a:lnRef>
+          <a:fillRef idx="1">
+            <a:schemeClr val="accent3"/>
+          </a:fillRef>
+          <a:effectRef idx="0">
+            <a:schemeClr val="accent3"/>
+          </a:effectRef>
+          <a:fontRef idx="minor">
+            <a:schemeClr val="lt1"/>
+          </a:fontRef>
+        </p:style>
+        <p:txBody>
+          <a:bodyPr rtlCol="0" anchor="ctr"/>
+          <a:lstStyle/>
+          <a:p>
+            <a:pPr algn="ctr"/>
+            <a:r>
+              <a:rPr lang="en-US" altLang="zh-TW" sz="2800" dirty="0"/>
+              <a:t>action</a:t>
+            </a:r>
+            <a:endParaRPr lang="zh-TW" altLang="en-US" sz="2800" dirty="0"/>
+          </a:p>
+        </p:txBody>
+      </p:sp>
+      <p:sp>
+        <p:nvSpPr>
+          <p:cNvPr id="17" name="向右箭號 16"/>
+          <p:cNvSpPr/>
+          <p:nvPr/>
+        </p:nvSpPr>
+        <p:spPr>
+          <a:xfrm rot="20671850">
+            <a:off x="2843619" y="2246673"/>
+            <a:ext cx="1188685" cy="552570"/>
+          </a:xfrm>
+          <a:prstGeom prst="rightArrow">
+            <a:avLst/>
+          </a:prstGeom>
+        </p:spPr>
+        <p:style>
+          <a:lnRef idx="2">
+            <a:schemeClr val="accent6">
+              <a:shade val="50000"/>
+            </a:schemeClr>
+          </a:lnRef>
+          <a:fillRef idx="1">
+            <a:schemeClr val="accent6"/>
+          </a:fillRef>
+          <a:effectRef idx="0">
+            <a:schemeClr val="accent6"/>
+          </a:effectRef>
+          <a:fontRef idx="minor">
+            <a:schemeClr val="lt1"/>
+          </a:fontRef>
+        </p:style>
+        <p:txBody>
+          <a:bodyPr rtlCol="0" anchor="ctr"/>
+          <a:lstStyle/>
+          <a:p>
+            <a:pPr algn="ctr"/>
+            <a:endParaRPr lang="zh-TW" altLang="en-US"/>
+          </a:p>
+        </p:txBody>
+      </p:sp>
+      <p:sp>
+        <p:nvSpPr>
+          <p:cNvPr id="20" name="乘號 19"/>
+          <p:cNvSpPr/>
+          <p:nvPr/>
+        </p:nvSpPr>
+        <p:spPr>
+          <a:xfrm>
+            <a:off x="3884483" y="1703149"/>
+            <a:ext cx="1160139" cy="1121122"/>
+          </a:xfrm>
+          <a:prstGeom prst="mathMultiply">
+            <a:avLst/>
+          </a:prstGeom>
+          <a:solidFill>
+            <a:srgbClr val="FF0000"/>
+          </a:solidFill>
+          <a:ln>
+            <a:noFill/>
+          </a:ln>
+        </p:spPr>
+        <p:style>
+          <a:lnRef idx="2">
+            <a:schemeClr val="accent1">
+              <a:shade val="50000"/>
+            </a:schemeClr>
+          </a:lnRef>
+          <a:fillRef idx="1">
+            <a:schemeClr val="accent1"/>
+          </a:fillRef>
+          <a:effectRef idx="0">
+            <a:schemeClr val="accent1"/>
+          </a:effectRef>
+          <a:fontRef idx="minor">
+            <a:schemeClr val="lt1"/>
+          </a:fontRef>
+        </p:style>
+        <p:txBody>
+          <a:bodyPr rtlCol="0" anchor="ctr"/>
+          <a:lstStyle/>
+          <a:p>
+            <a:pPr algn="ctr"/>
+            <a:endParaRPr lang="zh-TW" altLang="en-US"/>
+          </a:p>
+        </p:txBody>
+      </p:sp>
     </p:spTree>
+    <p:custDataLst>
+      <p:tags r:id="rId1"/>
+    </p:custDataLst>
     <p:extLst>
       <p:ext uri="{BB962C8B-B14F-4D97-AF65-F5344CB8AC3E}">
         <p14:creationId xmlns:p14="http://schemas.microsoft.com/office/powerpoint/2010/main" val="1275615781"/>
@@ -6438,6 +6958,14 @@
   <p:clrMapOvr>
     <a:masterClrMapping/>
   </p:clrMapOvr>
+  <mc:AlternateContent xmlns:mc="http://schemas.openxmlformats.org/markup-compatibility/2006">
+    <mc:Choice xmlns:p14="http://schemas.microsoft.com/office/powerpoint/2010/main" Requires="p14">
+      <p:transition spd="slow" p14:dur="2000"/>
+    </mc:Choice>
+    <mc:Fallback>
+      <p:transition spd="slow"/>
+    </mc:Fallback>
+  </mc:AlternateContent>
   <p:timing>
     <p:tnLst>
       <p:par>
@@ -6528,7 +7056,7 @@
                                           </p:stCondLst>
                                         </p:cTn>
                                         <p:tgtEl>
-                                          <p:spTgt spid="18"/>
+                                          <p:spTgt spid="17"/>
                                         </p:tgtEl>
                                         <p:attrNameLst>
                                           <p:attrName>style.visibility</p:attrName>
@@ -6542,7 +7070,7 @@
                                       <p:cBhvr>
                                         <p:cTn id="12" dur="500"/>
                                         <p:tgtEl>
-                                          <p:spTgt spid="18"/>
+                                          <p:spTgt spid="17"/>
                                         </p:tgtEl>
                                       </p:cBhvr>
                                     </p:animEffect>
@@ -6568,7 +7096,7 @@
                             </p:stCondLst>
                             <p:childTnLst>
                               <p:par>
-                                <p:cTn id="15" presetID="10" presetClass="entr" presetSubtype="0" fill="hold" nodeType="clickEffect">
+                                <p:cTn id="15" presetID="10" presetClass="entr" presetSubtype="0" fill="hold" grpId="0" nodeType="clickEffect">
                                   <p:stCondLst>
                                     <p:cond delay="0"/>
                                   </p:stCondLst>
@@ -6581,7 +7109,7 @@
                                           </p:stCondLst>
                                         </p:cTn>
                                         <p:tgtEl>
-                                          <p:spTgt spid="5"/>
+                                          <p:spTgt spid="6"/>
                                         </p:tgtEl>
                                         <p:attrNameLst>
                                           <p:attrName>style.visibility</p:attrName>
@@ -6595,7 +7123,7 @@
                                       <p:cBhvr>
                                         <p:cTn id="17" dur="500"/>
                                         <p:tgtEl>
-                                          <p:spTgt spid="5"/>
+                                          <p:spTgt spid="6"/>
                                         </p:tgtEl>
                                       </p:cBhvr>
                                     </p:animEffect>
@@ -6634,7 +7162,7 @@
                                           </p:stCondLst>
                                         </p:cTn>
                                         <p:tgtEl>
-                                          <p:spTgt spid="9"/>
+                                          <p:spTgt spid="20"/>
                                         </p:tgtEl>
                                         <p:attrNameLst>
                                           <p:attrName>style.visibility</p:attrName>
@@ -6648,7 +7176,7 @@
                                       <p:cBhvr additive="base">
                                         <p:cTn id="22" dur="500" fill="hold"/>
                                         <p:tgtEl>
-                                          <p:spTgt spid="9"/>
+                                          <p:spTgt spid="20"/>
                                         </p:tgtEl>
                                         <p:attrNameLst>
                                           <p:attrName>ppt_x</p:attrName>
@@ -6671,7 +7199,7 @@
                                       <p:cBhvr additive="base">
                                         <p:cTn id="23" dur="500" fill="hold"/>
                                         <p:tgtEl>
-                                          <p:spTgt spid="9"/>
+                                          <p:spTgt spid="20"/>
                                         </p:tgtEl>
                                         <p:attrNameLst>
                                           <p:attrName>ppt_y</p:attrName>
@@ -6725,7 +7253,7 @@
                                           </p:stCondLst>
                                         </p:cTn>
                                         <p:tgtEl>
-                                          <p:spTgt spid="16"/>
+                                          <p:spTgt spid="18"/>
                                         </p:tgtEl>
                                         <p:attrNameLst>
                                           <p:attrName>style.visibility</p:attrName>
@@ -6739,7 +7267,7 @@
                                       <p:cBhvr>
                                         <p:cTn id="28" dur="500"/>
                                         <p:tgtEl>
-                                          <p:spTgt spid="16"/>
+                                          <p:spTgt spid="18"/>
                                         </p:tgtEl>
                                       </p:cBhvr>
                                     </p:animEffect>
@@ -6778,6 +7306,203 @@
                                           </p:stCondLst>
                                         </p:cTn>
                                         <p:tgtEl>
+                                          <p:spTgt spid="5"/>
+                                        </p:tgtEl>
+                                        <p:attrNameLst>
+                                          <p:attrName>style.visibility</p:attrName>
+                                        </p:attrNameLst>
+                                      </p:cBhvr>
+                                      <p:to>
+                                        <p:strVal val="visible"/>
+                                      </p:to>
+                                    </p:set>
+                                    <p:animEffect transition="in" filter="fade">
+                                      <p:cBhvr>
+                                        <p:cTn id="33" dur="500"/>
+                                        <p:tgtEl>
+                                          <p:spTgt spid="5"/>
+                                        </p:tgtEl>
+                                      </p:cBhvr>
+                                    </p:animEffect>
+                                  </p:childTnLst>
+                                </p:cTn>
+                              </p:par>
+                            </p:childTnLst>
+                          </p:cTn>
+                        </p:par>
+                      </p:childTnLst>
+                    </p:cTn>
+                  </p:par>
+                  <p:par>
+                    <p:cTn id="34" fill="hold">
+                      <p:stCondLst>
+                        <p:cond delay="indefinite"/>
+                      </p:stCondLst>
+                      <p:childTnLst>
+                        <p:par>
+                          <p:cTn id="35" fill="hold">
+                            <p:stCondLst>
+                              <p:cond delay="0"/>
+                            </p:stCondLst>
+                            <p:childTnLst>
+                              <p:par>
+                                <p:cTn id="36" presetID="2" presetClass="entr" presetSubtype="4" fill="hold" grpId="0" nodeType="clickEffect">
+                                  <p:stCondLst>
+                                    <p:cond delay="0"/>
+                                  </p:stCondLst>
+                                  <p:childTnLst>
+                                    <p:set>
+                                      <p:cBhvr>
+                                        <p:cTn id="37" dur="1" fill="hold">
+                                          <p:stCondLst>
+                                            <p:cond delay="0"/>
+                                          </p:stCondLst>
+                                        </p:cTn>
+                                        <p:tgtEl>
+                                          <p:spTgt spid="9"/>
+                                        </p:tgtEl>
+                                        <p:attrNameLst>
+                                          <p:attrName>style.visibility</p:attrName>
+                                        </p:attrNameLst>
+                                      </p:cBhvr>
+                                      <p:to>
+                                        <p:strVal val="visible"/>
+                                      </p:to>
+                                    </p:set>
+                                    <p:anim calcmode="lin" valueType="num">
+                                      <p:cBhvr additive="base">
+                                        <p:cTn id="38" dur="500" fill="hold"/>
+                                        <p:tgtEl>
+                                          <p:spTgt spid="9"/>
+                                        </p:tgtEl>
+                                        <p:attrNameLst>
+                                          <p:attrName>ppt_x</p:attrName>
+                                        </p:attrNameLst>
+                                      </p:cBhvr>
+                                      <p:tavLst>
+                                        <p:tav tm="0">
+                                          <p:val>
+                                            <p:strVal val="#ppt_x"/>
+                                          </p:val>
+                                        </p:tav>
+                                        <p:tav tm="100000">
+                                          <p:val>
+                                            <p:strVal val="#ppt_x"/>
+                                          </p:val>
+                                        </p:tav>
+                                      </p:tavLst>
+                                    </p:anim>
+                                    <p:anim calcmode="lin" valueType="num">
+                                      <p:cBhvr additive="base">
+                                        <p:cTn id="39" dur="500" fill="hold"/>
+                                        <p:tgtEl>
+                                          <p:spTgt spid="9"/>
+                                        </p:tgtEl>
+                                        <p:attrNameLst>
+                                          <p:attrName>ppt_y</p:attrName>
+                                        </p:attrNameLst>
+                                      </p:cBhvr>
+                                      <p:tavLst>
+                                        <p:tav tm="0">
+                                          <p:val>
+                                            <p:strVal val="1+#ppt_h/2"/>
+                                          </p:val>
+                                        </p:tav>
+                                        <p:tav tm="100000">
+                                          <p:val>
+                                            <p:strVal val="#ppt_y"/>
+                                          </p:val>
+                                        </p:tav>
+                                      </p:tavLst>
+                                    </p:anim>
+                                  </p:childTnLst>
+                                </p:cTn>
+                              </p:par>
+                            </p:childTnLst>
+                          </p:cTn>
+                        </p:par>
+                      </p:childTnLst>
+                    </p:cTn>
+                  </p:par>
+                  <p:par>
+                    <p:cTn id="40" fill="hold">
+                      <p:stCondLst>
+                        <p:cond delay="indefinite"/>
+                      </p:stCondLst>
+                      <p:childTnLst>
+                        <p:par>
+                          <p:cTn id="41" fill="hold">
+                            <p:stCondLst>
+                              <p:cond delay="0"/>
+                            </p:stCondLst>
+                            <p:childTnLst>
+                              <p:par>
+                                <p:cTn id="42" presetID="16" presetClass="entr" presetSubtype="21" fill="hold" grpId="0" nodeType="clickEffect">
+                                  <p:stCondLst>
+                                    <p:cond delay="0"/>
+                                  </p:stCondLst>
+                                  <p:childTnLst>
+                                    <p:set>
+                                      <p:cBhvr>
+                                        <p:cTn id="43" dur="1" fill="hold">
+                                          <p:stCondLst>
+                                            <p:cond delay="0"/>
+                                          </p:stCondLst>
+                                        </p:cTn>
+                                        <p:tgtEl>
+                                          <p:spTgt spid="16"/>
+                                        </p:tgtEl>
+                                        <p:attrNameLst>
+                                          <p:attrName>style.visibility</p:attrName>
+                                        </p:attrNameLst>
+                                      </p:cBhvr>
+                                      <p:to>
+                                        <p:strVal val="visible"/>
+                                      </p:to>
+                                    </p:set>
+                                    <p:animEffect transition="in" filter="barn(inVertical)">
+                                      <p:cBhvr>
+                                        <p:cTn id="44" dur="500"/>
+                                        <p:tgtEl>
+                                          <p:spTgt spid="16"/>
+                                        </p:tgtEl>
+                                      </p:cBhvr>
+                                    </p:animEffect>
+                                  </p:childTnLst>
+                                </p:cTn>
+                              </p:par>
+                            </p:childTnLst>
+                          </p:cTn>
+                        </p:par>
+                      </p:childTnLst>
+                    </p:cTn>
+                  </p:par>
+                  <p:par>
+                    <p:cTn id="45" fill="hold">
+                      <p:stCondLst>
+                        <p:cond delay="indefinite"/>
+                      </p:stCondLst>
+                      <p:childTnLst>
+                        <p:par>
+                          <p:cTn id="46" fill="hold">
+                            <p:stCondLst>
+                              <p:cond delay="0"/>
+                            </p:stCondLst>
+                            <p:childTnLst>
+                              <p:par>
+                                <p:cTn id="47" presetID="10" presetClass="entr" presetSubtype="0" fill="hold" nodeType="clickEffect">
+                                  <p:stCondLst>
+                                    <p:cond delay="0"/>
+                                  </p:stCondLst>
+                                  <p:childTnLst>
+                                    <p:set>
+                                      <p:cBhvr>
+                                        <p:cTn id="48" dur="1" fill="hold">
+                                          <p:stCondLst>
+                                            <p:cond delay="0"/>
+                                          </p:stCondLst>
+                                        </p:cTn>
+                                        <p:tgtEl>
                                           <p:spTgt spid="7"/>
                                         </p:tgtEl>
                                         <p:attrNameLst>
@@ -6790,7 +7515,7 @@
                                     </p:set>
                                     <p:animEffect transition="in" filter="fade">
                                       <p:cBhvr>
-                                        <p:cTn id="33" dur="500"/>
+                                        <p:cTn id="49" dur="500"/>
                                         <p:tgtEl>
                                           <p:spTgt spid="7"/>
                                         </p:tgtEl>
@@ -6830,12 +7555,15 @@
       <p:bldP spid="18" grpId="0" animBg="1"/>
       <p:bldP spid="16" grpId="0" animBg="1"/>
       <p:bldP spid="9" grpId="0" animBg="1"/>
+      <p:bldP spid="6" grpId="0" animBg="1"/>
+      <p:bldP spid="17" grpId="0" animBg="1"/>
+      <p:bldP spid="20" grpId="0" animBg="1"/>
     </p:bldLst>
   </p:timing>
 </p:sld>
 </file>
 
-<file path=ppt/slides/slide5.xml><?xml version="1.0" encoding="utf-8"?>
+<file path=ppt/slides/slide6.xml><?xml version="1.0" encoding="utf-8"?>
 <p:sld xmlns:a="http://schemas.openxmlformats.org/drawingml/2006/main" xmlns:r="http://schemas.openxmlformats.org/officeDocument/2006/relationships" xmlns:p="http://schemas.openxmlformats.org/presentationml/2006/main">
   <p:cSld>
     <p:spTree>
@@ -6906,7 +7634,7 @@
               <a:pPr>
                 <a:defRPr/>
               </a:pPr>
-              <a:t>5</a:t>
+              <a:t>6</a:t>
             </a:fld>
             <a:endParaRPr lang="zh-TW" altLang="en-US" dirty="0"/>
           </a:p>
@@ -7162,7 +7890,7 @@
           <p:nvPr/>
         </p:nvPicPr>
         <p:blipFill>
-          <a:blip r:embed="rId3"/>
+          <a:blip r:embed="rId4"/>
           <a:stretch>
             <a:fillRect/>
           </a:stretch>
@@ -7178,6 +7906,9 @@
         </p:spPr>
       </p:pic>
     </p:spTree>
+    <p:custDataLst>
+      <p:tags r:id="rId1"/>
+    </p:custDataLst>
     <p:extLst>
       <p:ext uri="{BB962C8B-B14F-4D97-AF65-F5344CB8AC3E}">
         <p14:creationId xmlns:p14="http://schemas.microsoft.com/office/powerpoint/2010/main" val="2856560502"/>
@@ -7187,6 +7918,14 @@
   <p:clrMapOvr>
     <a:masterClrMapping/>
   </p:clrMapOvr>
+  <mc:AlternateContent xmlns:mc="http://schemas.openxmlformats.org/markup-compatibility/2006">
+    <mc:Choice xmlns:p14="http://schemas.microsoft.com/office/powerpoint/2010/main" Requires="p14">
+      <p:transition spd="slow" p14:dur="2000"/>
+    </mc:Choice>
+    <mc:Fallback>
+      <p:transition spd="slow"/>
+    </mc:Fallback>
+  </mc:AlternateContent>
   <p:timing>
     <p:tnLst>
       <p:par>
@@ -7578,622 +8317,6 @@
 </p:sld>
 </file>
 
-<file path=ppt/slides/slide6.xml><?xml version="1.0" encoding="utf-8"?>
-<p:sld xmlns:a="http://schemas.openxmlformats.org/drawingml/2006/main" xmlns:r="http://schemas.openxmlformats.org/officeDocument/2006/relationships" xmlns:p="http://schemas.openxmlformats.org/presentationml/2006/main">
-  <p:cSld>
-    <p:spTree>
-      <p:nvGrpSpPr>
-        <p:cNvPr id="1" name=""/>
-        <p:cNvGrpSpPr/>
-        <p:nvPr/>
-      </p:nvGrpSpPr>
-      <p:grpSpPr>
-        <a:xfrm>
-          <a:off x="0" y="0"/>
-          <a:ext cx="0" cy="0"/>
-          <a:chOff x="0" y="0"/>
-          <a:chExt cx="0" cy="0"/>
-        </a:xfrm>
-      </p:grpSpPr>
-      <p:sp>
-        <p:nvSpPr>
-          <p:cNvPr id="3" name="標題 2"/>
-          <p:cNvSpPr>
-            <a:spLocks noGrp="1"/>
-          </p:cNvSpPr>
-          <p:nvPr>
-            <p:ph type="title"/>
-          </p:nvPr>
-        </p:nvSpPr>
-        <p:spPr/>
-        <p:txBody>
-          <a:bodyPr/>
-          <a:lstStyle/>
-          <a:p>
-            <a:r>
-              <a:rPr lang="zh-TW" altLang="en-US" dirty="0" smtClean="0">
-                <a:latin typeface="+mn-ea"/>
-              </a:rPr>
-              <a:t>渲染</a:t>
-            </a:r>
-            <a:r>
-              <a:rPr lang="zh-TW" altLang="en-US" dirty="0">
-                <a:latin typeface="+mn-ea"/>
-              </a:rPr>
-              <a:t>列表與</a:t>
-            </a:r>
-            <a:r>
-              <a:rPr lang="en-US" altLang="zh-TW" dirty="0" smtClean="0">
-                <a:latin typeface="+mn-ea"/>
-              </a:rPr>
-              <a:t>key</a:t>
-            </a:r>
-            <a:endParaRPr lang="zh-TW" altLang="en-US" dirty="0"/>
-          </a:p>
-        </p:txBody>
-      </p:sp>
-      <p:sp>
-        <p:nvSpPr>
-          <p:cNvPr id="2" name="投影片編號版面配置區 1"/>
-          <p:cNvSpPr>
-            <a:spLocks noGrp="1"/>
-          </p:cNvSpPr>
-          <p:nvPr>
-            <p:ph type="sldNum" sz="quarter" idx="4"/>
-          </p:nvPr>
-        </p:nvSpPr>
-        <p:spPr/>
-        <p:txBody>
-          <a:bodyPr/>
-          <a:lstStyle/>
-          <a:p>
-            <a:pPr>
-              <a:defRPr/>
-            </a:pPr>
-            <a:fld id="{D8FAB8B2-0FDE-463D-BCA7-467E727C80EC}" type="slidenum">
-              <a:rPr lang="zh-TW" altLang="en-US" smtClean="0"/>
-              <a:pPr>
-                <a:defRPr/>
-              </a:pPr>
-              <a:t>6</a:t>
-            </a:fld>
-            <a:endParaRPr lang="zh-TW" altLang="en-US" dirty="0"/>
-          </a:p>
-        </p:txBody>
-      </p:sp>
-      <p:pic>
-        <p:nvPicPr>
-          <p:cNvPr id="1030" name="Picture 6" descr="React (JavaScript library) - Wikipedia"/>
-          <p:cNvPicPr>
-            <a:picLocks noChangeAspect="1" noChangeArrowheads="1"/>
-          </p:cNvPicPr>
-          <p:nvPr/>
-        </p:nvPicPr>
-        <p:blipFill>
-          <a:blip r:embed="rId2">
-            <a:extLst>
-              <a:ext uri="{28A0092B-C50C-407E-A947-70E740481C1C}">
-                <a14:useLocalDpi xmlns:a14="http://schemas.microsoft.com/office/drawing/2010/main" val="0"/>
-              </a:ext>
-            </a:extLst>
-          </a:blip>
-          <a:srcRect/>
-          <a:stretch>
-            <a:fillRect/>
-          </a:stretch>
-        </p:blipFill>
-        <p:spPr bwMode="auto">
-          <a:xfrm>
-            <a:off x="1574257" y="2134391"/>
-            <a:ext cx="2238375" cy="2038350"/>
-          </a:xfrm>
-          <a:prstGeom prst="rect">
-            <a:avLst/>
-          </a:prstGeom>
-          <a:noFill/>
-          <a:extLst>
-            <a:ext uri="{909E8E84-426E-40DD-AFC4-6F175D3DCCD1}">
-              <a14:hiddenFill xmlns:a14="http://schemas.microsoft.com/office/drawing/2010/main">
-                <a:solidFill>
-                  <a:srgbClr val="FFFFFF"/>
-                </a:solidFill>
-              </a14:hiddenFill>
-            </a:ext>
-          </a:extLst>
-        </p:spPr>
-      </p:pic>
-      <p:sp>
-        <p:nvSpPr>
-          <p:cNvPr id="12" name="AutoShape 10" descr="File:Crypto key.svg - 來自維基導遊的旅行指南"/>
-          <p:cNvSpPr>
-            <a:spLocks noChangeAspect="1" noChangeArrowheads="1"/>
-          </p:cNvSpPr>
-          <p:nvPr/>
-        </p:nvSpPr>
-        <p:spPr bwMode="auto">
-          <a:xfrm>
-            <a:off x="155575" y="-144463"/>
-            <a:ext cx="304800" cy="304801"/>
-          </a:xfrm>
-          <a:prstGeom prst="rect">
-            <a:avLst/>
-          </a:prstGeom>
-          <a:noFill/>
-          <a:extLst>
-            <a:ext uri="{909E8E84-426E-40DD-AFC4-6F175D3DCCD1}">
-              <a14:hiddenFill xmlns:a14="http://schemas.microsoft.com/office/drawing/2010/main">
-                <a:solidFill>
-                  <a:srgbClr val="FFFFFF"/>
-                </a:solidFill>
-              </a14:hiddenFill>
-            </a:ext>
-          </a:extLst>
-        </p:spPr>
-        <p:txBody>
-          <a:bodyPr vert="horz" wrap="square" lIns="91440" tIns="45720" rIns="91440" bIns="45720" numCol="1" anchor="t" anchorCtr="0" compatLnSpc="1">
-            <a:prstTxWarp prst="textNoShape">
-              <a:avLst/>
-            </a:prstTxWarp>
-          </a:bodyPr>
-          <a:lstStyle/>
-          <a:p>
-            <a:endParaRPr lang="zh-TW" altLang="en-US"/>
-          </a:p>
-        </p:txBody>
-      </p:sp>
-      <p:pic>
-        <p:nvPicPr>
-          <p:cNvPr id="1036" name="Picture 12" descr="Key, Bandipedia, key"/>
-          <p:cNvPicPr>
-            <a:picLocks noChangeAspect="1" noChangeArrowheads="1"/>
-          </p:cNvPicPr>
-          <p:nvPr/>
-        </p:nvPicPr>
-        <p:blipFill>
-          <a:blip r:embed="rId3" cstate="print">
-            <a:extLst>
-              <a:ext uri="{28A0092B-C50C-407E-A947-70E740481C1C}">
-                <a14:useLocalDpi xmlns:a14="http://schemas.microsoft.com/office/drawing/2010/main" val="0"/>
-              </a:ext>
-            </a:extLst>
-          </a:blip>
-          <a:srcRect/>
-          <a:stretch>
-            <a:fillRect/>
-          </a:stretch>
-        </p:blipFill>
-        <p:spPr bwMode="auto">
-          <a:xfrm>
-            <a:off x="7823200" y="2028962"/>
-            <a:ext cx="2149286" cy="2272102"/>
-          </a:xfrm>
-          <a:prstGeom prst="rect">
-            <a:avLst/>
-          </a:prstGeom>
-          <a:noFill/>
-          <a:extLst>
-            <a:ext uri="{909E8E84-426E-40DD-AFC4-6F175D3DCCD1}">
-              <a14:hiddenFill xmlns:a14="http://schemas.microsoft.com/office/drawing/2010/main">
-                <a:solidFill>
-                  <a:srgbClr val="FFFFFF"/>
-                </a:solidFill>
-              </a14:hiddenFill>
-            </a:ext>
-          </a:extLst>
-        </p:spPr>
-      </p:pic>
-      <p:pic>
-        <p:nvPicPr>
-          <p:cNvPr id="1040" name="Picture 16" descr="問號圖示平面向量插圖設計向量圖形及更多問號圖片- 問號, 圖示, 問- iStock"/>
-          <p:cNvPicPr>
-            <a:picLocks noChangeAspect="1" noChangeArrowheads="1"/>
-          </p:cNvPicPr>
-          <p:nvPr/>
-        </p:nvPicPr>
-        <p:blipFill>
-          <a:blip r:embed="rId4" cstate="print">
-            <a:extLst>
-              <a:ext uri="{28A0092B-C50C-407E-A947-70E740481C1C}">
-                <a14:useLocalDpi xmlns:a14="http://schemas.microsoft.com/office/drawing/2010/main" val="0"/>
-              </a:ext>
-            </a:extLst>
-          </a:blip>
-          <a:srcRect/>
-          <a:stretch>
-            <a:fillRect/>
-          </a:stretch>
-        </p:blipFill>
-        <p:spPr bwMode="auto">
-          <a:xfrm>
-            <a:off x="4801494" y="2210062"/>
-            <a:ext cx="1887008" cy="1887008"/>
-          </a:xfrm>
-          <a:prstGeom prst="rect">
-            <a:avLst/>
-          </a:prstGeom>
-          <a:noFill/>
-          <a:extLst>
-            <a:ext uri="{909E8E84-426E-40DD-AFC4-6F175D3DCCD1}">
-              <a14:hiddenFill xmlns:a14="http://schemas.microsoft.com/office/drawing/2010/main">
-                <a:solidFill>
-                  <a:srgbClr val="FFFFFF"/>
-                </a:solidFill>
-              </a14:hiddenFill>
-            </a:ext>
-          </a:extLst>
-        </p:spPr>
-      </p:pic>
-      <p:sp>
-        <p:nvSpPr>
-          <p:cNvPr id="24" name="文字方塊 23"/>
-          <p:cNvSpPr txBox="1"/>
-          <p:nvPr/>
-        </p:nvSpPr>
-        <p:spPr>
-          <a:xfrm>
-            <a:off x="2035540" y="4729959"/>
-            <a:ext cx="7418915" cy="1077218"/>
-          </a:xfrm>
-          <a:prstGeom prst="rect">
-            <a:avLst/>
-          </a:prstGeom>
-          <a:noFill/>
-        </p:spPr>
-        <p:txBody>
-          <a:bodyPr wrap="square" rtlCol="0">
-            <a:spAutoFit/>
-          </a:bodyPr>
-          <a:lstStyle/>
-          <a:p>
-            <a:r>
-              <a:rPr lang="zh-TW" altLang="en-US" sz="3200" dirty="0">
-                <a:solidFill>
-                  <a:schemeClr val="accent6">
-                    <a:lumMod val="50000"/>
-                  </a:schemeClr>
-                </a:solidFill>
-                <a:latin typeface="微軟正黑體" panose="020B0604030504040204" pitchFamily="34" charset="-120"/>
-                <a:ea typeface="微軟正黑體" panose="020B0604030504040204" pitchFamily="34" charset="-120"/>
-                <a:cs typeface="+mj-cs"/>
-              </a:rPr>
-              <a:t>為每個數組項目提供一個</a:t>
-            </a:r>
-            <a:r>
-              <a:rPr lang="en-US" altLang="zh-TW" sz="3200" dirty="0">
-                <a:solidFill>
-                  <a:schemeClr val="accent6">
-                    <a:lumMod val="50000"/>
-                  </a:schemeClr>
-                </a:solidFill>
-                <a:latin typeface="微軟正黑體" panose="020B0604030504040204" pitchFamily="34" charset="-120"/>
-                <a:ea typeface="微軟正黑體" panose="020B0604030504040204" pitchFamily="34" charset="-120"/>
-                <a:cs typeface="+mj-cs"/>
-              </a:rPr>
-              <a:t>key</a:t>
-            </a:r>
-            <a:r>
-              <a:rPr lang="zh-TW" altLang="en-US" sz="3200" dirty="0">
-                <a:solidFill>
-                  <a:schemeClr val="accent6">
-                    <a:lumMod val="50000"/>
-                  </a:schemeClr>
-                </a:solidFill>
-                <a:latin typeface="微軟正黑體" panose="020B0604030504040204" pitchFamily="34" charset="-120"/>
-                <a:ea typeface="微軟正黑體" panose="020B0604030504040204" pitchFamily="34" charset="-120"/>
-                <a:cs typeface="+mj-cs"/>
-              </a:rPr>
-              <a:t>字串或數字，以在該數組中的其他項目中唯一標識它</a:t>
-            </a:r>
-          </a:p>
-        </p:txBody>
-      </p:sp>
-    </p:spTree>
-    <p:extLst>
-      <p:ext uri="{BB962C8B-B14F-4D97-AF65-F5344CB8AC3E}">
-        <p14:creationId xmlns:p14="http://schemas.microsoft.com/office/powerpoint/2010/main" val="3271872169"/>
-      </p:ext>
-    </p:extLst>
-  </p:cSld>
-  <p:clrMapOvr>
-    <a:masterClrMapping/>
-  </p:clrMapOvr>
-  <p:timing>
-    <p:tnLst>
-      <p:par>
-        <p:cTn id="1" dur="indefinite" restart="never" nodeType="tmRoot">
-          <p:childTnLst>
-            <p:seq concurrent="1" nextAc="seek">
-              <p:cTn id="2" dur="indefinite" nodeType="mainSeq">
-                <p:childTnLst>
-                  <p:par>
-                    <p:cTn id="3" fill="hold">
-                      <p:stCondLst>
-                        <p:cond delay="indefinite"/>
-                        <p:cond evt="onBegin" delay="0">
-                          <p:tn val="2"/>
-                        </p:cond>
-                      </p:stCondLst>
-                      <p:childTnLst>
-                        <p:par>
-                          <p:cTn id="4" fill="hold">
-                            <p:stCondLst>
-                              <p:cond delay="0"/>
-                            </p:stCondLst>
-                            <p:childTnLst>
-                              <p:par>
-                                <p:cTn id="5" presetID="22" presetClass="entr" presetSubtype="4" fill="hold" nodeType="afterEffect">
-                                  <p:stCondLst>
-                                    <p:cond delay="0"/>
-                                  </p:stCondLst>
-                                  <p:childTnLst>
-                                    <p:set>
-                                      <p:cBhvr>
-                                        <p:cTn id="6" dur="1" fill="hold">
-                                          <p:stCondLst>
-                                            <p:cond delay="0"/>
-                                          </p:stCondLst>
-                                        </p:cTn>
-                                        <p:tgtEl>
-                                          <p:spTgt spid="1030"/>
-                                        </p:tgtEl>
-                                        <p:attrNameLst>
-                                          <p:attrName>style.visibility</p:attrName>
-                                        </p:attrNameLst>
-                                      </p:cBhvr>
-                                      <p:to>
-                                        <p:strVal val="visible"/>
-                                      </p:to>
-                                    </p:set>
-                                    <p:animEffect transition="in" filter="wipe(down)">
-                                      <p:cBhvr>
-                                        <p:cTn id="7" dur="500"/>
-                                        <p:tgtEl>
-                                          <p:spTgt spid="1030"/>
-                                        </p:tgtEl>
-                                      </p:cBhvr>
-                                    </p:animEffect>
-                                  </p:childTnLst>
-                                </p:cTn>
-                              </p:par>
-                            </p:childTnLst>
-                          </p:cTn>
-                        </p:par>
-                      </p:childTnLst>
-                    </p:cTn>
-                  </p:par>
-                  <p:par>
-                    <p:cTn id="8" fill="hold">
-                      <p:stCondLst>
-                        <p:cond delay="indefinite"/>
-                      </p:stCondLst>
-                      <p:childTnLst>
-                        <p:par>
-                          <p:cTn id="9" fill="hold">
-                            <p:stCondLst>
-                              <p:cond delay="0"/>
-                            </p:stCondLst>
-                            <p:childTnLst>
-                              <p:par>
-                                <p:cTn id="10" presetID="22" presetClass="entr" presetSubtype="4" fill="hold" nodeType="clickEffect">
-                                  <p:stCondLst>
-                                    <p:cond delay="0"/>
-                                  </p:stCondLst>
-                                  <p:childTnLst>
-                                    <p:set>
-                                      <p:cBhvr>
-                                        <p:cTn id="11" dur="1" fill="hold">
-                                          <p:stCondLst>
-                                            <p:cond delay="0"/>
-                                          </p:stCondLst>
-                                        </p:cTn>
-                                        <p:tgtEl>
-                                          <p:spTgt spid="1036"/>
-                                        </p:tgtEl>
-                                        <p:attrNameLst>
-                                          <p:attrName>style.visibility</p:attrName>
-                                        </p:attrNameLst>
-                                      </p:cBhvr>
-                                      <p:to>
-                                        <p:strVal val="visible"/>
-                                      </p:to>
-                                    </p:set>
-                                    <p:animEffect transition="in" filter="wipe(down)">
-                                      <p:cBhvr>
-                                        <p:cTn id="12" dur="500"/>
-                                        <p:tgtEl>
-                                          <p:spTgt spid="1036"/>
-                                        </p:tgtEl>
-                                      </p:cBhvr>
-                                    </p:animEffect>
-                                  </p:childTnLst>
-                                </p:cTn>
-                              </p:par>
-                            </p:childTnLst>
-                          </p:cTn>
-                        </p:par>
-                      </p:childTnLst>
-                    </p:cTn>
-                  </p:par>
-                  <p:par>
-                    <p:cTn id="13" fill="hold">
-                      <p:stCondLst>
-                        <p:cond delay="indefinite"/>
-                      </p:stCondLst>
-                      <p:childTnLst>
-                        <p:par>
-                          <p:cTn id="14" fill="hold">
-                            <p:stCondLst>
-                              <p:cond delay="0"/>
-                            </p:stCondLst>
-                            <p:childTnLst>
-                              <p:par>
-                                <p:cTn id="15" presetID="22" presetClass="entr" presetSubtype="4" fill="hold" nodeType="clickEffect">
-                                  <p:stCondLst>
-                                    <p:cond delay="0"/>
-                                  </p:stCondLst>
-                                  <p:childTnLst>
-                                    <p:set>
-                                      <p:cBhvr>
-                                        <p:cTn id="16" dur="1" fill="hold">
-                                          <p:stCondLst>
-                                            <p:cond delay="0"/>
-                                          </p:stCondLst>
-                                        </p:cTn>
-                                        <p:tgtEl>
-                                          <p:spTgt spid="1040"/>
-                                        </p:tgtEl>
-                                        <p:attrNameLst>
-                                          <p:attrName>style.visibility</p:attrName>
-                                        </p:attrNameLst>
-                                      </p:cBhvr>
-                                      <p:to>
-                                        <p:strVal val="visible"/>
-                                      </p:to>
-                                    </p:set>
-                                    <p:animEffect transition="in" filter="wipe(down)">
-                                      <p:cBhvr>
-                                        <p:cTn id="17" dur="500"/>
-                                        <p:tgtEl>
-                                          <p:spTgt spid="1040"/>
-                                        </p:tgtEl>
-                                      </p:cBhvr>
-                                    </p:animEffect>
-                                  </p:childTnLst>
-                                </p:cTn>
-                              </p:par>
-                            </p:childTnLst>
-                          </p:cTn>
-                        </p:par>
-                      </p:childTnLst>
-                    </p:cTn>
-                  </p:par>
-                  <p:par>
-                    <p:cTn id="18" fill="hold">
-                      <p:stCondLst>
-                        <p:cond delay="indefinite"/>
-                      </p:stCondLst>
-                      <p:childTnLst>
-                        <p:par>
-                          <p:cTn id="19" fill="hold">
-                            <p:stCondLst>
-                              <p:cond delay="0"/>
-                            </p:stCondLst>
-                            <p:childTnLst>
-                              <p:par>
-                                <p:cTn id="20" presetID="42" presetClass="entr" presetSubtype="0" fill="hold" grpId="0" nodeType="clickEffect">
-                                  <p:stCondLst>
-                                    <p:cond delay="0"/>
-                                  </p:stCondLst>
-                                  <p:childTnLst>
-                                    <p:set>
-                                      <p:cBhvr>
-                                        <p:cTn id="21" dur="1" fill="hold">
-                                          <p:stCondLst>
-                                            <p:cond delay="0"/>
-                                          </p:stCondLst>
-                                        </p:cTn>
-                                        <p:tgtEl>
-                                          <p:spTgt spid="24"/>
-                                        </p:tgtEl>
-                                        <p:attrNameLst>
-                                          <p:attrName>style.visibility</p:attrName>
-                                        </p:attrNameLst>
-                                      </p:cBhvr>
-                                      <p:to>
-                                        <p:strVal val="visible"/>
-                                      </p:to>
-                                    </p:set>
-                                    <p:animEffect transition="in" filter="fade">
-                                      <p:cBhvr>
-                                        <p:cTn id="22" dur="500"/>
-                                        <p:tgtEl>
-                                          <p:spTgt spid="24"/>
-                                        </p:tgtEl>
-                                      </p:cBhvr>
-                                    </p:animEffect>
-                                    <p:anim calcmode="lin" valueType="num">
-                                      <p:cBhvr>
-                                        <p:cTn id="23" dur="500" fill="hold"/>
-                                        <p:tgtEl>
-                                          <p:spTgt spid="24"/>
-                                        </p:tgtEl>
-                                        <p:attrNameLst>
-                                          <p:attrName>ppt_x</p:attrName>
-                                        </p:attrNameLst>
-                                      </p:cBhvr>
-                                      <p:tavLst>
-                                        <p:tav tm="0">
-                                          <p:val>
-                                            <p:strVal val="#ppt_x"/>
-                                          </p:val>
-                                        </p:tav>
-                                        <p:tav tm="100000">
-                                          <p:val>
-                                            <p:strVal val="#ppt_x"/>
-                                          </p:val>
-                                        </p:tav>
-                                      </p:tavLst>
-                                    </p:anim>
-                                    <p:anim calcmode="lin" valueType="num">
-                                      <p:cBhvr>
-                                        <p:cTn id="24" dur="500" fill="hold"/>
-                                        <p:tgtEl>
-                                          <p:spTgt spid="24"/>
-                                        </p:tgtEl>
-                                        <p:attrNameLst>
-                                          <p:attrName>ppt_y</p:attrName>
-                                        </p:attrNameLst>
-                                      </p:cBhvr>
-                                      <p:tavLst>
-                                        <p:tav tm="0">
-                                          <p:val>
-                                            <p:strVal val="#ppt_y+.1"/>
-                                          </p:val>
-                                        </p:tav>
-                                        <p:tav tm="100000">
-                                          <p:val>
-                                            <p:strVal val="#ppt_y"/>
-                                          </p:val>
-                                        </p:tav>
-                                      </p:tavLst>
-                                    </p:anim>
-                                  </p:childTnLst>
-                                </p:cTn>
-                              </p:par>
-                            </p:childTnLst>
-                          </p:cTn>
-                        </p:par>
-                      </p:childTnLst>
-                    </p:cTn>
-                  </p:par>
-                </p:childTnLst>
-              </p:cTn>
-              <p:prevCondLst>
-                <p:cond evt="onPrev" delay="0">
-                  <p:tgtEl>
-                    <p:sldTgt/>
-                  </p:tgtEl>
-                </p:cond>
-              </p:prevCondLst>
-              <p:nextCondLst>
-                <p:cond evt="onNext" delay="0">
-                  <p:tgtEl>
-                    <p:sldTgt/>
-                  </p:tgtEl>
-                </p:cond>
-              </p:nextCondLst>
-            </p:seq>
-          </p:childTnLst>
-        </p:cTn>
-      </p:par>
-    </p:tnLst>
-    <p:bldLst>
-      <p:bldP spid="24" grpId="0"/>
-    </p:bldLst>
-  </p:timing>
-</p:sld>
-</file>
-
 <file path=ppt/slides/slide7.xml><?xml version="1.0" encoding="utf-8"?>
 <p:sld xmlns:a="http://schemas.openxmlformats.org/drawingml/2006/main" xmlns:r="http://schemas.openxmlformats.org/officeDocument/2006/relationships" xmlns:p="http://schemas.openxmlformats.org/presentationml/2006/main">
   <p:cSld>
@@ -8321,7 +8444,7 @@
           <p:nvPr/>
         </p:nvPicPr>
         <p:blipFill>
-          <a:blip r:embed="rId3"/>
+          <a:blip r:embed="rId4"/>
           <a:stretch>
             <a:fillRect/>
           </a:stretch>
@@ -8345,7 +8468,7 @@
           <p:nvPr/>
         </p:nvPicPr>
         <p:blipFill>
-          <a:blip r:embed="rId4"/>
+          <a:blip r:embed="rId5"/>
           <a:stretch>
             <a:fillRect/>
           </a:stretch>
@@ -8369,7 +8492,7 @@
           <p:nvPr/>
         </p:nvPicPr>
         <p:blipFill>
-          <a:blip r:embed="rId5"/>
+          <a:blip r:embed="rId6"/>
           <a:stretch>
             <a:fillRect/>
           </a:stretch>
@@ -8393,7 +8516,7 @@
           <p:nvPr/>
         </p:nvPicPr>
         <p:blipFill>
-          <a:blip r:embed="rId6"/>
+          <a:blip r:embed="rId7"/>
           <a:stretch>
             <a:fillRect/>
           </a:stretch>
@@ -8844,6 +8967,9 @@
         </p:sp>
       </p:grpSp>
     </p:spTree>
+    <p:custDataLst>
+      <p:tags r:id="rId1"/>
+    </p:custDataLst>
     <p:extLst>
       <p:ext uri="{BB962C8B-B14F-4D97-AF65-F5344CB8AC3E}">
         <p14:creationId xmlns:p14="http://schemas.microsoft.com/office/powerpoint/2010/main" val="3769087507"/>
@@ -8853,6 +8979,14 @@
   <p:clrMapOvr>
     <a:masterClrMapping/>
   </p:clrMapOvr>
+  <mc:AlternateContent xmlns:mc="http://schemas.openxmlformats.org/markup-compatibility/2006">
+    <mc:Choice xmlns:p14="http://schemas.microsoft.com/office/powerpoint/2010/main" Requires="p14">
+      <p:transition spd="slow" p14:dur="2000"/>
+    </mc:Choice>
+    <mc:Fallback>
+      <p:transition spd="slow"/>
+    </mc:Fallback>
+  </mc:AlternateContent>
   <p:timing>
     <p:tnLst>
       <p:par>
@@ -9473,6 +9607,14 @@
   <p:clrMapOvr>
     <a:masterClrMapping/>
   </p:clrMapOvr>
+  <mc:AlternateContent xmlns:mc="http://schemas.openxmlformats.org/markup-compatibility/2006">
+    <mc:Choice xmlns:p14="http://schemas.microsoft.com/office/powerpoint/2010/main" Requires="p14">
+      <p:transition spd="slow" p14:dur="2000"/>
+    </mc:Choice>
+    <mc:Fallback>
+      <p:transition spd="slow"/>
+    </mc:Fallback>
+  </mc:AlternateContent>
   <p:timing>
     <p:tnLst>
       <p:par>
@@ -9481,6 +9623,36 @@
     </p:tnLst>
   </p:timing>
 </p:sld>
+</file>
+
+<file path=ppt/tags/tag1.xml><?xml version="1.0" encoding="utf-8"?>
+<p:tagLst xmlns:a="http://schemas.openxmlformats.org/drawingml/2006/main" xmlns:r="http://schemas.openxmlformats.org/officeDocument/2006/relationships" xmlns:p="http://schemas.openxmlformats.org/presentationml/2006/main">
+  <p:tag name="TIMING" val="|4.3|0.3|0|0.2|0"/>
+</p:tagLst>
+</file>
+
+<file path=ppt/tags/tag2.xml><?xml version="1.0" encoding="utf-8"?>
+<p:tagLst xmlns:a="http://schemas.openxmlformats.org/drawingml/2006/main" xmlns:r="http://schemas.openxmlformats.org/officeDocument/2006/relationships" xmlns:p="http://schemas.openxmlformats.org/presentationml/2006/main">
+  <p:tag name="TIMING" val="|4.4|2|0.8"/>
+</p:tagLst>
+</file>
+
+<file path=ppt/tags/tag3.xml><?xml version="1.0" encoding="utf-8"?>
+<p:tagLst xmlns:a="http://schemas.openxmlformats.org/drawingml/2006/main" xmlns:r="http://schemas.openxmlformats.org/officeDocument/2006/relationships" xmlns:p="http://schemas.openxmlformats.org/presentationml/2006/main">
+  <p:tag name="TIMING" val="|0.1|0.2|0.2|0.3|0"/>
+</p:tagLst>
+</file>
+
+<file path=ppt/tags/tag4.xml><?xml version="1.0" encoding="utf-8"?>
+<p:tagLst xmlns:a="http://schemas.openxmlformats.org/drawingml/2006/main" xmlns:r="http://schemas.openxmlformats.org/officeDocument/2006/relationships" xmlns:p="http://schemas.openxmlformats.org/presentationml/2006/main">
+  <p:tag name="TIMING" val="|1.2|0|1.6|0.2"/>
+</p:tagLst>
+</file>
+
+<file path=ppt/tags/tag5.xml><?xml version="1.0" encoding="utf-8"?>
+<p:tagLst xmlns:a="http://schemas.openxmlformats.org/drawingml/2006/main" xmlns:r="http://schemas.openxmlformats.org/officeDocument/2006/relationships" xmlns:p="http://schemas.openxmlformats.org/presentationml/2006/main">
+  <p:tag name="TIMING" val="|0.2|0.1|0.5|0.1|0.2|2.6|0.8|0.8|0.4"/>
+</p:tagLst>
 </file>
 
 <file path=ppt/theme/theme1.xml><?xml version="1.0" encoding="utf-8"?>
@@ -10369,18 +10541,18 @@
 </file>
 
 <file path=customXml/item2.xml><?xml version="1.0" encoding="utf-8"?>
-<p:properties xmlns:p="http://schemas.microsoft.com/office/2006/metadata/properties" xmlns:xsi="http://www.w3.org/2001/XMLSchema-instance" xmlns:pc="http://schemas.microsoft.com/office/infopath/2007/PartnerControls">
-  <documentManagement/>
-</p:properties>
-</file>
-
-<file path=customXml/item3.xml><?xml version="1.0" encoding="utf-8"?>
 <?mso-contentType ?>
 <FormTemplates xmlns="http://schemas.microsoft.com/sharepoint/v3/contenttype/forms">
   <Display>DocumentLibraryForm</Display>
   <Edit>DocumentLibraryForm</Edit>
   <New>DocumentLibraryForm</New>
 </FormTemplates>
+</file>
+
+<file path=customXml/item3.xml><?xml version="1.0" encoding="utf-8"?>
+<p:properties xmlns:p="http://schemas.microsoft.com/office/2006/metadata/properties" xmlns:xsi="http://www.w3.org/2001/XMLSchema-instance" xmlns:pc="http://schemas.microsoft.com/office/infopath/2007/PartnerControls">
+  <documentManagement/>
+</p:properties>
 </file>
 
 <file path=customXml/itemProps1.xml><?xml version="1.0" encoding="utf-8"?>
@@ -10400,24 +10572,24 @@
 </file>
 
 <file path=customXml/itemProps2.xml><?xml version="1.0" encoding="utf-8"?>
-<ds:datastoreItem xmlns:ds="http://schemas.openxmlformats.org/officeDocument/2006/customXml" ds:itemID="{D0A8FBE6-1AAC-4DF5-96C2-49F6D97406B7}">
+<ds:datastoreItem xmlns:ds="http://schemas.openxmlformats.org/officeDocument/2006/customXml" ds:itemID="{D10A4E22-5344-47AD-8D52-4647883CD958}">
   <ds:schemaRefs>
-    <ds:schemaRef ds:uri="http://purl.org/dc/terms/"/>
-    <ds:schemaRef ds:uri="http://purl.org/dc/elements/1.1/"/>
-    <ds:schemaRef ds:uri="http://schemas.openxmlformats.org/package/2006/metadata/core-properties"/>
-    <ds:schemaRef ds:uri="http://schemas.microsoft.com/office/2006/metadata/properties"/>
-    <ds:schemaRef ds:uri="http://www.w3.org/XML/1998/namespace"/>
-    <ds:schemaRef ds:uri="http://schemas.microsoft.com/office/2006/documentManagement/types"/>
-    <ds:schemaRef ds:uri="http://schemas.microsoft.com/office/infopath/2007/PartnerControls"/>
-    <ds:schemaRef ds:uri="http://purl.org/dc/dcmitype/"/>
+    <ds:schemaRef ds:uri="http://schemas.microsoft.com/sharepoint/v3/contenttype/forms"/>
   </ds:schemaRefs>
 </ds:datastoreItem>
 </file>
 
 <file path=customXml/itemProps3.xml><?xml version="1.0" encoding="utf-8"?>
-<ds:datastoreItem xmlns:ds="http://schemas.openxmlformats.org/officeDocument/2006/customXml" ds:itemID="{D10A4E22-5344-47AD-8D52-4647883CD958}">
+<ds:datastoreItem xmlns:ds="http://schemas.openxmlformats.org/officeDocument/2006/customXml" ds:itemID="{D0A8FBE6-1AAC-4DF5-96C2-49F6D97406B7}">
   <ds:schemaRefs>
-    <ds:schemaRef ds:uri="http://schemas.microsoft.com/sharepoint/v3/contenttype/forms"/>
+    <ds:schemaRef ds:uri="http://purl.org/dc/elements/1.1/"/>
+    <ds:schemaRef ds:uri="http://schemas.microsoft.com/office/infopath/2007/PartnerControls"/>
+    <ds:schemaRef ds:uri="http://purl.org/dc/terms/"/>
+    <ds:schemaRef ds:uri="http://schemas.microsoft.com/office/2006/documentManagement/types"/>
+    <ds:schemaRef ds:uri="http://www.w3.org/XML/1998/namespace"/>
+    <ds:schemaRef ds:uri="http://purl.org/dc/dcmitype/"/>
+    <ds:schemaRef ds:uri="http://schemas.openxmlformats.org/package/2006/metadata/core-properties"/>
+    <ds:schemaRef ds:uri="http://schemas.microsoft.com/office/2006/metadata/properties"/>
   </ds:schemaRefs>
 </ds:datastoreItem>
 </file>
--- a/講義/第五堂課React-form.pptx
+++ b/講義/第五堂課React-form.pptx
@@ -282,7 +282,7 @@
           <a:p>
             <a:fld id="{D06FD09B-FFE9-4BAC-AACE-1331FB8C37FE}" type="datetimeFigureOut">
               <a:rPr lang="zh-TW" altLang="en-US" smtClean="0"/>
-              <a:t>2024/7/15</a:t>
+              <a:t>2024/7/17</a:t>
             </a:fld>
             <a:endParaRPr lang="zh-TW" altLang="en-US"/>
           </a:p>
@@ -477,7 +477,7 @@
               <a:pPr>
                 <a:defRPr/>
               </a:pPr>
-              <a:t>2024/7/15</a:t>
+              <a:t>2024/7/17</a:t>
             </a:fld>
             <a:endParaRPr lang="zh-TW" altLang="en-US"/>
           </a:p>
@@ -1494,6 +1494,13 @@
   <p:clrMapOvr>
     <a:masterClrMapping/>
   </p:clrMapOvr>
+  <p:timing>
+    <p:tnLst>
+      <p:par>
+        <p:cTn id="1" dur="indefinite" restart="never" nodeType="tmRoot"/>
+      </p:par>
+    </p:tnLst>
+  </p:timing>
 </p:sldLayout>
 </file>
 
@@ -1678,165 +1685,66 @@
           </a:extLst>
         </p:spPr>
       </p:pic>
-      <p:grpSp>
-        <p:nvGrpSpPr>
-          <p:cNvPr id="7" name="群組 6"/>
-          <p:cNvGrpSpPr/>
-          <p:nvPr userDrawn="1"/>
-        </p:nvGrpSpPr>
-        <p:grpSpPr>
+      <p:sp>
+        <p:nvSpPr>
+          <p:cNvPr id="8" name="標題 1"/>
+          <p:cNvSpPr txBox="1">
+            <a:spLocks/>
+          </p:cNvSpPr>
+          <p:nvPr/>
+        </p:nvSpPr>
+        <p:spPr>
           <a:xfrm>
             <a:off x="3168000" y="2160000"/>
-            <a:ext cx="6768000" cy="2196438"/>
-            <a:chOff x="4608000" y="2087562"/>
-            <a:chExt cx="6768000" cy="2196438"/>
+            <a:ext cx="6768000" cy="1620000"/>
           </a:xfrm>
-        </p:grpSpPr>
-        <p:sp>
-          <p:nvSpPr>
-            <p:cNvPr id="8" name="標題 1"/>
-            <p:cNvSpPr txBox="1">
-              <a:spLocks/>
-            </p:cNvSpPr>
-            <p:nvPr/>
-          </p:nvSpPr>
-          <p:spPr>
-            <a:xfrm>
-              <a:off x="4608000" y="2087562"/>
-              <a:ext cx="6768000" cy="1620000"/>
-            </a:xfrm>
-            <a:prstGeom prst="rect">
-              <a:avLst/>
-            </a:prstGeom>
-          </p:spPr>
-          <p:txBody>
-            <a:bodyPr vert="horz" lIns="72000" tIns="36000" rIns="72000" bIns="36000" rtlCol="0" anchor="ctr" anchorCtr="0">
-              <a:noAutofit/>
-            </a:bodyPr>
-            <a:lstStyle>
-              <a:lvl1pPr algn="ctr" defTabSz="914400" rtl="0" eaLnBrk="1" latinLnBrk="0" hangingPunct="1">
-                <a:spcBef>
-                  <a:spcPct val="0"/>
-                </a:spcBef>
-                <a:buNone/>
-                <a:defRPr sz="3600" b="1" kern="1200">
-                  <a:solidFill>
-                    <a:schemeClr val="tx1"/>
-                  </a:solidFill>
-                  <a:latin typeface="+mj-ea"/>
-                  <a:ea typeface="+mj-ea"/>
-                  <a:cs typeface="+mj-cs"/>
-                </a:defRPr>
-              </a:lvl1pPr>
-            </a:lstStyle>
-            <a:p>
-              <a:pPr lvl="0" fontAlgn="auto">
-                <a:spcAft>
-                  <a:spcPts val="0"/>
-                </a:spcAft>
-                <a:defRPr/>
-              </a:pPr>
-              <a:r>
-                <a:rPr kumimoji="0" lang="en-US" altLang="zh-TW" sz="8000" u="sng" dirty="0">
-                  <a:solidFill>
-                    <a:schemeClr val="tx2"/>
-                  </a:solidFill>
-                </a:rPr>
-                <a:t>Q</a:t>
-              </a:r>
-              <a:r>
-                <a:rPr kumimoji="0" lang="zh-TW" altLang="en-US" sz="8000" u="sng" dirty="0">
-                  <a:solidFill>
-                    <a:schemeClr val="tx2"/>
-                  </a:solidFill>
-                </a:rPr>
-                <a:t> </a:t>
-              </a:r>
-              <a:r>
-                <a:rPr kumimoji="0" lang="en-US" altLang="zh-TW" sz="8000" u="sng" dirty="0">
-                  <a:solidFill>
-                    <a:schemeClr val="tx2"/>
-                  </a:solidFill>
-                </a:rPr>
-                <a:t>&amp;</a:t>
-              </a:r>
-              <a:r>
-                <a:rPr kumimoji="0" lang="zh-TW" altLang="en-US" sz="8000" u="sng" dirty="0">
-                  <a:solidFill>
-                    <a:schemeClr val="tx2"/>
-                  </a:solidFill>
-                </a:rPr>
-                <a:t> </a:t>
-              </a:r>
-              <a:r>
-                <a:rPr kumimoji="0" lang="en-US" altLang="zh-TW" sz="8000" u="sng" dirty="0">
-                  <a:solidFill>
-                    <a:schemeClr val="tx2"/>
-                  </a:solidFill>
-                </a:rPr>
-                <a:t>A Time</a:t>
-              </a:r>
-              <a:endParaRPr kumimoji="0" lang="zh-TW" altLang="en-US" sz="8000" u="sng" dirty="0">
+          <a:prstGeom prst="rect">
+            <a:avLst/>
+          </a:prstGeom>
+        </p:spPr>
+        <p:txBody>
+          <a:bodyPr vert="horz" lIns="72000" tIns="36000" rIns="72000" bIns="36000" rtlCol="0" anchor="ctr" anchorCtr="0">
+            <a:noAutofit/>
+          </a:bodyPr>
+          <a:lstStyle>
+            <a:lvl1pPr algn="ctr" defTabSz="914400" rtl="0" eaLnBrk="1" latinLnBrk="0" hangingPunct="1">
+              <a:spcBef>
+                <a:spcPct val="0"/>
+              </a:spcBef>
+              <a:buNone/>
+              <a:defRPr sz="3600" b="1" kern="1200">
+                <a:solidFill>
+                  <a:schemeClr val="tx1"/>
+                </a:solidFill>
+                <a:latin typeface="+mj-ea"/>
+                <a:ea typeface="+mj-ea"/>
+                <a:cs typeface="+mj-cs"/>
+              </a:defRPr>
+            </a:lvl1pPr>
+          </a:lstStyle>
+          <a:p>
+            <a:pPr lvl="0" fontAlgn="auto">
+              <a:spcAft>
+                <a:spcPts val="0"/>
+              </a:spcAft>
+              <a:defRPr/>
+            </a:pPr>
+            <a:r>
+              <a:rPr kumimoji="0" lang="zh-TW" altLang="en-US" sz="8000" u="sng" dirty="0" smtClean="0">
                 <a:solidFill>
                   <a:schemeClr val="tx2"/>
                 </a:solidFill>
-              </a:endParaRPr>
-            </a:p>
-          </p:txBody>
-        </p:sp>
-        <p:sp>
-          <p:nvSpPr>
-            <p:cNvPr id="9" name="標題 2"/>
-            <p:cNvSpPr txBox="1">
-              <a:spLocks/>
-            </p:cNvSpPr>
-            <p:nvPr/>
-          </p:nvSpPr>
-          <p:spPr>
-            <a:xfrm>
-              <a:off x="4752000" y="3564000"/>
-              <a:ext cx="6480000" cy="720000"/>
-            </a:xfrm>
-            <a:prstGeom prst="rect">
-              <a:avLst/>
-            </a:prstGeom>
-          </p:spPr>
-          <p:txBody>
-            <a:bodyPr vert="horz" lIns="72000" tIns="36000" rIns="72000" bIns="36000" rtlCol="0" anchor="ctr">
-              <a:noAutofit/>
-            </a:bodyPr>
-            <a:lstStyle>
-              <a:lvl1pPr algn="l" defTabSz="914400" rtl="0" eaLnBrk="1" latinLnBrk="0" hangingPunct="1">
-                <a:spcBef>
-                  <a:spcPct val="0"/>
-                </a:spcBef>
-                <a:buNone/>
-                <a:defRPr sz="3600" b="1" kern="1200">
-                  <a:solidFill>
-                    <a:schemeClr val="accent1"/>
-                  </a:solidFill>
-                  <a:latin typeface="+mj-ea"/>
-                  <a:ea typeface="+mj-ea"/>
-                  <a:cs typeface="+mj-cs"/>
-                </a:defRPr>
-              </a:lvl1pPr>
-            </a:lstStyle>
-            <a:p>
-              <a:pPr algn="ctr"/>
-              <a:r>
-                <a:rPr lang="zh-TW" altLang="en-US" sz="3400" dirty="0">
-                  <a:solidFill>
-                    <a:schemeClr val="tx1"/>
-                  </a:solidFill>
-                  <a:latin typeface="微軟正黑體" panose="020B0604030504040204" pitchFamily="34" charset="-120"/>
-                  <a:ea typeface="微軟正黑體" panose="020B0604030504040204" pitchFamily="34" charset="-120"/>
-                </a:rPr>
-                <a:t>歡迎提問</a:t>
-              </a:r>
-            </a:p>
-          </p:txBody>
-        </p:sp>
-      </p:grpSp>
+              </a:rPr>
+              <a:t>謝謝觀看</a:t>
+            </a:r>
+            <a:endParaRPr kumimoji="0" lang="zh-TW" altLang="en-US" sz="8000" u="sng" dirty="0">
+              <a:solidFill>
+                <a:schemeClr val="tx2"/>
+              </a:solidFill>
+            </a:endParaRPr>
+          </a:p>
+        </p:txBody>
+      </p:sp>
     </p:spTree>
     <p:extLst>
       <p:ext uri="{BB962C8B-B14F-4D97-AF65-F5344CB8AC3E}">
@@ -2330,7 +2238,7 @@
               <a:pPr>
                 <a:defRPr/>
               </a:pPr>
-              <a:t>2024/7/15</a:t>
+              <a:t>2024/7/17</a:t>
             </a:fld>
             <a:endParaRPr lang="zh-TW" altLang="en-US"/>
           </a:p>
@@ -3546,11 +3454,11 @@
   <p:clrMapOvr>
     <a:masterClrMapping/>
   </p:clrMapOvr>
-  <mc:AlternateContent xmlns:mc="http://schemas.openxmlformats.org/markup-compatibility/2006">
-    <mc:Choice xmlns:p14="http://schemas.microsoft.com/office/powerpoint/2010/main" Requires="p14">
+  <mc:AlternateContent xmlns:mc="http://schemas.openxmlformats.org/markup-compatibility/2006" xmlns:p14="http://schemas.microsoft.com/office/powerpoint/2010/main">
+    <mc:Choice Requires="p14">
       <p:transition spd="slow" p14:dur="2000"/>
     </mc:Choice>
-    <mc:Fallback>
+    <mc:Fallback xmlns="">
       <p:transition spd="slow"/>
     </mc:Fallback>
   </mc:AlternateContent>
@@ -4033,18 +3941,7 @@
                 </a:solidFill>
                 <a:latin typeface="+mn-ea"/>
               </a:rPr>
-              <a:t>資料</a:t>
-            </a:r>
-            <a:r>
-              <a:rPr lang="zh-TW" altLang="en-US" sz="2400" dirty="0" smtClean="0">
-                <a:solidFill>
-                  <a:schemeClr val="accent6">
-                    <a:lumMod val="50000"/>
-                  </a:schemeClr>
-                </a:solidFill>
-                <a:latin typeface="+mn-ea"/>
-              </a:rPr>
-              <a:t>綁定</a:t>
+              <a:t>資料綁定</a:t>
             </a:r>
             <a:endParaRPr lang="en-US" altLang="zh-TW" sz="2400" dirty="0" smtClean="0">
               <a:solidFill>
@@ -4072,18 +3969,7 @@
                 </a:solidFill>
                 <a:latin typeface="+mn-ea"/>
               </a:rPr>
-              <a:t>渲染</a:t>
-            </a:r>
-            <a:r>
-              <a:rPr lang="zh-TW" altLang="en-US" sz="2400" dirty="0" smtClean="0">
-                <a:solidFill>
-                  <a:schemeClr val="accent6">
-                    <a:lumMod val="50000"/>
-                  </a:schemeClr>
-                </a:solidFill>
-                <a:latin typeface="+mn-ea"/>
-              </a:rPr>
-              <a:t>列表與</a:t>
+              <a:t>渲染列表與</a:t>
             </a:r>
             <a:r>
               <a:rPr lang="en-US" altLang="zh-TW" sz="2400" dirty="0" smtClean="0">
@@ -4248,11 +4134,11 @@
   <p:clrMapOvr>
     <a:masterClrMapping/>
   </p:clrMapOvr>
-  <mc:AlternateContent xmlns:mc="http://schemas.openxmlformats.org/markup-compatibility/2006">
-    <mc:Choice xmlns:p14="http://schemas.microsoft.com/office/powerpoint/2010/main" Requires="p14">
+  <mc:AlternateContent xmlns:mc="http://schemas.openxmlformats.org/markup-compatibility/2006" xmlns:p14="http://schemas.microsoft.com/office/powerpoint/2010/main">
+    <mc:Choice Requires="p14">
       <p:transition spd="slow" p14:dur="2000"/>
     </mc:Choice>
-    <mc:Fallback>
+    <mc:Fallback xmlns="">
       <p:transition spd="slow"/>
     </mc:Fallback>
   </mc:AlternateContent>
@@ -4355,7 +4241,7 @@
         </p:nvSpPr>
         <p:spPr>
           <a:xfrm>
-            <a:off x="4664774" y="2785731"/>
+            <a:off x="4793111" y="3154563"/>
             <a:ext cx="2160000" cy="720000"/>
           </a:xfrm>
           <a:prstGeom prst="roundRect">
@@ -4385,11 +4271,15 @@
             <a:pPr algn="ctr"/>
             <a:r>
               <a:rPr lang="zh-TW" altLang="en-US" dirty="0" smtClean="0"/>
-              <a:t>綁定</a:t>
+              <a:t>綁</a:t>
+            </a:r>
+            <a:r>
+              <a:rPr lang="zh-TW" altLang="en-US" dirty="0" smtClean="0"/>
+              <a:t>定</a:t>
             </a:r>
             <a:r>
               <a:rPr lang="en-US" altLang="zh-TW" dirty="0" smtClean="0"/>
-              <a:t>state</a:t>
+              <a:t>value</a:t>
             </a:r>
             <a:endParaRPr lang="zh-TW" altLang="en-US" dirty="0"/>
           </a:p>
@@ -4403,7 +4293,7 @@
         </p:nvSpPr>
         <p:spPr>
           <a:xfrm>
-            <a:off x="898533" y="2759011"/>
+            <a:off x="1026870" y="1164739"/>
             <a:ext cx="2160000" cy="720000"/>
           </a:xfrm>
           <a:prstGeom prst="roundRect">
@@ -4449,7 +4339,7 @@
         </p:nvCxnSpPr>
         <p:spPr>
           <a:xfrm flipV="1">
-            <a:off x="6944853" y="3151696"/>
+            <a:off x="7105274" y="3520528"/>
             <a:ext cx="1383213" cy="5646"/>
           </a:xfrm>
           <a:prstGeom prst="straightConnector1">
@@ -4482,7 +4372,7 @@
         </p:nvSpPr>
         <p:spPr>
           <a:xfrm>
-            <a:off x="8501177" y="2759011"/>
+            <a:off x="8559352" y="5053169"/>
             <a:ext cx="2160000" cy="646287"/>
           </a:xfrm>
           <a:prstGeom prst="flowChartInputOutput">
@@ -4530,7 +4420,7 @@
         </p:nvSpPr>
         <p:spPr>
           <a:xfrm>
-            <a:off x="4664774" y="4815214"/>
+            <a:off x="4793111" y="5007719"/>
             <a:ext cx="2160000" cy="720000"/>
           </a:xfrm>
           <a:prstGeom prst="roundRect">
@@ -4574,7 +4464,7 @@
         </p:nvCxnSpPr>
         <p:spPr>
           <a:xfrm flipH="1">
-            <a:off x="3209004" y="5175215"/>
+            <a:off x="3321299" y="5367720"/>
             <a:ext cx="1383212" cy="0"/>
           </a:xfrm>
           <a:prstGeom prst="straightConnector1">
@@ -4607,7 +4497,7 @@
         </p:nvSpPr>
         <p:spPr>
           <a:xfrm>
-            <a:off x="8501177" y="4785840"/>
+            <a:off x="8717826" y="3154563"/>
             <a:ext cx="2059161" cy="749374"/>
           </a:xfrm>
           <a:prstGeom prst="roundRect">
@@ -4655,7 +4545,7 @@
         </p:nvCxnSpPr>
         <p:spPr>
           <a:xfrm flipV="1">
-            <a:off x="3209004" y="3145731"/>
+            <a:off x="3337341" y="3514563"/>
             <a:ext cx="1335691" cy="3252"/>
           </a:xfrm>
           <a:prstGeom prst="straightConnector1">
@@ -4688,7 +4578,7 @@
         </p:nvSpPr>
         <p:spPr>
           <a:xfrm>
-            <a:off x="898533" y="4815215"/>
+            <a:off x="1026870" y="5007720"/>
             <a:ext cx="2160000" cy="720000"/>
           </a:xfrm>
           <a:prstGeom prst="roundRect">
@@ -4730,30 +4620,6 @@
           </a:p>
         </p:txBody>
       </p:sp>
-      <p:pic>
-        <p:nvPicPr>
-          <p:cNvPr id="60" name="圖片 59"/>
-          <p:cNvPicPr>
-            <a:picLocks noChangeAspect="1"/>
-          </p:cNvPicPr>
-          <p:nvPr/>
-        </p:nvPicPr>
-        <p:blipFill>
-          <a:blip r:embed="rId3"/>
-          <a:stretch>
-            <a:fillRect/>
-          </a:stretch>
-        </p:blipFill>
-        <p:spPr>
-          <a:xfrm>
-            <a:off x="3333912" y="1191797"/>
-            <a:ext cx="7327265" cy="772089"/>
-          </a:xfrm>
-          <a:prstGeom prst="rect">
-            <a:avLst/>
-          </a:prstGeom>
-        </p:spPr>
-      </p:pic>
       <p:cxnSp>
         <p:nvCxnSpPr>
           <p:cNvPr id="66" name="直線單箭頭接點 65"/>
@@ -4762,7 +4628,7 @@
         </p:nvCxnSpPr>
         <p:spPr>
           <a:xfrm>
-            <a:off x="9543599" y="3613317"/>
+            <a:off x="9646568" y="4008285"/>
             <a:ext cx="12526" cy="964504"/>
           </a:xfrm>
           <a:prstGeom prst="straightConnector1">
@@ -4795,8 +4661,89 @@
         </p:nvCxnSpPr>
         <p:spPr>
           <a:xfrm flipH="1">
-            <a:off x="6944853" y="5175214"/>
+            <a:off x="7073190" y="5367719"/>
             <a:ext cx="1396592" cy="1"/>
+          </a:xfrm>
+          <a:prstGeom prst="straightConnector1">
+            <a:avLst/>
+          </a:prstGeom>
+          <a:ln w="38100">
+            <a:tailEnd type="triangle"/>
+          </a:ln>
+        </p:spPr>
+        <p:style>
+          <a:lnRef idx="1">
+            <a:schemeClr val="accent5"/>
+          </a:lnRef>
+          <a:fillRef idx="0">
+            <a:schemeClr val="accent5"/>
+          </a:fillRef>
+          <a:effectRef idx="0">
+            <a:schemeClr val="accent5"/>
+          </a:effectRef>
+          <a:fontRef idx="minor">
+            <a:schemeClr val="tx1"/>
+          </a:fontRef>
+        </p:style>
+      </p:cxnSp>
+      <p:sp>
+        <p:nvSpPr>
+          <p:cNvPr id="17" name="圓角矩形 16"/>
+          <p:cNvSpPr/>
+          <p:nvPr/>
+        </p:nvSpPr>
+        <p:spPr>
+          <a:xfrm>
+            <a:off x="1026870" y="3127843"/>
+            <a:ext cx="2160000" cy="720000"/>
+          </a:xfrm>
+          <a:prstGeom prst="roundRect">
+            <a:avLst/>
+          </a:prstGeom>
+        </p:spPr>
+        <p:style>
+          <a:lnRef idx="2">
+            <a:schemeClr val="accent2">
+              <a:shade val="50000"/>
+            </a:schemeClr>
+          </a:lnRef>
+          <a:fillRef idx="1">
+            <a:schemeClr val="accent2"/>
+          </a:fillRef>
+          <a:effectRef idx="0">
+            <a:schemeClr val="accent2"/>
+          </a:effectRef>
+          <a:fontRef idx="minor">
+            <a:schemeClr val="lt1"/>
+          </a:fontRef>
+        </p:style>
+        <p:txBody>
+          <a:bodyPr rtlCol="0" anchor="ctr"/>
+          <a:lstStyle/>
+          <a:p>
+            <a:pPr algn="ctr"/>
+            <a:r>
+              <a:rPr lang="zh-TW" altLang="en-US" dirty="0" smtClean="0"/>
+              <a:t>建立</a:t>
+            </a:r>
+            <a:r>
+              <a:rPr lang="en-US" altLang="zh-TW" dirty="0" smtClean="0"/>
+              <a:t>state</a:t>
+            </a:r>
+            <a:endParaRPr lang="zh-TW" altLang="en-US" dirty="0"/>
+          </a:p>
+        </p:txBody>
+      </p:sp>
+      <p:cxnSp>
+        <p:nvCxnSpPr>
+          <p:cNvPr id="18" name="直線單箭頭接點 17"/>
+          <p:cNvCxnSpPr/>
+          <p:nvPr/>
+        </p:nvCxnSpPr>
+        <p:spPr>
+          <a:xfrm flipH="1">
+            <a:off x="2106870" y="1949644"/>
+            <a:ext cx="2" cy="1021731"/>
           </a:xfrm>
           <a:prstGeom prst="straightConnector1">
             <a:avLst/>
@@ -4833,11 +4780,11 @@
   <p:clrMapOvr>
     <a:masterClrMapping/>
   </p:clrMapOvr>
-  <mc:AlternateContent xmlns:mc="http://schemas.openxmlformats.org/markup-compatibility/2006">
-    <mc:Choice xmlns:p14="http://schemas.microsoft.com/office/powerpoint/2010/main" Requires="p14">
+  <mc:AlternateContent xmlns:mc="http://schemas.openxmlformats.org/markup-compatibility/2006" xmlns:p14="http://schemas.microsoft.com/office/powerpoint/2010/main">
+    <mc:Choice Requires="p14">
       <p:transition spd="slow" p14:dur="2000"/>
     </mc:Choice>
-    <mc:Fallback>
+    <mc:Fallback xmlns="">
       <p:transition spd="slow"/>
     </mc:Fallback>
   </mc:AlternateContent>
@@ -4865,7 +4812,7 @@
                             </p:stCondLst>
                             <p:childTnLst>
                               <p:par>
-                                <p:cTn id="5" presetID="1" presetClass="entr" presetSubtype="0" fill="hold" nodeType="withEffect">
+                                <p:cTn id="5" presetID="1" presetClass="entr" presetSubtype="0" fill="hold" grpId="0" nodeType="withEffect">
                                   <p:stCondLst>
                                     <p:cond delay="0"/>
                                   </p:stCondLst>
@@ -4873,33 +4820,6 @@
                                     <p:set>
                                       <p:cBhvr>
                                         <p:cTn id="6" dur="1" fill="hold">
-                                          <p:stCondLst>
-                                            <p:cond delay="0"/>
-                                          </p:stCondLst>
-                                        </p:cTn>
-                                        <p:tgtEl>
-                                          <p:spTgt spid="60"/>
-                                        </p:tgtEl>
-                                        <p:attrNameLst>
-                                          <p:attrName>style.visibility</p:attrName>
-                                        </p:attrNameLst>
-                                      </p:cBhvr>
-                                      <p:to>
-                                        <p:strVal val="visible"/>
-                                      </p:to>
-                                    </p:set>
-                                  </p:childTnLst>
-                                </p:cTn>
-                              </p:par>
-                              <p:par>
-                                <p:cTn id="7" presetID="1" presetClass="entr" presetSubtype="0" fill="hold" grpId="0" nodeType="withEffect">
-                                  <p:stCondLst>
-                                    <p:cond delay="0"/>
-                                  </p:stCondLst>
-                                  <p:childTnLst>
-                                    <p:set>
-                                      <p:cBhvr>
-                                        <p:cTn id="8" dur="1" fill="hold">
                                           <p:stCondLst>
                                             <p:cond delay="0"/>
                                           </p:stCondLst>
@@ -4925,26 +4845,169 @@
                     </p:cTn>
                   </p:par>
                   <p:par>
-                    <p:cTn id="9" fill="hold">
+                    <p:cTn id="7" fill="hold">
                       <p:stCondLst>
                         <p:cond delay="indefinite"/>
                       </p:stCondLst>
                       <p:childTnLst>
                         <p:par>
-                          <p:cTn id="10" fill="hold">
+                          <p:cTn id="8" fill="hold">
                             <p:stCondLst>
                               <p:cond delay="0"/>
                             </p:stCondLst>
                             <p:childTnLst>
                               <p:par>
-                                <p:cTn id="11" presetID="10" presetClass="entr" presetSubtype="0" fill="hold" nodeType="clickEffect">
+                                <p:cTn id="9" presetID="10" presetClass="entr" presetSubtype="0" fill="hold" nodeType="clickEffect">
                                   <p:stCondLst>
                                     <p:cond delay="0"/>
                                   </p:stCondLst>
                                   <p:childTnLst>
                                     <p:set>
                                       <p:cBhvr>
-                                        <p:cTn id="12" dur="1" fill="hold">
+                                        <p:cTn id="10" dur="1" fill="hold">
+                                          <p:stCondLst>
+                                            <p:cond delay="0"/>
+                                          </p:stCondLst>
+                                        </p:cTn>
+                                        <p:tgtEl>
+                                          <p:spTgt spid="18"/>
+                                        </p:tgtEl>
+                                        <p:attrNameLst>
+                                          <p:attrName>style.visibility</p:attrName>
+                                        </p:attrNameLst>
+                                      </p:cBhvr>
+                                      <p:to>
+                                        <p:strVal val="visible"/>
+                                      </p:to>
+                                    </p:set>
+                                    <p:animEffect transition="in" filter="fade">
+                                      <p:cBhvr>
+                                        <p:cTn id="11" dur="500"/>
+                                        <p:tgtEl>
+                                          <p:spTgt spid="18"/>
+                                        </p:tgtEl>
+                                      </p:cBhvr>
+                                    </p:animEffect>
+                                  </p:childTnLst>
+                                </p:cTn>
+                              </p:par>
+                            </p:childTnLst>
+                          </p:cTn>
+                        </p:par>
+                        <p:par>
+                          <p:cTn id="12" fill="hold">
+                            <p:stCondLst>
+                              <p:cond delay="500"/>
+                            </p:stCondLst>
+                            <p:childTnLst>
+                              <p:par>
+                                <p:cTn id="13" presetID="42" presetClass="entr" presetSubtype="0" fill="hold" grpId="0" nodeType="afterEffect">
+                                  <p:stCondLst>
+                                    <p:cond delay="0"/>
+                                  </p:stCondLst>
+                                  <p:childTnLst>
+                                    <p:set>
+                                      <p:cBhvr>
+                                        <p:cTn id="14" dur="1" fill="hold">
+                                          <p:stCondLst>
+                                            <p:cond delay="0"/>
+                                          </p:stCondLst>
+                                        </p:cTn>
+                                        <p:tgtEl>
+                                          <p:spTgt spid="17"/>
+                                        </p:tgtEl>
+                                        <p:attrNameLst>
+                                          <p:attrName>style.visibility</p:attrName>
+                                        </p:attrNameLst>
+                                      </p:cBhvr>
+                                      <p:to>
+                                        <p:strVal val="visible"/>
+                                      </p:to>
+                                    </p:set>
+                                    <p:animEffect transition="in" filter="fade">
+                                      <p:cBhvr>
+                                        <p:cTn id="15" dur="500"/>
+                                        <p:tgtEl>
+                                          <p:spTgt spid="17"/>
+                                        </p:tgtEl>
+                                      </p:cBhvr>
+                                    </p:animEffect>
+                                    <p:anim calcmode="lin" valueType="num">
+                                      <p:cBhvr>
+                                        <p:cTn id="16" dur="500" fill="hold"/>
+                                        <p:tgtEl>
+                                          <p:spTgt spid="17"/>
+                                        </p:tgtEl>
+                                        <p:attrNameLst>
+                                          <p:attrName>ppt_x</p:attrName>
+                                        </p:attrNameLst>
+                                      </p:cBhvr>
+                                      <p:tavLst>
+                                        <p:tav tm="0">
+                                          <p:val>
+                                            <p:strVal val="#ppt_x"/>
+                                          </p:val>
+                                        </p:tav>
+                                        <p:tav tm="100000">
+                                          <p:val>
+                                            <p:strVal val="#ppt_x"/>
+                                          </p:val>
+                                        </p:tav>
+                                      </p:tavLst>
+                                    </p:anim>
+                                    <p:anim calcmode="lin" valueType="num">
+                                      <p:cBhvr>
+                                        <p:cTn id="17" dur="500" fill="hold"/>
+                                        <p:tgtEl>
+                                          <p:spTgt spid="17"/>
+                                        </p:tgtEl>
+                                        <p:attrNameLst>
+                                          <p:attrName>ppt_y</p:attrName>
+                                        </p:attrNameLst>
+                                      </p:cBhvr>
+                                      <p:tavLst>
+                                        <p:tav tm="0">
+                                          <p:val>
+                                            <p:strVal val="#ppt_y+.1"/>
+                                          </p:val>
+                                        </p:tav>
+                                        <p:tav tm="100000">
+                                          <p:val>
+                                            <p:strVal val="#ppt_y"/>
+                                          </p:val>
+                                        </p:tav>
+                                      </p:tavLst>
+                                    </p:anim>
+                                  </p:childTnLst>
+                                </p:cTn>
+                              </p:par>
+                            </p:childTnLst>
+                          </p:cTn>
+                        </p:par>
+                      </p:childTnLst>
+                    </p:cTn>
+                  </p:par>
+                  <p:par>
+                    <p:cTn id="18" fill="hold">
+                      <p:stCondLst>
+                        <p:cond delay="indefinite"/>
+                      </p:stCondLst>
+                      <p:childTnLst>
+                        <p:par>
+                          <p:cTn id="19" fill="hold">
+                            <p:stCondLst>
+                              <p:cond delay="0"/>
+                            </p:stCondLst>
+                            <p:childTnLst>
+                              <p:par>
+                                <p:cTn id="20" presetID="10" presetClass="entr" presetSubtype="0" fill="hold" nodeType="clickEffect">
+                                  <p:stCondLst>
+                                    <p:cond delay="0"/>
+                                  </p:stCondLst>
+                                  <p:childTnLst>
+                                    <p:set>
+                                      <p:cBhvr>
+                                        <p:cTn id="21" dur="1" fill="hold">
                                           <p:stCondLst>
                                             <p:cond delay="0"/>
                                           </p:stCondLst>
@@ -4962,7 +5025,7 @@
                                     </p:set>
                                     <p:animEffect transition="in" filter="fade">
                                       <p:cBhvr>
-                                        <p:cTn id="13" dur="500"/>
+                                        <p:cTn id="22" dur="500"/>
                                         <p:tgtEl>
                                           <p:spTgt spid="53"/>
                                         </p:tgtEl>
@@ -4975,20 +5038,20 @@
                           </p:cTn>
                         </p:par>
                         <p:par>
-                          <p:cTn id="14" fill="hold">
+                          <p:cTn id="23" fill="hold">
                             <p:stCondLst>
                               <p:cond delay="500"/>
                             </p:stCondLst>
                             <p:childTnLst>
                               <p:par>
-                                <p:cTn id="15" presetID="42" presetClass="entr" presetSubtype="0" fill="hold" grpId="0" nodeType="afterEffect">
+                                <p:cTn id="24" presetID="42" presetClass="entr" presetSubtype="0" fill="hold" grpId="0" nodeType="afterEffect">
                                   <p:stCondLst>
                                     <p:cond delay="0"/>
                                   </p:stCondLst>
                                   <p:childTnLst>
                                     <p:set>
                                       <p:cBhvr>
-                                        <p:cTn id="16" dur="1" fill="hold">
+                                        <p:cTn id="25" dur="1" fill="hold">
                                           <p:stCondLst>
                                             <p:cond delay="0"/>
                                           </p:stCondLst>
@@ -5006,7 +5069,7 @@
                                     </p:set>
                                     <p:animEffect transition="in" filter="fade">
                                       <p:cBhvr>
-                                        <p:cTn id="17" dur="500"/>
+                                        <p:cTn id="26" dur="500"/>
                                         <p:tgtEl>
                                           <p:spTgt spid="51"/>
                                         </p:tgtEl>
@@ -5014,7 +5077,7 @@
                                     </p:animEffect>
                                     <p:anim calcmode="lin" valueType="num">
                                       <p:cBhvr>
-                                        <p:cTn id="18" dur="500" fill="hold"/>
+                                        <p:cTn id="27" dur="500" fill="hold"/>
                                         <p:tgtEl>
                                           <p:spTgt spid="51"/>
                                         </p:tgtEl>
@@ -5037,7 +5100,7 @@
                                     </p:anim>
                                     <p:anim calcmode="lin" valueType="num">
                                       <p:cBhvr>
-                                        <p:cTn id="19" dur="500" fill="hold"/>
+                                        <p:cTn id="28" dur="500" fill="hold"/>
                                         <p:tgtEl>
                                           <p:spTgt spid="51"/>
                                         </p:tgtEl>
@@ -5068,26 +5131,26 @@
                     </p:cTn>
                   </p:par>
                   <p:par>
-                    <p:cTn id="20" fill="hold">
+                    <p:cTn id="29" fill="hold">
                       <p:stCondLst>
                         <p:cond delay="indefinite"/>
                       </p:stCondLst>
                       <p:childTnLst>
                         <p:par>
-                          <p:cTn id="21" fill="hold">
+                          <p:cTn id="30" fill="hold">
                             <p:stCondLst>
                               <p:cond delay="0"/>
                             </p:stCondLst>
                             <p:childTnLst>
                               <p:par>
-                                <p:cTn id="22" presetID="10" presetClass="entr" presetSubtype="0" fill="hold" nodeType="clickEffect">
+                                <p:cTn id="31" presetID="10" presetClass="entr" presetSubtype="0" fill="hold" nodeType="clickEffect">
                                   <p:stCondLst>
                                     <p:cond delay="0"/>
                                   </p:stCondLst>
                                   <p:childTnLst>
                                     <p:set>
                                       <p:cBhvr>
-                                        <p:cTn id="23" dur="1" fill="hold">
+                                        <p:cTn id="32" dur="1" fill="hold">
                                           <p:stCondLst>
                                             <p:cond delay="0"/>
                                           </p:stCondLst>
@@ -5105,7 +5168,7 @@
                                     </p:set>
                                     <p:animEffect transition="in" filter="fade">
                                       <p:cBhvr>
-                                        <p:cTn id="24" dur="500"/>
+                                        <p:cTn id="33" dur="500"/>
                                         <p:tgtEl>
                                           <p:spTgt spid="9"/>
                                         </p:tgtEl>
@@ -5118,20 +5181,163 @@
                           </p:cTn>
                         </p:par>
                         <p:par>
-                          <p:cTn id="25" fill="hold">
+                          <p:cTn id="34" fill="hold">
                             <p:stCondLst>
                               <p:cond delay="500"/>
                             </p:stCondLst>
                             <p:childTnLst>
                               <p:par>
-                                <p:cTn id="26" presetID="42" presetClass="entr" presetSubtype="0" fill="hold" grpId="0" nodeType="afterEffect">
+                                <p:cTn id="35" presetID="42" presetClass="entr" presetSubtype="0" fill="hold" grpId="0" nodeType="afterEffect">
                                   <p:stCondLst>
                                     <p:cond delay="0"/>
                                   </p:stCondLst>
                                   <p:childTnLst>
                                     <p:set>
                                       <p:cBhvr>
-                                        <p:cTn id="27" dur="1" fill="hold">
+                                        <p:cTn id="36" dur="1" fill="hold">
+                                          <p:stCondLst>
+                                            <p:cond delay="0"/>
+                                          </p:stCondLst>
+                                        </p:cTn>
+                                        <p:tgtEl>
+                                          <p:spTgt spid="49"/>
+                                        </p:tgtEl>
+                                        <p:attrNameLst>
+                                          <p:attrName>style.visibility</p:attrName>
+                                        </p:attrNameLst>
+                                      </p:cBhvr>
+                                      <p:to>
+                                        <p:strVal val="visible"/>
+                                      </p:to>
+                                    </p:set>
+                                    <p:animEffect transition="in" filter="fade">
+                                      <p:cBhvr>
+                                        <p:cTn id="37" dur="500"/>
+                                        <p:tgtEl>
+                                          <p:spTgt spid="49"/>
+                                        </p:tgtEl>
+                                      </p:cBhvr>
+                                    </p:animEffect>
+                                    <p:anim calcmode="lin" valueType="num">
+                                      <p:cBhvr>
+                                        <p:cTn id="38" dur="500" fill="hold"/>
+                                        <p:tgtEl>
+                                          <p:spTgt spid="49"/>
+                                        </p:tgtEl>
+                                        <p:attrNameLst>
+                                          <p:attrName>ppt_x</p:attrName>
+                                        </p:attrNameLst>
+                                      </p:cBhvr>
+                                      <p:tavLst>
+                                        <p:tav tm="0">
+                                          <p:val>
+                                            <p:strVal val="#ppt_x"/>
+                                          </p:val>
+                                        </p:tav>
+                                        <p:tav tm="100000">
+                                          <p:val>
+                                            <p:strVal val="#ppt_x"/>
+                                          </p:val>
+                                        </p:tav>
+                                      </p:tavLst>
+                                    </p:anim>
+                                    <p:anim calcmode="lin" valueType="num">
+                                      <p:cBhvr>
+                                        <p:cTn id="39" dur="500" fill="hold"/>
+                                        <p:tgtEl>
+                                          <p:spTgt spid="49"/>
+                                        </p:tgtEl>
+                                        <p:attrNameLst>
+                                          <p:attrName>ppt_y</p:attrName>
+                                        </p:attrNameLst>
+                                      </p:cBhvr>
+                                      <p:tavLst>
+                                        <p:tav tm="0">
+                                          <p:val>
+                                            <p:strVal val="#ppt_y+.1"/>
+                                          </p:val>
+                                        </p:tav>
+                                        <p:tav tm="100000">
+                                          <p:val>
+                                            <p:strVal val="#ppt_y"/>
+                                          </p:val>
+                                        </p:tav>
+                                      </p:tavLst>
+                                    </p:anim>
+                                  </p:childTnLst>
+                                </p:cTn>
+                              </p:par>
+                            </p:childTnLst>
+                          </p:cTn>
+                        </p:par>
+                      </p:childTnLst>
+                    </p:cTn>
+                  </p:par>
+                  <p:par>
+                    <p:cTn id="40" fill="hold">
+                      <p:stCondLst>
+                        <p:cond delay="indefinite"/>
+                      </p:stCondLst>
+                      <p:childTnLst>
+                        <p:par>
+                          <p:cTn id="41" fill="hold">
+                            <p:stCondLst>
+                              <p:cond delay="0"/>
+                            </p:stCondLst>
+                            <p:childTnLst>
+                              <p:par>
+                                <p:cTn id="42" presetID="10" presetClass="entr" presetSubtype="0" fill="hold" nodeType="clickEffect">
+                                  <p:stCondLst>
+                                    <p:cond delay="0"/>
+                                  </p:stCondLst>
+                                  <p:childTnLst>
+                                    <p:set>
+                                      <p:cBhvr>
+                                        <p:cTn id="43" dur="1" fill="hold">
+                                          <p:stCondLst>
+                                            <p:cond delay="0"/>
+                                          </p:stCondLst>
+                                        </p:cTn>
+                                        <p:tgtEl>
+                                          <p:spTgt spid="66"/>
+                                        </p:tgtEl>
+                                        <p:attrNameLst>
+                                          <p:attrName>style.visibility</p:attrName>
+                                        </p:attrNameLst>
+                                      </p:cBhvr>
+                                      <p:to>
+                                        <p:strVal val="visible"/>
+                                      </p:to>
+                                    </p:set>
+                                    <p:animEffect transition="in" filter="fade">
+                                      <p:cBhvr>
+                                        <p:cTn id="44" dur="500"/>
+                                        <p:tgtEl>
+                                          <p:spTgt spid="66"/>
+                                        </p:tgtEl>
+                                      </p:cBhvr>
+                                    </p:animEffect>
+                                  </p:childTnLst>
+                                </p:cTn>
+                              </p:par>
+                            </p:childTnLst>
+                          </p:cTn>
+                        </p:par>
+                        <p:par>
+                          <p:cTn id="45" fill="hold">
+                            <p:stCondLst>
+                              <p:cond delay="500"/>
+                            </p:stCondLst>
+                            <p:childTnLst>
+                              <p:par>
+                                <p:cTn id="46" presetID="42" presetClass="entr" presetSubtype="0" fill="hold" grpId="0" nodeType="afterEffect">
+                                  <p:stCondLst>
+                                    <p:cond delay="0"/>
+                                  </p:stCondLst>
+                                  <p:childTnLst>
+                                    <p:set>
+                                      <p:cBhvr>
+                                        <p:cTn id="47" dur="1" fill="hold">
                                           <p:stCondLst>
                                             <p:cond delay="0"/>
                                           </p:stCondLst>
@@ -5149,7 +5355,7 @@
                                     </p:set>
                                     <p:animEffect transition="in" filter="fade">
                                       <p:cBhvr>
-                                        <p:cTn id="28" dur="500"/>
+                                        <p:cTn id="48" dur="500"/>
                                         <p:tgtEl>
                                           <p:spTgt spid="25"/>
                                         </p:tgtEl>
@@ -5157,7 +5363,7 @@
                                     </p:animEffect>
                                     <p:anim calcmode="lin" valueType="num">
                                       <p:cBhvr>
-                                        <p:cTn id="29" dur="500" fill="hold"/>
+                                        <p:cTn id="49" dur="500" fill="hold"/>
                                         <p:tgtEl>
                                           <p:spTgt spid="25"/>
                                         </p:tgtEl>
@@ -5180,7 +5386,7 @@
                                     </p:anim>
                                     <p:anim calcmode="lin" valueType="num">
                                       <p:cBhvr>
-                                        <p:cTn id="30" dur="500" fill="hold"/>
+                                        <p:cTn id="50" dur="500" fill="hold"/>
                                         <p:tgtEl>
                                           <p:spTgt spid="25"/>
                                         </p:tgtEl>
@@ -5211,169 +5417,26 @@
                     </p:cTn>
                   </p:par>
                   <p:par>
-                    <p:cTn id="31" fill="hold">
+                    <p:cTn id="51" fill="hold">
                       <p:stCondLst>
                         <p:cond delay="indefinite"/>
                       </p:stCondLst>
                       <p:childTnLst>
                         <p:par>
-                          <p:cTn id="32" fill="hold">
+                          <p:cTn id="52" fill="hold">
                             <p:stCondLst>
                               <p:cond delay="0"/>
                             </p:stCondLst>
                             <p:childTnLst>
                               <p:par>
-                                <p:cTn id="33" presetID="10" presetClass="entr" presetSubtype="0" fill="hold" nodeType="clickEffect">
+                                <p:cTn id="53" presetID="10" presetClass="entr" presetSubtype="0" fill="hold" nodeType="clickEffect">
                                   <p:stCondLst>
                                     <p:cond delay="0"/>
                                   </p:stCondLst>
                                   <p:childTnLst>
                                     <p:set>
                                       <p:cBhvr>
-                                        <p:cTn id="34" dur="1" fill="hold">
-                                          <p:stCondLst>
-                                            <p:cond delay="0"/>
-                                          </p:stCondLst>
-                                        </p:cTn>
-                                        <p:tgtEl>
-                                          <p:spTgt spid="66"/>
-                                        </p:tgtEl>
-                                        <p:attrNameLst>
-                                          <p:attrName>style.visibility</p:attrName>
-                                        </p:attrNameLst>
-                                      </p:cBhvr>
-                                      <p:to>
-                                        <p:strVal val="visible"/>
-                                      </p:to>
-                                    </p:set>
-                                    <p:animEffect transition="in" filter="fade">
-                                      <p:cBhvr>
-                                        <p:cTn id="35" dur="500"/>
-                                        <p:tgtEl>
-                                          <p:spTgt spid="66"/>
-                                        </p:tgtEl>
-                                      </p:cBhvr>
-                                    </p:animEffect>
-                                  </p:childTnLst>
-                                </p:cTn>
-                              </p:par>
-                            </p:childTnLst>
-                          </p:cTn>
-                        </p:par>
-                        <p:par>
-                          <p:cTn id="36" fill="hold">
-                            <p:stCondLst>
-                              <p:cond delay="500"/>
-                            </p:stCondLst>
-                            <p:childTnLst>
-                              <p:par>
-                                <p:cTn id="37" presetID="42" presetClass="entr" presetSubtype="0" fill="hold" grpId="0" nodeType="afterEffect">
-                                  <p:stCondLst>
-                                    <p:cond delay="0"/>
-                                  </p:stCondLst>
-                                  <p:childTnLst>
-                                    <p:set>
-                                      <p:cBhvr>
-                                        <p:cTn id="38" dur="1" fill="hold">
-                                          <p:stCondLst>
-                                            <p:cond delay="0"/>
-                                          </p:stCondLst>
-                                        </p:cTn>
-                                        <p:tgtEl>
-                                          <p:spTgt spid="49"/>
-                                        </p:tgtEl>
-                                        <p:attrNameLst>
-                                          <p:attrName>style.visibility</p:attrName>
-                                        </p:attrNameLst>
-                                      </p:cBhvr>
-                                      <p:to>
-                                        <p:strVal val="visible"/>
-                                      </p:to>
-                                    </p:set>
-                                    <p:animEffect transition="in" filter="fade">
-                                      <p:cBhvr>
-                                        <p:cTn id="39" dur="500"/>
-                                        <p:tgtEl>
-                                          <p:spTgt spid="49"/>
-                                        </p:tgtEl>
-                                      </p:cBhvr>
-                                    </p:animEffect>
-                                    <p:anim calcmode="lin" valueType="num">
-                                      <p:cBhvr>
-                                        <p:cTn id="40" dur="500" fill="hold"/>
-                                        <p:tgtEl>
-                                          <p:spTgt spid="49"/>
-                                        </p:tgtEl>
-                                        <p:attrNameLst>
-                                          <p:attrName>ppt_x</p:attrName>
-                                        </p:attrNameLst>
-                                      </p:cBhvr>
-                                      <p:tavLst>
-                                        <p:tav tm="0">
-                                          <p:val>
-                                            <p:strVal val="#ppt_x"/>
-                                          </p:val>
-                                        </p:tav>
-                                        <p:tav tm="100000">
-                                          <p:val>
-                                            <p:strVal val="#ppt_x"/>
-                                          </p:val>
-                                        </p:tav>
-                                      </p:tavLst>
-                                    </p:anim>
-                                    <p:anim calcmode="lin" valueType="num">
-                                      <p:cBhvr>
-                                        <p:cTn id="41" dur="500" fill="hold"/>
-                                        <p:tgtEl>
-                                          <p:spTgt spid="49"/>
-                                        </p:tgtEl>
-                                        <p:attrNameLst>
-                                          <p:attrName>ppt_y</p:attrName>
-                                        </p:attrNameLst>
-                                      </p:cBhvr>
-                                      <p:tavLst>
-                                        <p:tav tm="0">
-                                          <p:val>
-                                            <p:strVal val="#ppt_y+.1"/>
-                                          </p:val>
-                                        </p:tav>
-                                        <p:tav tm="100000">
-                                          <p:val>
-                                            <p:strVal val="#ppt_y"/>
-                                          </p:val>
-                                        </p:tav>
-                                      </p:tavLst>
-                                    </p:anim>
-                                  </p:childTnLst>
-                                </p:cTn>
-                              </p:par>
-                            </p:childTnLst>
-                          </p:cTn>
-                        </p:par>
-                      </p:childTnLst>
-                    </p:cTn>
-                  </p:par>
-                  <p:par>
-                    <p:cTn id="42" fill="hold">
-                      <p:stCondLst>
-                        <p:cond delay="indefinite"/>
-                      </p:stCondLst>
-                      <p:childTnLst>
-                        <p:par>
-                          <p:cTn id="43" fill="hold">
-                            <p:stCondLst>
-                              <p:cond delay="0"/>
-                            </p:stCondLst>
-                            <p:childTnLst>
-                              <p:par>
-                                <p:cTn id="44" presetID="10" presetClass="entr" presetSubtype="0" fill="hold" nodeType="clickEffect">
-                                  <p:stCondLst>
-                                    <p:cond delay="0"/>
-                                  </p:stCondLst>
-                                  <p:childTnLst>
-                                    <p:set>
-                                      <p:cBhvr>
-                                        <p:cTn id="45" dur="1" fill="hold">
+                                        <p:cTn id="54" dur="1" fill="hold">
                                           <p:stCondLst>
                                             <p:cond delay="0"/>
                                           </p:stCondLst>
@@ -5391,7 +5454,7 @@
                                     </p:set>
                                     <p:animEffect transition="in" filter="fade">
                                       <p:cBhvr>
-                                        <p:cTn id="46" dur="500"/>
+                                        <p:cTn id="55" dur="500"/>
                                         <p:tgtEl>
                                           <p:spTgt spid="72"/>
                                         </p:tgtEl>
@@ -5404,20 +5467,20 @@
                           </p:cTn>
                         </p:par>
                         <p:par>
-                          <p:cTn id="47" fill="hold">
+                          <p:cTn id="56" fill="hold">
                             <p:stCondLst>
                               <p:cond delay="500"/>
                             </p:stCondLst>
                             <p:childTnLst>
                               <p:par>
-                                <p:cTn id="48" presetID="42" presetClass="entr" presetSubtype="0" fill="hold" grpId="0" nodeType="afterEffect">
+                                <p:cTn id="57" presetID="42" presetClass="entr" presetSubtype="0" fill="hold" grpId="0" nodeType="afterEffect">
                                   <p:stCondLst>
                                     <p:cond delay="0"/>
                                   </p:stCondLst>
                                   <p:childTnLst>
                                     <p:set>
                                       <p:cBhvr>
-                                        <p:cTn id="49" dur="1" fill="hold">
+                                        <p:cTn id="58" dur="1" fill="hold">
                                           <p:stCondLst>
                                             <p:cond delay="0"/>
                                           </p:stCondLst>
@@ -5435,7 +5498,7 @@
                                     </p:set>
                                     <p:animEffect transition="in" filter="fade">
                                       <p:cBhvr>
-                                        <p:cTn id="50" dur="500"/>
+                                        <p:cTn id="59" dur="500"/>
                                         <p:tgtEl>
                                           <p:spTgt spid="32"/>
                                         </p:tgtEl>
@@ -5443,7 +5506,7 @@
                                     </p:animEffect>
                                     <p:anim calcmode="lin" valueType="num">
                                       <p:cBhvr>
-                                        <p:cTn id="51" dur="500" fill="hold"/>
+                                        <p:cTn id="60" dur="500" fill="hold"/>
                                         <p:tgtEl>
                                           <p:spTgt spid="32"/>
                                         </p:tgtEl>
@@ -5466,7 +5529,7 @@
                                     </p:anim>
                                     <p:anim calcmode="lin" valueType="num">
                                       <p:cBhvr>
-                                        <p:cTn id="52" dur="500" fill="hold"/>
+                                        <p:cTn id="61" dur="500" fill="hold"/>
                                         <p:tgtEl>
                                           <p:spTgt spid="32"/>
                                         </p:tgtEl>
@@ -5497,26 +5560,26 @@
                     </p:cTn>
                   </p:par>
                   <p:par>
-                    <p:cTn id="53" fill="hold">
+                    <p:cTn id="62" fill="hold">
                       <p:stCondLst>
                         <p:cond delay="indefinite"/>
                       </p:stCondLst>
                       <p:childTnLst>
                         <p:par>
-                          <p:cTn id="54" fill="hold">
+                          <p:cTn id="63" fill="hold">
                             <p:stCondLst>
                               <p:cond delay="0"/>
                             </p:stCondLst>
                             <p:childTnLst>
                               <p:par>
-                                <p:cTn id="55" presetID="10" presetClass="entr" presetSubtype="0" fill="hold" nodeType="clickEffect">
+                                <p:cTn id="64" presetID="10" presetClass="entr" presetSubtype="0" fill="hold" nodeType="clickEffect">
                                   <p:stCondLst>
                                     <p:cond delay="0"/>
                                   </p:stCondLst>
                                   <p:childTnLst>
                                     <p:set>
                                       <p:cBhvr>
-                                        <p:cTn id="56" dur="1" fill="hold">
+                                        <p:cTn id="65" dur="1" fill="hold">
                                           <p:stCondLst>
                                             <p:cond delay="0"/>
                                           </p:stCondLst>
@@ -5534,7 +5597,7 @@
                                     </p:set>
                                     <p:animEffect transition="in" filter="fade">
                                       <p:cBhvr>
-                                        <p:cTn id="57" dur="500"/>
+                                        <p:cTn id="66" dur="500"/>
                                         <p:tgtEl>
                                           <p:spTgt spid="33"/>
                                         </p:tgtEl>
@@ -5547,20 +5610,20 @@
                           </p:cTn>
                         </p:par>
                         <p:par>
-                          <p:cTn id="58" fill="hold">
+                          <p:cTn id="67" fill="hold">
                             <p:stCondLst>
                               <p:cond delay="1000"/>
                             </p:stCondLst>
                             <p:childTnLst>
                               <p:par>
-                                <p:cTn id="59" presetID="14" presetClass="entr" presetSubtype="10" fill="hold" grpId="0" nodeType="afterEffect">
+                                <p:cTn id="68" presetID="14" presetClass="entr" presetSubtype="10" fill="hold" grpId="0" nodeType="afterEffect">
                                   <p:stCondLst>
                                     <p:cond delay="0"/>
                                   </p:stCondLst>
                                   <p:childTnLst>
                                     <p:set>
                                       <p:cBhvr>
-                                        <p:cTn id="60" dur="1" fill="hold">
+                                        <p:cTn id="69" dur="1" fill="hold">
                                           <p:stCondLst>
                                             <p:cond delay="0"/>
                                           </p:stCondLst>
@@ -5578,7 +5641,7 @@
                                     </p:set>
                                     <p:animEffect transition="in" filter="randombar(horizontal)">
                                       <p:cBhvr>
-                                        <p:cTn id="61" dur="500"/>
+                                        <p:cTn id="70" dur="500"/>
                                         <p:tgtEl>
                                           <p:spTgt spid="56"/>
                                         </p:tgtEl>
@@ -5621,6 +5684,7 @@
       <p:bldP spid="32" grpId="0" animBg="1"/>
       <p:bldP spid="49" grpId="0" animBg="1"/>
       <p:bldP spid="56" grpId="0" animBg="1"/>
+      <p:bldP spid="17" grpId="0" animBg="1"/>
     </p:bldLst>
   </p:timing>
 </p:sld>
@@ -5948,11 +6012,11 @@
   <p:clrMapOvr>
     <a:masterClrMapping/>
   </p:clrMapOvr>
-  <mc:AlternateContent xmlns:mc="http://schemas.openxmlformats.org/markup-compatibility/2006">
-    <mc:Choice xmlns:p14="http://schemas.microsoft.com/office/powerpoint/2010/main" Requires="p14">
+  <mc:AlternateContent xmlns:mc="http://schemas.openxmlformats.org/markup-compatibility/2006" xmlns:p14="http://schemas.microsoft.com/office/powerpoint/2010/main">
+    <mc:Choice Requires="p14">
       <p:transition spd="slow" p14:dur="2000"/>
     </mc:Choice>
-    <mc:Fallback>
+    <mc:Fallback xmlns="">
       <p:transition spd="slow"/>
     </mc:Fallback>
   </mc:AlternateContent>
@@ -6378,11 +6442,7 @@
               <a:pPr algn="ctr"/>
               <a:r>
                 <a:rPr lang="en-US" altLang="zh-TW" sz="2800" dirty="0" smtClean="0"/>
-                <a:t>f</a:t>
-              </a:r>
-              <a:r>
-                <a:rPr lang="en-US" altLang="zh-TW" sz="2800" dirty="0" smtClean="0"/>
-                <a:t>orm</a:t>
+                <a:t>form</a:t>
               </a:r>
               <a:endParaRPr lang="zh-TW" altLang="en-US" sz="2800" dirty="0"/>
             </a:p>
@@ -6958,11 +7018,11 @@
   <p:clrMapOvr>
     <a:masterClrMapping/>
   </p:clrMapOvr>
-  <mc:AlternateContent xmlns:mc="http://schemas.openxmlformats.org/markup-compatibility/2006">
-    <mc:Choice xmlns:p14="http://schemas.microsoft.com/office/powerpoint/2010/main" Requires="p14">
+  <mc:AlternateContent xmlns:mc="http://schemas.openxmlformats.org/markup-compatibility/2006" xmlns:p14="http://schemas.microsoft.com/office/powerpoint/2010/main">
+    <mc:Choice Requires="p14">
       <p:transition spd="slow" p14:dur="2000"/>
     </mc:Choice>
-    <mc:Fallback>
+    <mc:Fallback xmlns="">
       <p:transition spd="slow"/>
     </mc:Fallback>
   </mc:AlternateContent>
@@ -7918,11 +7978,11 @@
   <p:clrMapOvr>
     <a:masterClrMapping/>
   </p:clrMapOvr>
-  <mc:AlternateContent xmlns:mc="http://schemas.openxmlformats.org/markup-compatibility/2006">
-    <mc:Choice xmlns:p14="http://schemas.microsoft.com/office/powerpoint/2010/main" Requires="p14">
+  <mc:AlternateContent xmlns:mc="http://schemas.openxmlformats.org/markup-compatibility/2006" xmlns:p14="http://schemas.microsoft.com/office/powerpoint/2010/main">
+    <mc:Choice Requires="p14">
       <p:transition spd="slow" p14:dur="2000"/>
     </mc:Choice>
-    <mc:Fallback>
+    <mc:Fallback xmlns="">
       <p:transition spd="slow"/>
     </mc:Fallback>
   </mc:AlternateContent>
@@ -8979,11 +9039,11 @@
   <p:clrMapOvr>
     <a:masterClrMapping/>
   </p:clrMapOvr>
-  <mc:AlternateContent xmlns:mc="http://schemas.openxmlformats.org/markup-compatibility/2006">
-    <mc:Choice xmlns:p14="http://schemas.microsoft.com/office/powerpoint/2010/main" Requires="p14">
+  <mc:AlternateContent xmlns:mc="http://schemas.openxmlformats.org/markup-compatibility/2006" xmlns:p14="http://schemas.microsoft.com/office/powerpoint/2010/main">
+    <mc:Choice Requires="p14">
       <p:transition spd="slow" p14:dur="2000"/>
     </mc:Choice>
-    <mc:Fallback>
+    <mc:Fallback xmlns="">
       <p:transition spd="slow"/>
     </mc:Fallback>
   </mc:AlternateContent>
@@ -9607,11 +9667,11 @@
   <p:clrMapOvr>
     <a:masterClrMapping/>
   </p:clrMapOvr>
-  <mc:AlternateContent xmlns:mc="http://schemas.openxmlformats.org/markup-compatibility/2006">
-    <mc:Choice xmlns:p14="http://schemas.microsoft.com/office/powerpoint/2010/main" Requires="p14">
+  <mc:AlternateContent xmlns:mc="http://schemas.openxmlformats.org/markup-compatibility/2006" xmlns:p14="http://schemas.microsoft.com/office/powerpoint/2010/main">
+    <mc:Choice Requires="p14">
       <p:transition spd="slow" p14:dur="2000"/>
     </mc:Choice>
-    <mc:Fallback>
+    <mc:Fallback xmlns="">
       <p:transition spd="slow"/>
     </mc:Fallback>
   </mc:AlternateContent>
